--- a/angularjs/slides/a2_components.pptx
+++ b/angularjs/slides/a2_components.pptx
@@ -5,31 +5,26 @@
     <p:sldMasterId id="2147483772" r:id="rId1"/>
   </p:sldMasterIdLst>
   <p:notesMasterIdLst>
-    <p:notesMasterId r:id="rId21"/>
+    <p:notesMasterId r:id="rId16"/>
   </p:notesMasterIdLst>
   <p:handoutMasterIdLst>
-    <p:handoutMasterId r:id="rId22"/>
+    <p:handoutMasterId r:id="rId17"/>
   </p:handoutMasterIdLst>
   <p:sldIdLst>
     <p:sldId id="327" r:id="rId2"/>
     <p:sldId id="333" r:id="rId3"/>
-    <p:sldId id="334" r:id="rId4"/>
+    <p:sldId id="346" r:id="rId4"/>
     <p:sldId id="335" r:id="rId5"/>
-    <p:sldId id="336" r:id="rId6"/>
-    <p:sldId id="337" r:id="rId7"/>
-    <p:sldId id="328" r:id="rId8"/>
+    <p:sldId id="350" r:id="rId6"/>
+    <p:sldId id="347" r:id="rId7"/>
+    <p:sldId id="343" r:id="rId8"/>
     <p:sldId id="329" r:id="rId9"/>
     <p:sldId id="330" r:id="rId10"/>
-    <p:sldId id="331" r:id="rId11"/>
-    <p:sldId id="338" r:id="rId12"/>
-    <p:sldId id="339" r:id="rId13"/>
-    <p:sldId id="340" r:id="rId14"/>
-    <p:sldId id="341" r:id="rId15"/>
-    <p:sldId id="342" r:id="rId16"/>
-    <p:sldId id="343" r:id="rId17"/>
-    <p:sldId id="344" r:id="rId18"/>
-    <p:sldId id="345" r:id="rId19"/>
-    <p:sldId id="332" r:id="rId20"/>
+    <p:sldId id="349" r:id="rId11"/>
+    <p:sldId id="331" r:id="rId12"/>
+    <p:sldId id="344" r:id="rId13"/>
+    <p:sldId id="345" r:id="rId14"/>
+    <p:sldId id="332" r:id="rId15"/>
   </p:sldIdLst>
   <p:sldSz cx="9144000" cy="6858000" type="screen4x3"/>
   <p:notesSz cx="7302500" cy="9588500"/>
@@ -282,7 +277,7 @@
               <a:pPr>
                 <a:defRPr/>
               </a:pPr>
-              <a:t>5/1/2016</a:t>
+              <a:t>5/4/2016</a:t>
             </a:fld>
             <a:endParaRPr lang="en-US"/>
           </a:p>
@@ -988,7 +983,7 @@
           <a:p>
             <a:fld id="{1112285D-B62D-0345-9A0E-5D91D31CA9B6}" type="slidenum">
               <a:rPr lang="en-US" smtClean="0"/>
-              <a:t>16</a:t>
+              <a:t>7</a:t>
             </a:fld>
             <a:endParaRPr lang="en-US"/>
           </a:p>
@@ -3007,7 +3002,7 @@
           <a:p>
             <a:r>
               <a:rPr lang="en-US" dirty="0"/>
-              <a:t>Child Components</a:t>
+              <a:t>ng-link</a:t>
             </a:r>
           </a:p>
         </p:txBody>
@@ -3029,8 +3024,13 @@
           <a:p>
             <a:r>
               <a:rPr lang="en-US" dirty="0"/>
-              <a:t>Can have their own route configuration</a:t>
-            </a:r>
+              <a:t>Generate links using route names and </a:t>
+            </a:r>
+            <a:r>
+              <a:rPr lang="en-US" dirty="0" err="1"/>
+              <a:t>paramters</a:t>
+            </a:r>
+            <a:endParaRPr lang="en-US" dirty="0"/>
           </a:p>
         </p:txBody>
       </p:sp>
@@ -3043,15 +3043,27 @@
           <p:nvPr/>
         </p:nvPicPr>
         <p:blipFill>
-          <a:blip r:embed="rId2"/>
+          <a:blip r:embed="rId2">
+            <a:extLst>
+              <a:ext uri="{BEBA8EAE-BF5A-486C-A8C5-ECC9F3942E4B}">
+                <a14:imgProps xmlns:a14="http://schemas.microsoft.com/office/drawing/2010/main">
+                  <a14:imgLayer r:embed="rId3">
+                    <a14:imgEffect>
+                      <a14:colorTemperature colorTemp="11200"/>
+                    </a14:imgEffect>
+                  </a14:imgLayer>
+                </a14:imgProps>
+              </a:ext>
+            </a:extLst>
+          </a:blip>
           <a:stretch>
             <a:fillRect/>
           </a:stretch>
         </p:blipFill>
         <p:spPr>
           <a:xfrm>
-            <a:off x="1905000" y="3200400"/>
-            <a:ext cx="5114925" cy="1104900"/>
+            <a:off x="685800" y="2438400"/>
+            <a:ext cx="7105650" cy="2611244"/>
           </a:xfrm>
           <a:prstGeom prst="rect">
             <a:avLst/>
@@ -3061,7 +3073,7 @@
     </p:spTree>
     <p:extLst>
       <p:ext uri="{BB962C8B-B14F-4D97-AF65-F5344CB8AC3E}">
-        <p14:creationId xmlns:p14="http://schemas.microsoft.com/office/powerpoint/2010/main" val="3956531924"/>
+        <p14:creationId xmlns:p14="http://schemas.microsoft.com/office/powerpoint/2010/main" val="2151549399"/>
       </p:ext>
     </p:extLst>
   </p:cSld>
@@ -3108,340 +3120,79 @@
           <a:p>
             <a:r>
               <a:rPr lang="en-US" dirty="0"/>
-              <a:t>Routing</a:t>
+              <a:t>Child Components</a:t>
             </a:r>
           </a:p>
         </p:txBody>
       </p:sp>
       <p:sp>
         <p:nvSpPr>
-          <p:cNvPr id="3" name="Rectangle 2"/>
-          <p:cNvSpPr/>
+          <p:cNvPr id="3" name="Text Placeholder 2"/>
+          <p:cNvSpPr>
+            <a:spLocks noGrp="1"/>
+          </p:cNvSpPr>
+          <p:nvPr>
+            <p:ph type="body" idx="1"/>
+          </p:nvPr>
+        </p:nvSpPr>
+        <p:spPr/>
+        <p:txBody>
+          <a:bodyPr/>
+          <a:lstStyle/>
+          <a:p>
+            <a:endParaRPr lang="en-US" dirty="0"/>
+          </a:p>
+        </p:txBody>
+      </p:sp>
+      <p:pic>
+        <p:nvPicPr>
+          <p:cNvPr id="4" name="Picture 3"/>
+          <p:cNvPicPr>
+            <a:picLocks noChangeAspect="1"/>
+          </p:cNvPicPr>
           <p:nvPr/>
-        </p:nvSpPr>
+        </p:nvPicPr>
+        <p:blipFill>
+          <a:blip r:embed="rId2">
+            <a:extLst>
+              <a:ext uri="{BEBA8EAE-BF5A-486C-A8C5-ECC9F3942E4B}">
+                <a14:imgProps xmlns:a14="http://schemas.microsoft.com/office/drawing/2010/main">
+                  <a14:imgLayer r:embed="rId3">
+                    <a14:imgEffect>
+                      <a14:colorTemperature colorTemp="11200"/>
+                    </a14:imgEffect>
+                  </a14:imgLayer>
+                </a14:imgProps>
+              </a:ext>
+            </a:extLst>
+          </a:blip>
+          <a:stretch>
+            <a:fillRect/>
+          </a:stretch>
+        </p:blipFill>
         <p:spPr>
           <a:xfrm>
-            <a:off x="2275728" y="2344434"/>
-            <a:ext cx="4592549" cy="2589088"/>
-          </a:xfrm>
-          <a:prstGeom prst="rect">
-            <a:avLst/>
-          </a:prstGeom>
-          <a:ln/>
-        </p:spPr>
-        <p:style>
-          <a:lnRef idx="2">
-            <a:schemeClr val="accent5">
-              <a:shade val="50000"/>
-            </a:schemeClr>
-          </a:lnRef>
-          <a:fillRef idx="1">
-            <a:schemeClr val="accent5"/>
-          </a:fillRef>
-          <a:effectRef idx="0">
-            <a:schemeClr val="accent5"/>
-          </a:effectRef>
-          <a:fontRef idx="minor">
-            <a:schemeClr val="lt1"/>
-          </a:fontRef>
-        </p:style>
-        <p:txBody>
-          <a:bodyPr lIns="137160" tIns="137160" rIns="137160" bIns="137160" rtlCol="0" anchor="ctr"/>
-          <a:lstStyle/>
-          <a:p>
-            <a:pPr>
-              <a:spcBef>
-                <a:spcPts val="450"/>
-              </a:spcBef>
-            </a:pPr>
-            <a:r>
-              <a:rPr lang="en-US" sz="1500" dirty="0">
-                <a:solidFill>
-                  <a:schemeClr val="bg1"/>
-                </a:solidFill>
-              </a:rPr>
-              <a:t>&lt;ng-view&gt;</a:t>
-            </a:r>
-          </a:p>
-          <a:p>
-            <a:pPr>
-              <a:spcBef>
-                <a:spcPts val="450"/>
-              </a:spcBef>
-            </a:pPr>
-            <a:r>
-              <a:rPr lang="en-US" sz="1500" dirty="0">
-                <a:solidFill>
-                  <a:schemeClr val="bg1"/>
-                </a:solidFill>
-              </a:rPr>
-              <a:t>&lt;/ng-view&gt;</a:t>
-            </a:r>
-          </a:p>
-        </p:txBody>
-      </p:sp>
-      <p:sp>
-        <p:nvSpPr>
-          <p:cNvPr id="4" name="TextBox 3"/>
-          <p:cNvSpPr txBox="1"/>
-          <p:nvPr/>
-        </p:nvSpPr>
-        <p:spPr>
-          <a:xfrm>
-            <a:off x="2275728" y="2044352"/>
-            <a:ext cx="4592549" cy="323165"/>
+            <a:off x="457200" y="2438400"/>
+            <a:ext cx="8220075" cy="2079115"/>
           </a:xfrm>
           <a:prstGeom prst="rect">
             <a:avLst/>
           </a:prstGeom>
         </p:spPr>
-        <p:style>
-          <a:lnRef idx="3">
-            <a:schemeClr val="lt1"/>
-          </a:lnRef>
-          <a:fillRef idx="1">
-            <a:schemeClr val="accent3"/>
-          </a:fillRef>
-          <a:effectRef idx="1">
-            <a:schemeClr val="accent3"/>
-          </a:effectRef>
-          <a:fontRef idx="minor">
-            <a:schemeClr val="lt1"/>
-          </a:fontRef>
-        </p:style>
-        <p:txBody>
-          <a:bodyPr wrap="square" rtlCol="0">
-            <a:spAutoFit/>
-          </a:bodyPr>
-          <a:lstStyle/>
-          <a:p>
-            <a:r>
-              <a:rPr lang="en-US" sz="1500" dirty="0"/>
-              <a:t>http://server/app#/home</a:t>
-            </a:r>
-          </a:p>
-        </p:txBody>
-      </p:sp>
-      <p:sp>
-        <p:nvSpPr>
-          <p:cNvPr id="5" name="Rectangle 4"/>
-          <p:cNvSpPr/>
-          <p:nvPr/>
-        </p:nvSpPr>
-        <p:spPr>
-          <a:xfrm>
-            <a:off x="529888" y="3847030"/>
-            <a:ext cx="1481279" cy="872020"/>
-          </a:xfrm>
-          <a:prstGeom prst="rect">
-            <a:avLst/>
-          </a:prstGeom>
-          <a:solidFill>
-            <a:schemeClr val="accent1"/>
-          </a:solidFill>
-          <a:ln>
-            <a:noFill/>
-          </a:ln>
-          <a:effectLst/>
-        </p:spPr>
-        <p:style>
-          <a:lnRef idx="2">
-            <a:schemeClr val="accent1"/>
-          </a:lnRef>
-          <a:fillRef idx="0">
-            <a:schemeClr val="accent1"/>
-          </a:fillRef>
-          <a:effectRef idx="1">
-            <a:schemeClr val="accent1"/>
-          </a:effectRef>
-          <a:fontRef idx="minor">
-            <a:schemeClr val="tx1"/>
-          </a:fontRef>
-        </p:style>
-        <p:txBody>
-          <a:bodyPr lIns="137160" tIns="137160" rIns="137160" bIns="137160" rtlCol="0" anchor="ctr"/>
-          <a:lstStyle/>
-          <a:p>
-            <a:pPr>
-              <a:spcBef>
-                <a:spcPts val="450"/>
-              </a:spcBef>
-            </a:pPr>
-            <a:r>
-              <a:rPr lang="en-US" sz="1500" dirty="0">
-                <a:solidFill>
-                  <a:schemeClr val="bg1"/>
-                </a:solidFill>
-              </a:rPr>
-              <a:t>home.html</a:t>
-            </a:r>
-          </a:p>
-        </p:txBody>
-      </p:sp>
-      <p:sp>
-        <p:nvSpPr>
-          <p:cNvPr id="6" name="Rectangle 5"/>
-          <p:cNvSpPr/>
-          <p:nvPr/>
-        </p:nvSpPr>
-        <p:spPr>
-          <a:xfrm>
-            <a:off x="529889" y="4878298"/>
-            <a:ext cx="1481279" cy="872020"/>
-          </a:xfrm>
-          <a:prstGeom prst="rect">
-            <a:avLst/>
-          </a:prstGeom>
-          <a:solidFill>
-            <a:schemeClr val="accent1"/>
-          </a:solidFill>
-          <a:ln>
-            <a:noFill/>
-          </a:ln>
-          <a:effectLst/>
-        </p:spPr>
-        <p:style>
-          <a:lnRef idx="2">
-            <a:schemeClr val="accent1"/>
-          </a:lnRef>
-          <a:fillRef idx="0">
-            <a:schemeClr val="accent1"/>
-          </a:fillRef>
-          <a:effectRef idx="1">
-            <a:schemeClr val="accent1"/>
-          </a:effectRef>
-          <a:fontRef idx="minor">
-            <a:schemeClr val="tx1"/>
-          </a:fontRef>
-        </p:style>
-        <p:txBody>
-          <a:bodyPr lIns="137160" tIns="137160" rIns="137160" bIns="137160" rtlCol="0" anchor="ctr"/>
-          <a:lstStyle/>
-          <a:p>
-            <a:pPr>
-              <a:spcBef>
-                <a:spcPts val="450"/>
-              </a:spcBef>
-            </a:pPr>
-            <a:r>
-              <a:rPr lang="en-US" sz="1500" dirty="0">
-                <a:solidFill>
-                  <a:schemeClr val="bg1"/>
-                </a:solidFill>
-              </a:rPr>
-              <a:t>about.html</a:t>
-            </a:r>
-          </a:p>
-        </p:txBody>
-      </p:sp>
+      </p:pic>
     </p:spTree>
     <p:extLst>
       <p:ext uri="{BB962C8B-B14F-4D97-AF65-F5344CB8AC3E}">
-        <p14:creationId xmlns:p14="http://schemas.microsoft.com/office/powerpoint/2010/main" val="4187456992"/>
+        <p14:creationId xmlns:p14="http://schemas.microsoft.com/office/powerpoint/2010/main" val="3956531924"/>
       </p:ext>
     </p:extLst>
   </p:cSld>
   <p:clrMapOvr>
     <a:masterClrMapping/>
   </p:clrMapOvr>
-  <mc:AlternateContent xmlns:mc="http://schemas.openxmlformats.org/markup-compatibility/2006" xmlns:p14="http://schemas.microsoft.com/office/powerpoint/2010/main">
-    <mc:Choice Requires="p14">
-      <p:transition spd="med" p14:dur="700">
-        <p:fade/>
-      </p:transition>
-    </mc:Choice>
-    <mc:Fallback xmlns="">
-      <p:transition spd="med">
-        <p:fade/>
-      </p:transition>
-    </mc:Fallback>
-  </mc:AlternateContent>
-  <p:timing>
-    <p:tnLst>
-      <p:par>
-        <p:cTn id="1" dur="indefinite" restart="never" nodeType="tmRoot">
-          <p:childTnLst>
-            <p:seq concurrent="1" nextAc="seek">
-              <p:cTn id="2" dur="indefinite" nodeType="mainSeq">
-                <p:childTnLst>
-                  <p:par>
-                    <p:cTn id="3" fill="hold">
-                      <p:stCondLst>
-                        <p:cond delay="indefinite"/>
-                      </p:stCondLst>
-                      <p:childTnLst>
-                        <p:par>
-                          <p:cTn id="4" fill="hold">
-                            <p:stCondLst>
-                              <p:cond delay="0"/>
-                            </p:stCondLst>
-                            <p:childTnLst>
-                              <p:par>
-                                <p:cTn id="5" presetID="10" presetClass="entr" presetSubtype="0" fill="hold" grpId="0" nodeType="clickEffect">
-                                  <p:stCondLst>
-                                    <p:cond delay="0"/>
-                                  </p:stCondLst>
-                                  <p:childTnLst>
-                                    <p:set>
-                                      <p:cBhvr>
-                                        <p:cTn id="6" dur="1" fill="hold">
-                                          <p:stCondLst>
-                                            <p:cond delay="0"/>
-                                          </p:stCondLst>
-                                        </p:cTn>
-                                        <p:tgtEl>
-                                          <p:spTgt spid="4"/>
-                                        </p:tgtEl>
-                                        <p:attrNameLst>
-                                          <p:attrName>style.visibility</p:attrName>
-                                        </p:attrNameLst>
-                                      </p:cBhvr>
-                                      <p:to>
-                                        <p:strVal val="visible"/>
-                                      </p:to>
-                                    </p:set>
-                                    <p:animEffect transition="in" filter="fade">
-                                      <p:cBhvr>
-                                        <p:cTn id="7" dur="500"/>
-                                        <p:tgtEl>
-                                          <p:spTgt spid="4"/>
-                                        </p:tgtEl>
-                                      </p:cBhvr>
-                                    </p:animEffect>
-                                  </p:childTnLst>
-                                </p:cTn>
-                              </p:par>
-                            </p:childTnLst>
-                          </p:cTn>
-                        </p:par>
-                      </p:childTnLst>
-                    </p:cTn>
-                  </p:par>
-                </p:childTnLst>
-              </p:cTn>
-              <p:prevCondLst>
-                <p:cond evt="onPrev" delay="0">
-                  <p:tgtEl>
-                    <p:sldTgt/>
-                  </p:tgtEl>
-                </p:cond>
-              </p:prevCondLst>
-              <p:nextCondLst>
-                <p:cond evt="onNext" delay="0">
-                  <p:tgtEl>
-                    <p:sldTgt/>
-                  </p:tgtEl>
-                </p:cond>
-              </p:nextCondLst>
-            </p:seq>
-          </p:childTnLst>
-        </p:cTn>
-      </p:par>
-    </p:tnLst>
-    <p:bldLst>
-      <p:bldP spid="4" grpId="0" animBg="1"/>
-    </p:bldLst>
-  </p:timing>
+  <p:transition>
+    <p:fade/>
+  </p:transition>
 </p:sld>
 </file>
 
@@ -3479,236 +3230,282 @@
           <a:p>
             <a:r>
               <a:rPr lang="en-US" dirty="0"/>
-              <a:t>Routing</a:t>
+              <a:t>Lifecycle Hooks</a:t>
             </a:r>
           </a:p>
         </p:txBody>
       </p:sp>
-      <p:sp>
-        <p:nvSpPr>
-          <p:cNvPr id="3" name="Rectangle 2"/>
-          <p:cNvSpPr/>
-          <p:nvPr/>
-        </p:nvSpPr>
-        <p:spPr>
-          <a:xfrm>
-            <a:off x="2275728" y="2344434"/>
-            <a:ext cx="4592549" cy="2589088"/>
-          </a:xfrm>
-          <a:prstGeom prst="rect">
-            <a:avLst/>
-          </a:prstGeom>
-          <a:ln/>
-        </p:spPr>
-        <p:style>
-          <a:lnRef idx="2">
-            <a:schemeClr val="accent5">
-              <a:shade val="50000"/>
-            </a:schemeClr>
-          </a:lnRef>
-          <a:fillRef idx="1">
-            <a:schemeClr val="accent5"/>
-          </a:fillRef>
-          <a:effectRef idx="0">
-            <a:schemeClr val="accent5"/>
-          </a:effectRef>
-          <a:fontRef idx="minor">
-            <a:schemeClr val="lt1"/>
-          </a:fontRef>
-        </p:style>
-        <p:txBody>
-          <a:bodyPr lIns="137160" tIns="137160" rIns="137160" bIns="137160" rtlCol="0" anchor="ctr"/>
-          <a:lstStyle/>
-          <a:p>
-            <a:pPr>
-              <a:spcBef>
-                <a:spcPts val="450"/>
-              </a:spcBef>
-            </a:pPr>
-            <a:r>
-              <a:rPr lang="en-US" sz="1500" dirty="0">
-                <a:solidFill>
-                  <a:schemeClr val="bg1"/>
-                </a:solidFill>
-              </a:rPr>
-              <a:t>&lt;ng-view&gt;</a:t>
-            </a:r>
-          </a:p>
-          <a:p>
-            <a:pPr>
-              <a:spcBef>
-                <a:spcPts val="450"/>
-              </a:spcBef>
-            </a:pPr>
-            <a:r>
-              <a:rPr lang="en-US" sz="1500" dirty="0">
-                <a:solidFill>
-                  <a:schemeClr val="bg1"/>
-                </a:solidFill>
-              </a:rPr>
-              <a:t>&lt;/ng-view&gt;</a:t>
-            </a:r>
-          </a:p>
-        </p:txBody>
-      </p:sp>
-      <p:sp>
-        <p:nvSpPr>
-          <p:cNvPr id="4" name="TextBox 3"/>
-          <p:cNvSpPr txBox="1"/>
-          <p:nvPr/>
-        </p:nvSpPr>
-        <p:spPr>
-          <a:xfrm>
-            <a:off x="2275728" y="2044352"/>
-            <a:ext cx="4592549" cy="323165"/>
-          </a:xfrm>
-          <a:prstGeom prst="rect">
-            <a:avLst/>
-          </a:prstGeom>
-        </p:spPr>
-        <p:style>
-          <a:lnRef idx="3">
-            <a:schemeClr val="lt1"/>
-          </a:lnRef>
-          <a:fillRef idx="1">
-            <a:schemeClr val="accent3"/>
-          </a:fillRef>
-          <a:effectRef idx="1">
-            <a:schemeClr val="accent3"/>
-          </a:effectRef>
-          <a:fontRef idx="minor">
-            <a:schemeClr val="lt1"/>
-          </a:fontRef>
-        </p:style>
-        <p:txBody>
-          <a:bodyPr wrap="square" rtlCol="0">
-            <a:spAutoFit/>
-          </a:bodyPr>
-          <a:lstStyle/>
-          <a:p>
-            <a:r>
-              <a:rPr lang="en-US" sz="1500" dirty="0"/>
-              <a:t>http://server/app#/home</a:t>
-            </a:r>
-          </a:p>
-        </p:txBody>
-      </p:sp>
-      <p:sp>
-        <p:nvSpPr>
-          <p:cNvPr id="5" name="Rectangle 4"/>
-          <p:cNvSpPr/>
-          <p:nvPr/>
-        </p:nvSpPr>
-        <p:spPr>
-          <a:xfrm>
-            <a:off x="529888" y="3847030"/>
-            <a:ext cx="1481279" cy="872020"/>
-          </a:xfrm>
-          <a:prstGeom prst="rect">
-            <a:avLst/>
-          </a:prstGeom>
-          <a:solidFill>
-            <a:schemeClr val="accent1"/>
-          </a:solidFill>
-          <a:ln>
-            <a:noFill/>
-          </a:ln>
-          <a:effectLst/>
-        </p:spPr>
-        <p:style>
-          <a:lnRef idx="2">
-            <a:schemeClr val="accent1"/>
-          </a:lnRef>
-          <a:fillRef idx="0">
-            <a:schemeClr val="accent1"/>
-          </a:fillRef>
-          <a:effectRef idx="1">
-            <a:schemeClr val="accent1"/>
-          </a:effectRef>
-          <a:fontRef idx="minor">
-            <a:schemeClr val="tx1"/>
-          </a:fontRef>
-        </p:style>
-        <p:txBody>
-          <a:bodyPr lIns="137160" tIns="137160" rIns="137160" bIns="137160" rtlCol="0" anchor="ctr"/>
-          <a:lstStyle/>
-          <a:p>
-            <a:pPr>
-              <a:spcBef>
-                <a:spcPts val="450"/>
-              </a:spcBef>
-            </a:pPr>
-            <a:r>
-              <a:rPr lang="en-US" sz="1500" dirty="0">
-                <a:solidFill>
-                  <a:schemeClr val="bg1"/>
-                </a:solidFill>
-              </a:rPr>
-              <a:t>home.html</a:t>
-            </a:r>
-          </a:p>
-        </p:txBody>
-      </p:sp>
-      <p:sp>
-        <p:nvSpPr>
-          <p:cNvPr id="6" name="Rectangle 5"/>
-          <p:cNvSpPr/>
-          <p:nvPr/>
-        </p:nvSpPr>
-        <p:spPr>
-          <a:xfrm>
-            <a:off x="529889" y="4878298"/>
-            <a:ext cx="1481279" cy="872020"/>
-          </a:xfrm>
-          <a:prstGeom prst="rect">
-            <a:avLst/>
-          </a:prstGeom>
-          <a:solidFill>
-            <a:schemeClr val="accent1"/>
-          </a:solidFill>
-          <a:ln>
-            <a:noFill/>
-          </a:ln>
-          <a:effectLst/>
-        </p:spPr>
-        <p:style>
-          <a:lnRef idx="2">
-            <a:schemeClr val="accent1"/>
-          </a:lnRef>
-          <a:fillRef idx="0">
-            <a:schemeClr val="accent1"/>
-          </a:fillRef>
-          <a:effectRef idx="1">
-            <a:schemeClr val="accent1"/>
-          </a:effectRef>
-          <a:fontRef idx="minor">
-            <a:schemeClr val="tx1"/>
-          </a:fontRef>
-        </p:style>
-        <p:txBody>
-          <a:bodyPr lIns="137160" tIns="137160" rIns="137160" bIns="137160" rtlCol="0" anchor="ctr"/>
-          <a:lstStyle/>
-          <a:p>
-            <a:pPr>
-              <a:spcBef>
-                <a:spcPts val="450"/>
-              </a:spcBef>
-            </a:pPr>
-            <a:r>
-              <a:rPr lang="en-US" sz="1500" dirty="0">
-                <a:solidFill>
-                  <a:schemeClr val="bg1"/>
-                </a:solidFill>
-              </a:rPr>
-              <a:t>about.html</a:t>
-            </a:r>
-          </a:p>
-        </p:txBody>
-      </p:sp>
+      <p:graphicFrame>
+        <p:nvGraphicFramePr>
+          <p:cNvPr id="3" name="Table 2"/>
+          <p:cNvGraphicFramePr>
+            <a:graphicFrameLocks noGrp="1"/>
+          </p:cNvGraphicFramePr>
+          <p:nvPr>
+            <p:extLst>
+              <p:ext uri="{D42A27DB-BD31-4B8C-83A1-F6EECF244321}">
+                <p14:modId xmlns:p14="http://schemas.microsoft.com/office/powerpoint/2010/main" val="1919973751"/>
+              </p:ext>
+            </p:extLst>
+          </p:nvPr>
+        </p:nvGraphicFramePr>
+        <p:xfrm>
+          <a:off x="1066798" y="1447800"/>
+          <a:ext cx="7547318" cy="3559744"/>
+        </p:xfrm>
+        <a:graphic>
+          <a:graphicData uri="http://schemas.openxmlformats.org/drawingml/2006/table">
+            <a:tbl>
+              <a:tblPr firstRow="1" bandRow="1">
+                <a:tableStyleId>{5C22544A-7EE6-4342-B048-85BDC9FD1C3A}</a:tableStyleId>
+              </a:tblPr>
+              <a:tblGrid>
+                <a:gridCol w="2819402">
+                  <a:extLst>
+                    <a:ext uri="{9D8B030D-6E8A-4147-A177-3AD203B41FA5}">
+                      <a16:colId xmlns:a16="http://schemas.microsoft.com/office/drawing/2014/main" val="1711796455"/>
+                    </a:ext>
+                  </a:extLst>
+                </a:gridCol>
+                <a:gridCol w="4727916">
+                  <a:extLst>
+                    <a:ext uri="{9D8B030D-6E8A-4147-A177-3AD203B41FA5}">
+                      <a16:colId xmlns:a16="http://schemas.microsoft.com/office/drawing/2014/main" val="752418319"/>
+                    </a:ext>
+                  </a:extLst>
+                </a:gridCol>
+              </a:tblGrid>
+              <a:tr h="577516">
+                <a:tc>
+                  <a:txBody>
+                    <a:bodyPr/>
+                    <a:lstStyle/>
+                    <a:p>
+                      <a:r>
+                        <a:rPr lang="en-US" dirty="0"/>
+                        <a:t>Event</a:t>
+                      </a:r>
+                    </a:p>
+                  </a:txBody>
+                  <a:tcPr/>
+                </a:tc>
+                <a:tc>
+                  <a:txBody>
+                    <a:bodyPr/>
+                    <a:lstStyle/>
+                    <a:p>
+                      <a:r>
+                        <a:rPr lang="en-US" dirty="0"/>
+                        <a:t>Description</a:t>
+                      </a:r>
+                    </a:p>
+                  </a:txBody>
+                  <a:tcPr/>
+                </a:tc>
+                <a:extLst>
+                  <a:ext uri="{0D108BD9-81ED-4DB2-BD59-A6C34878D82A}">
+                    <a16:rowId xmlns:a16="http://schemas.microsoft.com/office/drawing/2014/main" val="3530161081"/>
+                  </a:ext>
+                </a:extLst>
+              </a:tr>
+              <a:tr h="585537">
+                <a:tc>
+                  <a:txBody>
+                    <a:bodyPr/>
+                    <a:lstStyle/>
+                    <a:p>
+                      <a:r>
+                        <a:rPr lang="en-US" dirty="0"/>
+                        <a:t>$</a:t>
+                      </a:r>
+                      <a:r>
+                        <a:rPr lang="en-US" dirty="0" err="1"/>
+                        <a:t>canActivate</a:t>
+                      </a:r>
+                      <a:endParaRPr lang="en-US" dirty="0"/>
+                    </a:p>
+                  </a:txBody>
+                  <a:tcPr/>
+                </a:tc>
+                <a:tc>
+                  <a:txBody>
+                    <a:bodyPr/>
+                    <a:lstStyle/>
+                    <a:p>
+                      <a:r>
+                        <a:rPr lang="en-US" dirty="0"/>
+                        <a:t>Return Boolean or promise – can the component activate?</a:t>
+                      </a:r>
+                    </a:p>
+                  </a:txBody>
+                  <a:tcPr/>
+                </a:tc>
+                <a:extLst>
+                  <a:ext uri="{0D108BD9-81ED-4DB2-BD59-A6C34878D82A}">
+                    <a16:rowId xmlns:a16="http://schemas.microsoft.com/office/drawing/2014/main" val="1554950559"/>
+                  </a:ext>
+                </a:extLst>
+              </a:tr>
+              <a:tr h="585537">
+                <a:tc>
+                  <a:txBody>
+                    <a:bodyPr/>
+                    <a:lstStyle/>
+                    <a:p>
+                      <a:r>
+                        <a:rPr lang="en-US" dirty="0"/>
+                        <a:t>$</a:t>
+                      </a:r>
+                      <a:r>
+                        <a:rPr lang="en-US" dirty="0" err="1"/>
+                        <a:t>routerOnActivate</a:t>
+                      </a:r>
+                      <a:endParaRPr lang="en-US" dirty="0"/>
+                    </a:p>
+                  </a:txBody>
+                  <a:tcPr/>
+                </a:tc>
+                <a:tc>
+                  <a:txBody>
+                    <a:bodyPr/>
+                    <a:lstStyle/>
+                    <a:p>
+                      <a:r>
+                        <a:rPr lang="en-US" dirty="0"/>
+                        <a:t>After a successful navigation</a:t>
+                      </a:r>
+                    </a:p>
+                  </a:txBody>
+                  <a:tcPr/>
+                </a:tc>
+                <a:extLst>
+                  <a:ext uri="{0D108BD9-81ED-4DB2-BD59-A6C34878D82A}">
+                    <a16:rowId xmlns:a16="http://schemas.microsoft.com/office/drawing/2014/main" val="3133354878"/>
+                  </a:ext>
+                </a:extLst>
+              </a:tr>
+              <a:tr h="585537">
+                <a:tc>
+                  <a:txBody>
+                    <a:bodyPr/>
+                    <a:lstStyle/>
+                    <a:p>
+                      <a:r>
+                        <a:rPr lang="en-US" dirty="0"/>
+                        <a:t>$</a:t>
+                      </a:r>
+                      <a:r>
+                        <a:rPr lang="en-US" dirty="0" err="1"/>
+                        <a:t>routerCanDeactivate</a:t>
+                      </a:r>
+                      <a:endParaRPr lang="en-US" dirty="0"/>
+                    </a:p>
+                  </a:txBody>
+                  <a:tcPr/>
+                </a:tc>
+                <a:tc>
+                  <a:txBody>
+                    <a:bodyPr/>
+                    <a:lstStyle/>
+                    <a:p>
+                      <a:r>
+                        <a:rPr lang="en-US" dirty="0"/>
+                        <a:t>Can component be removed?</a:t>
+                      </a:r>
+                    </a:p>
+                  </a:txBody>
+                  <a:tcPr/>
+                </a:tc>
+                <a:extLst>
+                  <a:ext uri="{0D108BD9-81ED-4DB2-BD59-A6C34878D82A}">
+                    <a16:rowId xmlns:a16="http://schemas.microsoft.com/office/drawing/2014/main" val="2335473627"/>
+                  </a:ext>
+                </a:extLst>
+              </a:tr>
+              <a:tr h="585537">
+                <a:tc>
+                  <a:txBody>
+                    <a:bodyPr/>
+                    <a:lstStyle/>
+                    <a:p>
+                      <a:r>
+                        <a:rPr lang="en-US" dirty="0"/>
+                        <a:t>$</a:t>
+                      </a:r>
+                      <a:r>
+                        <a:rPr lang="en-US" dirty="0" err="1"/>
+                        <a:t>routerOnDeactivate</a:t>
+                      </a:r>
+                      <a:endParaRPr lang="en-US" dirty="0"/>
+                    </a:p>
+                  </a:txBody>
+                  <a:tcPr/>
+                </a:tc>
+                <a:tc>
+                  <a:txBody>
+                    <a:bodyPr/>
+                    <a:lstStyle/>
+                    <a:p>
+                      <a:r>
+                        <a:rPr lang="en-US" dirty="0"/>
+                        <a:t>Just before destruction</a:t>
+                      </a:r>
+                    </a:p>
+                  </a:txBody>
+                  <a:tcPr/>
+                </a:tc>
+                <a:extLst>
+                  <a:ext uri="{0D108BD9-81ED-4DB2-BD59-A6C34878D82A}">
+                    <a16:rowId xmlns:a16="http://schemas.microsoft.com/office/drawing/2014/main" val="835854086"/>
+                  </a:ext>
+                </a:extLst>
+              </a:tr>
+              <a:tr h="585537">
+                <a:tc>
+                  <a:txBody>
+                    <a:bodyPr/>
+                    <a:lstStyle/>
+                    <a:p>
+                      <a:r>
+                        <a:rPr lang="en-US" dirty="0"/>
+                        <a:t>$</a:t>
+                      </a:r>
+                      <a:r>
+                        <a:rPr lang="en-US" dirty="0" err="1"/>
+                        <a:t>routerCanReuse</a:t>
+                      </a:r>
+                      <a:endParaRPr lang="en-US" dirty="0"/>
+                    </a:p>
+                  </a:txBody>
+                  <a:tcPr/>
+                </a:tc>
+                <a:tc>
+                  <a:txBody>
+                    <a:bodyPr/>
+                    <a:lstStyle/>
+                    <a:p>
+                      <a:r>
+                        <a:rPr lang="en-US" dirty="0"/>
+                        <a:t>Reuse or recreate a component</a:t>
+                      </a:r>
+                    </a:p>
+                  </a:txBody>
+                  <a:tcPr/>
+                </a:tc>
+                <a:extLst>
+                  <a:ext uri="{0D108BD9-81ED-4DB2-BD59-A6C34878D82A}">
+                    <a16:rowId xmlns:a16="http://schemas.microsoft.com/office/drawing/2014/main" val="1915872286"/>
+                  </a:ext>
+                </a:extLst>
+              </a:tr>
+            </a:tbl>
+          </a:graphicData>
+        </a:graphic>
+      </p:graphicFrame>
     </p:spTree>
     <p:extLst>
       <p:ext uri="{BB962C8B-B14F-4D97-AF65-F5344CB8AC3E}">
-        <p14:creationId xmlns:p14="http://schemas.microsoft.com/office/powerpoint/2010/main" val="4225260969"/>
+        <p14:creationId xmlns:p14="http://schemas.microsoft.com/office/powerpoint/2010/main" val="720495593"/>
       </p:ext>
     </p:extLst>
   </p:cSld>
@@ -3727,82 +3524,6 @@
       </p:transition>
     </mc:Fallback>
   </mc:AlternateContent>
-  <p:timing>
-    <p:tnLst>
-      <p:par>
-        <p:cTn id="1" dur="indefinite" restart="never" nodeType="tmRoot">
-          <p:childTnLst>
-            <p:seq concurrent="1" nextAc="seek">
-              <p:cTn id="2" dur="indefinite" nodeType="mainSeq">
-                <p:childTnLst>
-                  <p:par>
-                    <p:cTn id="3" fill="hold">
-                      <p:stCondLst>
-                        <p:cond delay="indefinite"/>
-                        <p:cond evt="onBegin" delay="0">
-                          <p:tn val="2"/>
-                        </p:cond>
-                      </p:stCondLst>
-                      <p:childTnLst>
-                        <p:par>
-                          <p:cTn id="4" fill="hold">
-                            <p:stCondLst>
-                              <p:cond delay="0"/>
-                            </p:stCondLst>
-                            <p:childTnLst>
-                              <p:par>
-                                <p:cTn id="5" presetID="42" presetClass="path" presetSubtype="0" accel="50000" decel="50000" fill="hold" grpId="0" nodeType="withEffect">
-                                  <p:stCondLst>
-                                    <p:cond delay="0"/>
-                                  </p:stCondLst>
-                                  <p:childTnLst>
-                                    <p:animMotion origin="layout" path="M -2.29167E-6 -2.22222E-6 L 0.36159 -0.11574 " pathEditMode="relative" rAng="0" ptsTypes="AA">
-                                      <p:cBhvr>
-                                        <p:cTn id="6" dur="2000" fill="hold"/>
-                                        <p:tgtEl>
-                                          <p:spTgt spid="5"/>
-                                        </p:tgtEl>
-                                        <p:attrNameLst>
-                                          <p:attrName>ppt_x</p:attrName>
-                                          <p:attrName>ppt_y</p:attrName>
-                                        </p:attrNameLst>
-                                      </p:cBhvr>
-                                      <p:rCtr x="18073" y="-5787"/>
-                                    </p:animMotion>
-                                  </p:childTnLst>
-                                </p:cTn>
-                              </p:par>
-                            </p:childTnLst>
-                          </p:cTn>
-                        </p:par>
-                      </p:childTnLst>
-                    </p:cTn>
-                  </p:par>
-                </p:childTnLst>
-              </p:cTn>
-              <p:prevCondLst>
-                <p:cond evt="onPrev" delay="0">
-                  <p:tgtEl>
-                    <p:sldTgt/>
-                  </p:tgtEl>
-                </p:cond>
-              </p:prevCondLst>
-              <p:nextCondLst>
-                <p:cond evt="onNext" delay="0">
-                  <p:tgtEl>
-                    <p:sldTgt/>
-                  </p:tgtEl>
-                </p:cond>
-              </p:nextCondLst>
-            </p:seq>
-          </p:childTnLst>
-        </p:cTn>
-      </p:par>
-    </p:tnLst>
-    <p:bldLst>
-      <p:bldP spid="5" grpId="0" animBg="1"/>
-    </p:bldLst>
-  </p:timing>
 </p:sld>
 </file>
 
@@ -3840,2165 +3561,6 @@
           <a:p>
             <a:r>
               <a:rPr lang="en-US" dirty="0"/>
-              <a:t>Routing</a:t>
-            </a:r>
-          </a:p>
-        </p:txBody>
-      </p:sp>
-      <p:sp>
-        <p:nvSpPr>
-          <p:cNvPr id="3" name="Rectangle 2"/>
-          <p:cNvSpPr/>
-          <p:nvPr/>
-        </p:nvSpPr>
-        <p:spPr>
-          <a:xfrm>
-            <a:off x="2275728" y="2344434"/>
-            <a:ext cx="4592549" cy="2589088"/>
-          </a:xfrm>
-          <a:prstGeom prst="rect">
-            <a:avLst/>
-          </a:prstGeom>
-          <a:ln/>
-        </p:spPr>
-        <p:style>
-          <a:lnRef idx="2">
-            <a:schemeClr val="accent5">
-              <a:shade val="50000"/>
-            </a:schemeClr>
-          </a:lnRef>
-          <a:fillRef idx="1">
-            <a:schemeClr val="accent5"/>
-          </a:fillRef>
-          <a:effectRef idx="0">
-            <a:schemeClr val="accent5"/>
-          </a:effectRef>
-          <a:fontRef idx="minor">
-            <a:schemeClr val="lt1"/>
-          </a:fontRef>
-        </p:style>
-        <p:txBody>
-          <a:bodyPr lIns="137160" tIns="137160" rIns="137160" bIns="137160" rtlCol="0" anchor="ctr"/>
-          <a:lstStyle/>
-          <a:p>
-            <a:pPr>
-              <a:spcBef>
-                <a:spcPts val="450"/>
-              </a:spcBef>
-            </a:pPr>
-            <a:r>
-              <a:rPr lang="en-US" sz="1500" dirty="0">
-                <a:solidFill>
-                  <a:schemeClr val="bg1"/>
-                </a:solidFill>
-              </a:rPr>
-              <a:t>&lt;ng-view&gt;</a:t>
-            </a:r>
-          </a:p>
-          <a:p>
-            <a:pPr>
-              <a:spcBef>
-                <a:spcPts val="450"/>
-              </a:spcBef>
-            </a:pPr>
-            <a:r>
-              <a:rPr lang="en-US" sz="1500" dirty="0">
-                <a:solidFill>
-                  <a:schemeClr val="bg1"/>
-                </a:solidFill>
-              </a:rPr>
-              <a:t>&lt;/ng-view&gt;</a:t>
-            </a:r>
-          </a:p>
-        </p:txBody>
-      </p:sp>
-      <p:sp>
-        <p:nvSpPr>
-          <p:cNvPr id="4" name="TextBox 3"/>
-          <p:cNvSpPr txBox="1"/>
-          <p:nvPr/>
-        </p:nvSpPr>
-        <p:spPr>
-          <a:xfrm>
-            <a:off x="2275728" y="2044352"/>
-            <a:ext cx="4592549" cy="323165"/>
-          </a:xfrm>
-          <a:prstGeom prst="rect">
-            <a:avLst/>
-          </a:prstGeom>
-        </p:spPr>
-        <p:style>
-          <a:lnRef idx="3">
-            <a:schemeClr val="lt1"/>
-          </a:lnRef>
-          <a:fillRef idx="1">
-            <a:schemeClr val="accent3"/>
-          </a:fillRef>
-          <a:effectRef idx="1">
-            <a:schemeClr val="accent3"/>
-          </a:effectRef>
-          <a:fontRef idx="minor">
-            <a:schemeClr val="lt1"/>
-          </a:fontRef>
-        </p:style>
-        <p:txBody>
-          <a:bodyPr wrap="square" rtlCol="0">
-            <a:spAutoFit/>
-          </a:bodyPr>
-          <a:lstStyle/>
-          <a:p>
-            <a:r>
-              <a:rPr lang="en-US" sz="1500" dirty="0"/>
-              <a:t>http://server/app#/about</a:t>
-            </a:r>
-          </a:p>
-        </p:txBody>
-      </p:sp>
-      <p:sp>
-        <p:nvSpPr>
-          <p:cNvPr id="5" name="Rectangle 4"/>
-          <p:cNvSpPr/>
-          <p:nvPr/>
-        </p:nvSpPr>
-        <p:spPr>
-          <a:xfrm>
-            <a:off x="3831363" y="3202968"/>
-            <a:ext cx="1481279" cy="872020"/>
-          </a:xfrm>
-          <a:prstGeom prst="rect">
-            <a:avLst/>
-          </a:prstGeom>
-          <a:solidFill>
-            <a:schemeClr val="accent1"/>
-          </a:solidFill>
-          <a:ln>
-            <a:noFill/>
-          </a:ln>
-          <a:effectLst/>
-        </p:spPr>
-        <p:style>
-          <a:lnRef idx="2">
-            <a:schemeClr val="accent1"/>
-          </a:lnRef>
-          <a:fillRef idx="0">
-            <a:schemeClr val="accent1"/>
-          </a:fillRef>
-          <a:effectRef idx="1">
-            <a:schemeClr val="accent1"/>
-          </a:effectRef>
-          <a:fontRef idx="minor">
-            <a:schemeClr val="tx1"/>
-          </a:fontRef>
-        </p:style>
-        <p:txBody>
-          <a:bodyPr lIns="137160" tIns="137160" rIns="137160" bIns="137160" rtlCol="0" anchor="ctr"/>
-          <a:lstStyle/>
-          <a:p>
-            <a:pPr>
-              <a:spcBef>
-                <a:spcPts val="450"/>
-              </a:spcBef>
-            </a:pPr>
-            <a:r>
-              <a:rPr lang="en-US" sz="1500" dirty="0">
-                <a:solidFill>
-                  <a:schemeClr val="bg1"/>
-                </a:solidFill>
-              </a:rPr>
-              <a:t>home.html</a:t>
-            </a:r>
-          </a:p>
-        </p:txBody>
-      </p:sp>
-      <p:sp>
-        <p:nvSpPr>
-          <p:cNvPr id="6" name="Rectangle 5"/>
-          <p:cNvSpPr/>
-          <p:nvPr/>
-        </p:nvSpPr>
-        <p:spPr>
-          <a:xfrm>
-            <a:off x="529889" y="4878298"/>
-            <a:ext cx="1481279" cy="872020"/>
-          </a:xfrm>
-          <a:prstGeom prst="rect">
-            <a:avLst/>
-          </a:prstGeom>
-          <a:solidFill>
-            <a:schemeClr val="accent1"/>
-          </a:solidFill>
-          <a:ln>
-            <a:noFill/>
-          </a:ln>
-          <a:effectLst/>
-        </p:spPr>
-        <p:style>
-          <a:lnRef idx="2">
-            <a:schemeClr val="accent1"/>
-          </a:lnRef>
-          <a:fillRef idx="0">
-            <a:schemeClr val="accent1"/>
-          </a:fillRef>
-          <a:effectRef idx="1">
-            <a:schemeClr val="accent1"/>
-          </a:effectRef>
-          <a:fontRef idx="minor">
-            <a:schemeClr val="tx1"/>
-          </a:fontRef>
-        </p:style>
-        <p:txBody>
-          <a:bodyPr lIns="137160" tIns="137160" rIns="137160" bIns="137160" rtlCol="0" anchor="ctr"/>
-          <a:lstStyle/>
-          <a:p>
-            <a:pPr>
-              <a:spcBef>
-                <a:spcPts val="450"/>
-              </a:spcBef>
-            </a:pPr>
-            <a:r>
-              <a:rPr lang="en-US" sz="1500" dirty="0">
-                <a:solidFill>
-                  <a:schemeClr val="bg1"/>
-                </a:solidFill>
-              </a:rPr>
-              <a:t>about.html</a:t>
-            </a:r>
-          </a:p>
-        </p:txBody>
-      </p:sp>
-    </p:spTree>
-    <p:extLst>
-      <p:ext uri="{BB962C8B-B14F-4D97-AF65-F5344CB8AC3E}">
-        <p14:creationId xmlns:p14="http://schemas.microsoft.com/office/powerpoint/2010/main" val="1029064820"/>
-      </p:ext>
-    </p:extLst>
-  </p:cSld>
-  <p:clrMapOvr>
-    <a:masterClrMapping/>
-  </p:clrMapOvr>
-  <mc:AlternateContent xmlns:mc="http://schemas.openxmlformats.org/markup-compatibility/2006" xmlns:p14="http://schemas.microsoft.com/office/powerpoint/2010/main">
-    <mc:Choice Requires="p14">
-      <p:transition spd="med" p14:dur="700">
-        <p:fade/>
-      </p:transition>
-    </mc:Choice>
-    <mc:Fallback xmlns="">
-      <p:transition spd="med">
-        <p:fade/>
-      </p:transition>
-    </mc:Fallback>
-  </mc:AlternateContent>
-  <p:timing>
-    <p:tnLst>
-      <p:par>
-        <p:cTn id="1" dur="indefinite" restart="never" nodeType="tmRoot">
-          <p:childTnLst>
-            <p:seq concurrent="1" nextAc="seek">
-              <p:cTn id="2" dur="indefinite" nodeType="mainSeq">
-                <p:childTnLst>
-                  <p:par>
-                    <p:cTn id="3" fill="hold">
-                      <p:stCondLst>
-                        <p:cond delay="indefinite"/>
-                        <p:cond evt="onBegin" delay="0">
-                          <p:tn val="2"/>
-                        </p:cond>
-                      </p:stCondLst>
-                      <p:childTnLst>
-                        <p:par>
-                          <p:cTn id="4" fill="hold">
-                            <p:stCondLst>
-                              <p:cond delay="0"/>
-                            </p:stCondLst>
-                            <p:childTnLst>
-                              <p:par>
-                                <p:cTn id="5" presetID="42" presetClass="path" presetSubtype="0" accel="50000" decel="50000" fill="hold" grpId="0" nodeType="withEffect">
-                                  <p:stCondLst>
-                                    <p:cond delay="0"/>
-                                  </p:stCondLst>
-                                  <p:childTnLst>
-                                    <p:animMotion origin="layout" path="M 0 -7.40741E-7 L -0.35924 0.12894 " pathEditMode="relative" rAng="0" ptsTypes="AA">
-                                      <p:cBhvr>
-                                        <p:cTn id="6" dur="2000" fill="hold"/>
-                                        <p:tgtEl>
-                                          <p:spTgt spid="5"/>
-                                        </p:tgtEl>
-                                        <p:attrNameLst>
-                                          <p:attrName>ppt_x</p:attrName>
-                                          <p:attrName>ppt_y</p:attrName>
-                                        </p:attrNameLst>
-                                      </p:cBhvr>
-                                      <p:rCtr x="-17969" y="6435"/>
-                                    </p:animMotion>
-                                  </p:childTnLst>
-                                </p:cTn>
-                              </p:par>
-                              <p:par>
-                                <p:cTn id="7" presetID="42" presetClass="path" presetSubtype="0" accel="50000" decel="50000" fill="hold" grpId="0" nodeType="withEffect">
-                                  <p:stCondLst>
-                                    <p:cond delay="0"/>
-                                  </p:stCondLst>
-                                  <p:childTnLst>
-                                    <p:animMotion origin="layout" path="M -2.29167E-6 4.81481E-6 L 0.36107 -0.3257 " pathEditMode="relative" rAng="0" ptsTypes="AA">
-                                      <p:cBhvr>
-                                        <p:cTn id="8" dur="2000" fill="hold"/>
-                                        <p:tgtEl>
-                                          <p:spTgt spid="6"/>
-                                        </p:tgtEl>
-                                        <p:attrNameLst>
-                                          <p:attrName>ppt_x</p:attrName>
-                                          <p:attrName>ppt_y</p:attrName>
-                                        </p:attrNameLst>
-                                      </p:cBhvr>
-                                      <p:rCtr x="18125" y="-16296"/>
-                                    </p:animMotion>
-                                  </p:childTnLst>
-                                </p:cTn>
-                              </p:par>
-                            </p:childTnLst>
-                          </p:cTn>
-                        </p:par>
-                      </p:childTnLst>
-                    </p:cTn>
-                  </p:par>
-                </p:childTnLst>
-              </p:cTn>
-              <p:prevCondLst>
-                <p:cond evt="onPrev" delay="0">
-                  <p:tgtEl>
-                    <p:sldTgt/>
-                  </p:tgtEl>
-                </p:cond>
-              </p:prevCondLst>
-              <p:nextCondLst>
-                <p:cond evt="onNext" delay="0">
-                  <p:tgtEl>
-                    <p:sldTgt/>
-                  </p:tgtEl>
-                </p:cond>
-              </p:nextCondLst>
-            </p:seq>
-          </p:childTnLst>
-        </p:cTn>
-      </p:par>
-    </p:tnLst>
-    <p:bldLst>
-      <p:bldP spid="5" grpId="0" animBg="1"/>
-      <p:bldP spid="6" grpId="0" animBg="1"/>
-    </p:bldLst>
-  </p:timing>
-</p:sld>
-</file>
-
-<file path=ppt/slides/slide14.xml><?xml version="1.0" encoding="utf-8"?>
-<p:sld xmlns:a="http://schemas.openxmlformats.org/drawingml/2006/main" xmlns:r="http://schemas.openxmlformats.org/officeDocument/2006/relationships" xmlns:p="http://schemas.openxmlformats.org/presentationml/2006/main">
-  <p:cSld>
-    <p:spTree>
-      <p:nvGrpSpPr>
-        <p:cNvPr id="1" name=""/>
-        <p:cNvGrpSpPr/>
-        <p:nvPr/>
-      </p:nvGrpSpPr>
-      <p:grpSpPr>
-        <a:xfrm>
-          <a:off x="0" y="0"/>
-          <a:ext cx="0" cy="0"/>
-          <a:chOff x="0" y="0"/>
-          <a:chExt cx="0" cy="0"/>
-        </a:xfrm>
-      </p:grpSpPr>
-      <p:sp>
-        <p:nvSpPr>
-          <p:cNvPr id="2" name="Title 1"/>
-          <p:cNvSpPr>
-            <a:spLocks noGrp="1"/>
-          </p:cNvSpPr>
-          <p:nvPr>
-            <p:ph type="title"/>
-          </p:nvPr>
-        </p:nvSpPr>
-        <p:spPr/>
-        <p:txBody>
-          <a:bodyPr/>
-          <a:lstStyle/>
-          <a:p>
-            <a:r>
-              <a:rPr lang="en-US" dirty="0"/>
-              <a:t>Routing</a:t>
-            </a:r>
-          </a:p>
-        </p:txBody>
-      </p:sp>
-      <p:sp>
-        <p:nvSpPr>
-          <p:cNvPr id="3" name="Rectangle 2"/>
-          <p:cNvSpPr/>
-          <p:nvPr/>
-        </p:nvSpPr>
-        <p:spPr>
-          <a:xfrm>
-            <a:off x="2275728" y="2344434"/>
-            <a:ext cx="4592549" cy="2589088"/>
-          </a:xfrm>
-          <a:prstGeom prst="rect">
-            <a:avLst/>
-          </a:prstGeom>
-          <a:ln/>
-        </p:spPr>
-        <p:style>
-          <a:lnRef idx="2">
-            <a:schemeClr val="accent5">
-              <a:shade val="50000"/>
-            </a:schemeClr>
-          </a:lnRef>
-          <a:fillRef idx="1">
-            <a:schemeClr val="accent5"/>
-          </a:fillRef>
-          <a:effectRef idx="0">
-            <a:schemeClr val="accent5"/>
-          </a:effectRef>
-          <a:fontRef idx="minor">
-            <a:schemeClr val="lt1"/>
-          </a:fontRef>
-        </p:style>
-        <p:txBody>
-          <a:bodyPr lIns="137160" tIns="137160" rIns="137160" bIns="137160" rtlCol="0" anchor="ctr"/>
-          <a:lstStyle/>
-          <a:p>
-            <a:pPr>
-              <a:spcBef>
-                <a:spcPts val="450"/>
-              </a:spcBef>
-            </a:pPr>
-            <a:r>
-              <a:rPr lang="en-US" sz="1500" dirty="0">
-                <a:solidFill>
-                  <a:schemeClr val="bg1"/>
-                </a:solidFill>
-              </a:rPr>
-              <a:t>&lt;ng-view&gt;</a:t>
-            </a:r>
-          </a:p>
-          <a:p>
-            <a:pPr>
-              <a:spcBef>
-                <a:spcPts val="450"/>
-              </a:spcBef>
-            </a:pPr>
-            <a:r>
-              <a:rPr lang="en-US" sz="1500" dirty="0">
-                <a:solidFill>
-                  <a:schemeClr val="bg1"/>
-                </a:solidFill>
-              </a:rPr>
-              <a:t>&lt;/ng-view&gt;</a:t>
-            </a:r>
-          </a:p>
-        </p:txBody>
-      </p:sp>
-      <p:sp>
-        <p:nvSpPr>
-          <p:cNvPr id="4" name="TextBox 3"/>
-          <p:cNvSpPr txBox="1"/>
-          <p:nvPr/>
-        </p:nvSpPr>
-        <p:spPr>
-          <a:xfrm>
-            <a:off x="2275728" y="2044352"/>
-            <a:ext cx="4592549" cy="323165"/>
-          </a:xfrm>
-          <a:prstGeom prst="rect">
-            <a:avLst/>
-          </a:prstGeom>
-        </p:spPr>
-        <p:style>
-          <a:lnRef idx="3">
-            <a:schemeClr val="lt1"/>
-          </a:lnRef>
-          <a:fillRef idx="1">
-            <a:schemeClr val="accent3"/>
-          </a:fillRef>
-          <a:effectRef idx="1">
-            <a:schemeClr val="accent3"/>
-          </a:effectRef>
-          <a:fontRef idx="minor">
-            <a:schemeClr val="lt1"/>
-          </a:fontRef>
-        </p:style>
-        <p:txBody>
-          <a:bodyPr wrap="square" rtlCol="0">
-            <a:spAutoFit/>
-          </a:bodyPr>
-          <a:lstStyle/>
-          <a:p>
-            <a:r>
-              <a:rPr lang="en-US" sz="1500" dirty="0"/>
-              <a:t>http://server/app#/home</a:t>
-            </a:r>
-          </a:p>
-        </p:txBody>
-      </p:sp>
-      <p:sp>
-        <p:nvSpPr>
-          <p:cNvPr id="5" name="Rectangle 4"/>
-          <p:cNvSpPr/>
-          <p:nvPr/>
-        </p:nvSpPr>
-        <p:spPr>
-          <a:xfrm>
-            <a:off x="529888" y="3847029"/>
-            <a:ext cx="1481279" cy="872020"/>
-          </a:xfrm>
-          <a:prstGeom prst="rect">
-            <a:avLst/>
-          </a:prstGeom>
-          <a:solidFill>
-            <a:schemeClr val="accent1"/>
-          </a:solidFill>
-          <a:ln>
-            <a:noFill/>
-          </a:ln>
-          <a:effectLst/>
-        </p:spPr>
-        <p:style>
-          <a:lnRef idx="2">
-            <a:schemeClr val="accent1"/>
-          </a:lnRef>
-          <a:fillRef idx="0">
-            <a:schemeClr val="accent1"/>
-          </a:fillRef>
-          <a:effectRef idx="1">
-            <a:schemeClr val="accent1"/>
-          </a:effectRef>
-          <a:fontRef idx="minor">
-            <a:schemeClr val="tx1"/>
-          </a:fontRef>
-        </p:style>
-        <p:txBody>
-          <a:bodyPr lIns="137160" tIns="137160" rIns="137160" bIns="137160" rtlCol="0" anchor="ctr"/>
-          <a:lstStyle/>
-          <a:p>
-            <a:pPr>
-              <a:spcBef>
-                <a:spcPts val="450"/>
-              </a:spcBef>
-            </a:pPr>
-            <a:r>
-              <a:rPr lang="en-US" sz="1500" dirty="0">
-                <a:solidFill>
-                  <a:schemeClr val="bg1"/>
-                </a:solidFill>
-              </a:rPr>
-              <a:t>home.html</a:t>
-            </a:r>
-          </a:p>
-        </p:txBody>
-      </p:sp>
-      <p:sp>
-        <p:nvSpPr>
-          <p:cNvPr id="6" name="Rectangle 5"/>
-          <p:cNvSpPr/>
-          <p:nvPr/>
-        </p:nvSpPr>
-        <p:spPr>
-          <a:xfrm>
-            <a:off x="529889" y="4878298"/>
-            <a:ext cx="1481279" cy="872020"/>
-          </a:xfrm>
-          <a:prstGeom prst="rect">
-            <a:avLst/>
-          </a:prstGeom>
-          <a:solidFill>
-            <a:schemeClr val="accent1"/>
-          </a:solidFill>
-          <a:ln>
-            <a:noFill/>
-          </a:ln>
-          <a:effectLst/>
-        </p:spPr>
-        <p:style>
-          <a:lnRef idx="2">
-            <a:schemeClr val="accent1"/>
-          </a:lnRef>
-          <a:fillRef idx="0">
-            <a:schemeClr val="accent1"/>
-          </a:fillRef>
-          <a:effectRef idx="1">
-            <a:schemeClr val="accent1"/>
-          </a:effectRef>
-          <a:fontRef idx="minor">
-            <a:schemeClr val="tx1"/>
-          </a:fontRef>
-        </p:style>
-        <p:txBody>
-          <a:bodyPr lIns="137160" tIns="137160" rIns="137160" bIns="137160" rtlCol="0" anchor="ctr"/>
-          <a:lstStyle/>
-          <a:p>
-            <a:pPr>
-              <a:spcBef>
-                <a:spcPts val="450"/>
-              </a:spcBef>
-            </a:pPr>
-            <a:r>
-              <a:rPr lang="en-US" sz="1500" dirty="0">
-                <a:solidFill>
-                  <a:schemeClr val="bg1"/>
-                </a:solidFill>
-              </a:rPr>
-              <a:t>about.html</a:t>
-            </a:r>
-          </a:p>
-        </p:txBody>
-      </p:sp>
-      <p:sp>
-        <p:nvSpPr>
-          <p:cNvPr id="7" name="Rectangle 6"/>
-          <p:cNvSpPr/>
-          <p:nvPr/>
-        </p:nvSpPr>
-        <p:spPr>
-          <a:xfrm>
-            <a:off x="7232492" y="3847029"/>
-            <a:ext cx="1481279" cy="872020"/>
-          </a:xfrm>
-          <a:prstGeom prst="rect">
-            <a:avLst/>
-          </a:prstGeom>
-          <a:solidFill>
-            <a:schemeClr val="accent1"/>
-          </a:solidFill>
-          <a:ln>
-            <a:noFill/>
-          </a:ln>
-          <a:effectLst/>
-        </p:spPr>
-        <p:style>
-          <a:lnRef idx="2">
-            <a:schemeClr val="accent1"/>
-          </a:lnRef>
-          <a:fillRef idx="0">
-            <a:schemeClr val="accent1"/>
-          </a:fillRef>
-          <a:effectRef idx="1">
-            <a:schemeClr val="accent1"/>
-          </a:effectRef>
-          <a:fontRef idx="minor">
-            <a:schemeClr val="tx1"/>
-          </a:fontRef>
-        </p:style>
-        <p:txBody>
-          <a:bodyPr lIns="137160" tIns="137160" rIns="137160" bIns="137160" rtlCol="0" anchor="ctr"/>
-          <a:lstStyle/>
-          <a:p>
-            <a:pPr>
-              <a:spcBef>
-                <a:spcPts val="450"/>
-              </a:spcBef>
-            </a:pPr>
-            <a:r>
-              <a:rPr lang="en-US" sz="1500" dirty="0">
-                <a:solidFill>
-                  <a:schemeClr val="bg1"/>
-                </a:solidFill>
-              </a:rPr>
-              <a:t>app-home</a:t>
-            </a:r>
-          </a:p>
-        </p:txBody>
-      </p:sp>
-      <p:sp>
-        <p:nvSpPr>
-          <p:cNvPr id="8" name="Rectangle 7"/>
-          <p:cNvSpPr/>
-          <p:nvPr/>
-        </p:nvSpPr>
-        <p:spPr>
-          <a:xfrm>
-            <a:off x="7232492" y="4878298"/>
-            <a:ext cx="1481279" cy="872020"/>
-          </a:xfrm>
-          <a:prstGeom prst="rect">
-            <a:avLst/>
-          </a:prstGeom>
-          <a:solidFill>
-            <a:schemeClr val="accent1"/>
-          </a:solidFill>
-          <a:ln>
-            <a:noFill/>
-          </a:ln>
-          <a:effectLst/>
-        </p:spPr>
-        <p:style>
-          <a:lnRef idx="2">
-            <a:schemeClr val="accent1"/>
-          </a:lnRef>
-          <a:fillRef idx="0">
-            <a:schemeClr val="accent1"/>
-          </a:fillRef>
-          <a:effectRef idx="1">
-            <a:schemeClr val="accent1"/>
-          </a:effectRef>
-          <a:fontRef idx="minor">
-            <a:schemeClr val="tx1"/>
-          </a:fontRef>
-        </p:style>
-        <p:txBody>
-          <a:bodyPr lIns="137160" tIns="137160" rIns="137160" bIns="137160" rtlCol="0" anchor="ctr"/>
-          <a:lstStyle/>
-          <a:p>
-            <a:pPr>
-              <a:spcBef>
-                <a:spcPts val="450"/>
-              </a:spcBef>
-            </a:pPr>
-            <a:r>
-              <a:rPr lang="en-US" sz="1500" dirty="0">
-                <a:solidFill>
-                  <a:schemeClr val="bg1"/>
-                </a:solidFill>
-              </a:rPr>
-              <a:t>app-about</a:t>
-            </a:r>
-          </a:p>
-        </p:txBody>
-      </p:sp>
-    </p:spTree>
-    <p:extLst>
-      <p:ext uri="{BB962C8B-B14F-4D97-AF65-F5344CB8AC3E}">
-        <p14:creationId xmlns:p14="http://schemas.microsoft.com/office/powerpoint/2010/main" val="675891250"/>
-      </p:ext>
-    </p:extLst>
-  </p:cSld>
-  <p:clrMapOvr>
-    <a:masterClrMapping/>
-  </p:clrMapOvr>
-  <mc:AlternateContent xmlns:mc="http://schemas.openxmlformats.org/markup-compatibility/2006" xmlns:p14="http://schemas.microsoft.com/office/powerpoint/2010/main">
-    <mc:Choice Requires="p14">
-      <p:transition spd="med" p14:dur="700">
-        <p:fade/>
-      </p:transition>
-    </mc:Choice>
-    <mc:Fallback xmlns="">
-      <p:transition spd="med">
-        <p:fade/>
-      </p:transition>
-    </mc:Fallback>
-  </mc:AlternateContent>
-</p:sld>
-</file>
-
-<file path=ppt/slides/slide15.xml><?xml version="1.0" encoding="utf-8"?>
-<p:sld xmlns:a="http://schemas.openxmlformats.org/drawingml/2006/main" xmlns:r="http://schemas.openxmlformats.org/officeDocument/2006/relationships" xmlns:p="http://schemas.openxmlformats.org/presentationml/2006/main">
-  <p:cSld>
-    <p:spTree>
-      <p:nvGrpSpPr>
-        <p:cNvPr id="1" name=""/>
-        <p:cNvGrpSpPr/>
-        <p:nvPr/>
-      </p:nvGrpSpPr>
-      <p:grpSpPr>
-        <a:xfrm>
-          <a:off x="0" y="0"/>
-          <a:ext cx="0" cy="0"/>
-          <a:chOff x="0" y="0"/>
-          <a:chExt cx="0" cy="0"/>
-        </a:xfrm>
-      </p:grpSpPr>
-      <p:sp>
-        <p:nvSpPr>
-          <p:cNvPr id="2" name="Title 1"/>
-          <p:cNvSpPr>
-            <a:spLocks noGrp="1"/>
-          </p:cNvSpPr>
-          <p:nvPr>
-            <p:ph type="title"/>
-          </p:nvPr>
-        </p:nvSpPr>
-        <p:spPr/>
-        <p:txBody>
-          <a:bodyPr/>
-          <a:lstStyle/>
-          <a:p>
-            <a:r>
-              <a:rPr lang="en-US" dirty="0"/>
-              <a:t>Routing</a:t>
-            </a:r>
-          </a:p>
-        </p:txBody>
-      </p:sp>
-      <p:sp>
-        <p:nvSpPr>
-          <p:cNvPr id="3" name="Rectangle 2"/>
-          <p:cNvSpPr/>
-          <p:nvPr/>
-        </p:nvSpPr>
-        <p:spPr>
-          <a:xfrm>
-            <a:off x="2275728" y="2344434"/>
-            <a:ext cx="4592549" cy="2589088"/>
-          </a:xfrm>
-          <a:prstGeom prst="rect">
-            <a:avLst/>
-          </a:prstGeom>
-          <a:ln/>
-        </p:spPr>
-        <p:style>
-          <a:lnRef idx="2">
-            <a:schemeClr val="accent5">
-              <a:shade val="50000"/>
-            </a:schemeClr>
-          </a:lnRef>
-          <a:fillRef idx="1">
-            <a:schemeClr val="accent5"/>
-          </a:fillRef>
-          <a:effectRef idx="0">
-            <a:schemeClr val="accent5"/>
-          </a:effectRef>
-          <a:fontRef idx="minor">
-            <a:schemeClr val="lt1"/>
-          </a:fontRef>
-        </p:style>
-        <p:txBody>
-          <a:bodyPr lIns="137160" tIns="137160" rIns="137160" bIns="137160" rtlCol="0" anchor="ctr"/>
-          <a:lstStyle/>
-          <a:p>
-            <a:pPr>
-              <a:spcBef>
-                <a:spcPts val="450"/>
-              </a:spcBef>
-            </a:pPr>
-            <a:r>
-              <a:rPr lang="en-US" sz="1500" dirty="0">
-                <a:solidFill>
-                  <a:schemeClr val="bg1"/>
-                </a:solidFill>
-              </a:rPr>
-              <a:t>&lt;ng-view&gt;</a:t>
-            </a:r>
-          </a:p>
-          <a:p>
-            <a:pPr>
-              <a:spcBef>
-                <a:spcPts val="450"/>
-              </a:spcBef>
-            </a:pPr>
-            <a:r>
-              <a:rPr lang="en-US" sz="1500" dirty="0">
-                <a:solidFill>
-                  <a:schemeClr val="bg1"/>
-                </a:solidFill>
-              </a:rPr>
-              <a:t>&lt;/ng-view&gt;</a:t>
-            </a:r>
-          </a:p>
-        </p:txBody>
-      </p:sp>
-      <p:sp>
-        <p:nvSpPr>
-          <p:cNvPr id="4" name="TextBox 3"/>
-          <p:cNvSpPr txBox="1"/>
-          <p:nvPr/>
-        </p:nvSpPr>
-        <p:spPr>
-          <a:xfrm>
-            <a:off x="2275728" y="2044352"/>
-            <a:ext cx="4592549" cy="323165"/>
-          </a:xfrm>
-          <a:prstGeom prst="rect">
-            <a:avLst/>
-          </a:prstGeom>
-        </p:spPr>
-        <p:style>
-          <a:lnRef idx="3">
-            <a:schemeClr val="lt1"/>
-          </a:lnRef>
-          <a:fillRef idx="1">
-            <a:schemeClr val="accent3"/>
-          </a:fillRef>
-          <a:effectRef idx="1">
-            <a:schemeClr val="accent3"/>
-          </a:effectRef>
-          <a:fontRef idx="minor">
-            <a:schemeClr val="lt1"/>
-          </a:fontRef>
-        </p:style>
-        <p:txBody>
-          <a:bodyPr wrap="square" rtlCol="0">
-            <a:spAutoFit/>
-          </a:bodyPr>
-          <a:lstStyle/>
-          <a:p>
-            <a:r>
-              <a:rPr lang="en-US" sz="1500" dirty="0"/>
-              <a:t>http://server/app#/home</a:t>
-            </a:r>
-          </a:p>
-        </p:txBody>
-      </p:sp>
-      <p:sp>
-        <p:nvSpPr>
-          <p:cNvPr id="5" name="Rectangle 4"/>
-          <p:cNvSpPr/>
-          <p:nvPr/>
-        </p:nvSpPr>
-        <p:spPr>
-          <a:xfrm>
-            <a:off x="529888" y="3847029"/>
-            <a:ext cx="1481279" cy="872020"/>
-          </a:xfrm>
-          <a:prstGeom prst="rect">
-            <a:avLst/>
-          </a:prstGeom>
-          <a:solidFill>
-            <a:schemeClr val="accent1"/>
-          </a:solidFill>
-          <a:ln>
-            <a:noFill/>
-          </a:ln>
-          <a:effectLst/>
-        </p:spPr>
-        <p:style>
-          <a:lnRef idx="2">
-            <a:schemeClr val="accent1"/>
-          </a:lnRef>
-          <a:fillRef idx="0">
-            <a:schemeClr val="accent1"/>
-          </a:fillRef>
-          <a:effectRef idx="1">
-            <a:schemeClr val="accent1"/>
-          </a:effectRef>
-          <a:fontRef idx="minor">
-            <a:schemeClr val="tx1"/>
-          </a:fontRef>
-        </p:style>
-        <p:txBody>
-          <a:bodyPr lIns="137160" tIns="137160" rIns="137160" bIns="137160" rtlCol="0" anchor="ctr"/>
-          <a:lstStyle/>
-          <a:p>
-            <a:pPr>
-              <a:spcBef>
-                <a:spcPts val="450"/>
-              </a:spcBef>
-            </a:pPr>
-            <a:r>
-              <a:rPr lang="en-US" sz="1500" dirty="0">
-                <a:solidFill>
-                  <a:schemeClr val="bg1"/>
-                </a:solidFill>
-              </a:rPr>
-              <a:t>home.html</a:t>
-            </a:r>
-          </a:p>
-        </p:txBody>
-      </p:sp>
-      <p:sp>
-        <p:nvSpPr>
-          <p:cNvPr id="6" name="Rectangle 5"/>
-          <p:cNvSpPr/>
-          <p:nvPr/>
-        </p:nvSpPr>
-        <p:spPr>
-          <a:xfrm>
-            <a:off x="529889" y="4878298"/>
-            <a:ext cx="1481279" cy="872020"/>
-          </a:xfrm>
-          <a:prstGeom prst="rect">
-            <a:avLst/>
-          </a:prstGeom>
-          <a:solidFill>
-            <a:schemeClr val="accent1"/>
-          </a:solidFill>
-          <a:ln>
-            <a:noFill/>
-          </a:ln>
-          <a:effectLst/>
-        </p:spPr>
-        <p:style>
-          <a:lnRef idx="2">
-            <a:schemeClr val="accent1"/>
-          </a:lnRef>
-          <a:fillRef idx="0">
-            <a:schemeClr val="accent1"/>
-          </a:fillRef>
-          <a:effectRef idx="1">
-            <a:schemeClr val="accent1"/>
-          </a:effectRef>
-          <a:fontRef idx="minor">
-            <a:schemeClr val="tx1"/>
-          </a:fontRef>
-        </p:style>
-        <p:txBody>
-          <a:bodyPr lIns="137160" tIns="137160" rIns="137160" bIns="137160" rtlCol="0" anchor="ctr"/>
-          <a:lstStyle/>
-          <a:p>
-            <a:pPr>
-              <a:spcBef>
-                <a:spcPts val="450"/>
-              </a:spcBef>
-            </a:pPr>
-            <a:r>
-              <a:rPr lang="en-US" sz="1500" dirty="0">
-                <a:solidFill>
-                  <a:schemeClr val="bg1"/>
-                </a:solidFill>
-              </a:rPr>
-              <a:t>about.html</a:t>
-            </a:r>
-          </a:p>
-        </p:txBody>
-      </p:sp>
-      <p:sp>
-        <p:nvSpPr>
-          <p:cNvPr id="7" name="Rectangle 6"/>
-          <p:cNvSpPr/>
-          <p:nvPr/>
-        </p:nvSpPr>
-        <p:spPr>
-          <a:xfrm>
-            <a:off x="7232492" y="3847029"/>
-            <a:ext cx="1481279" cy="872020"/>
-          </a:xfrm>
-          <a:prstGeom prst="rect">
-            <a:avLst/>
-          </a:prstGeom>
-          <a:solidFill>
-            <a:schemeClr val="accent1"/>
-          </a:solidFill>
-          <a:ln>
-            <a:noFill/>
-          </a:ln>
-          <a:effectLst/>
-        </p:spPr>
-        <p:style>
-          <a:lnRef idx="2">
-            <a:schemeClr val="accent1"/>
-          </a:lnRef>
-          <a:fillRef idx="0">
-            <a:schemeClr val="accent1"/>
-          </a:fillRef>
-          <a:effectRef idx="1">
-            <a:schemeClr val="accent1"/>
-          </a:effectRef>
-          <a:fontRef idx="minor">
-            <a:schemeClr val="tx1"/>
-          </a:fontRef>
-        </p:style>
-        <p:txBody>
-          <a:bodyPr lIns="137160" tIns="137160" rIns="137160" bIns="137160" rtlCol="0" anchor="ctr"/>
-          <a:lstStyle/>
-          <a:p>
-            <a:pPr>
-              <a:spcBef>
-                <a:spcPts val="450"/>
-              </a:spcBef>
-            </a:pPr>
-            <a:r>
-              <a:rPr lang="en-US" sz="1500" dirty="0">
-                <a:solidFill>
-                  <a:schemeClr val="bg1"/>
-                </a:solidFill>
-              </a:rPr>
-              <a:t>app-home</a:t>
-            </a:r>
-          </a:p>
-        </p:txBody>
-      </p:sp>
-      <p:sp>
-        <p:nvSpPr>
-          <p:cNvPr id="8" name="Rectangle 7"/>
-          <p:cNvSpPr/>
-          <p:nvPr/>
-        </p:nvSpPr>
-        <p:spPr>
-          <a:xfrm>
-            <a:off x="7232492" y="4878298"/>
-            <a:ext cx="1481279" cy="872020"/>
-          </a:xfrm>
-          <a:prstGeom prst="rect">
-            <a:avLst/>
-          </a:prstGeom>
-          <a:solidFill>
-            <a:schemeClr val="accent1"/>
-          </a:solidFill>
-          <a:ln>
-            <a:noFill/>
-          </a:ln>
-          <a:effectLst/>
-        </p:spPr>
-        <p:style>
-          <a:lnRef idx="2">
-            <a:schemeClr val="accent1"/>
-          </a:lnRef>
-          <a:fillRef idx="0">
-            <a:schemeClr val="accent1"/>
-          </a:fillRef>
-          <a:effectRef idx="1">
-            <a:schemeClr val="accent1"/>
-          </a:effectRef>
-          <a:fontRef idx="minor">
-            <a:schemeClr val="tx1"/>
-          </a:fontRef>
-        </p:style>
-        <p:txBody>
-          <a:bodyPr lIns="137160" tIns="137160" rIns="137160" bIns="137160" rtlCol="0" anchor="ctr"/>
-          <a:lstStyle/>
-          <a:p>
-            <a:pPr>
-              <a:spcBef>
-                <a:spcPts val="450"/>
-              </a:spcBef>
-            </a:pPr>
-            <a:r>
-              <a:rPr lang="en-US" sz="1500" dirty="0">
-                <a:solidFill>
-                  <a:schemeClr val="bg1"/>
-                </a:solidFill>
-              </a:rPr>
-              <a:t>app-about</a:t>
-            </a:r>
-          </a:p>
-        </p:txBody>
-      </p:sp>
-    </p:spTree>
-    <p:extLst>
-      <p:ext uri="{BB962C8B-B14F-4D97-AF65-F5344CB8AC3E}">
-        <p14:creationId xmlns:p14="http://schemas.microsoft.com/office/powerpoint/2010/main" val="3999084207"/>
-      </p:ext>
-    </p:extLst>
-  </p:cSld>
-  <p:clrMapOvr>
-    <a:masterClrMapping/>
-  </p:clrMapOvr>
-  <mc:AlternateContent xmlns:mc="http://schemas.openxmlformats.org/markup-compatibility/2006" xmlns:p14="http://schemas.microsoft.com/office/powerpoint/2010/main">
-    <mc:Choice Requires="p14">
-      <p:transition spd="med" p14:dur="700">
-        <p:fade/>
-      </p:transition>
-    </mc:Choice>
-    <mc:Fallback xmlns="">
-      <p:transition spd="med">
-        <p:fade/>
-      </p:transition>
-    </mc:Fallback>
-  </mc:AlternateContent>
-  <p:timing>
-    <p:tnLst>
-      <p:par>
-        <p:cTn id="1" dur="indefinite" restart="never" nodeType="tmRoot">
-          <p:childTnLst>
-            <p:seq concurrent="1" nextAc="seek">
-              <p:cTn id="2" dur="indefinite" nodeType="mainSeq">
-                <p:childTnLst>
-                  <p:par>
-                    <p:cTn id="3" fill="hold">
-                      <p:stCondLst>
-                        <p:cond delay="indefinite"/>
-                        <p:cond evt="onBegin" delay="0">
-                          <p:tn val="2"/>
-                        </p:cond>
-                      </p:stCondLst>
-                      <p:childTnLst>
-                        <p:par>
-                          <p:cTn id="4" fill="hold">
-                            <p:stCondLst>
-                              <p:cond delay="0"/>
-                            </p:stCondLst>
-                            <p:childTnLst>
-                              <p:par>
-                                <p:cTn id="5" presetID="42" presetClass="path" presetSubtype="0" accel="50000" decel="50000" fill="hold" grpId="0" nodeType="withEffect">
-                                  <p:stCondLst>
-                                    <p:cond delay="0"/>
-                                  </p:stCondLst>
-                                  <p:childTnLst>
-                                    <p:animMotion origin="layout" path="M 4.79167E-6 -2.22222E-6 L -0.37487 -0.11574 " pathEditMode="relative" rAng="0" ptsTypes="AA">
-                                      <p:cBhvr>
-                                        <p:cTn id="6" dur="2000" fill="hold"/>
-                                        <p:tgtEl>
-                                          <p:spTgt spid="7"/>
-                                        </p:tgtEl>
-                                        <p:attrNameLst>
-                                          <p:attrName>ppt_x</p:attrName>
-                                          <p:attrName>ppt_y</p:attrName>
-                                        </p:attrNameLst>
-                                      </p:cBhvr>
-                                      <p:rCtr x="-18750" y="-5787"/>
-                                    </p:animMotion>
-                                  </p:childTnLst>
-                                </p:cTn>
-                              </p:par>
-                            </p:childTnLst>
-                          </p:cTn>
-                        </p:par>
-                      </p:childTnLst>
-                    </p:cTn>
-                  </p:par>
-                </p:childTnLst>
-              </p:cTn>
-              <p:prevCondLst>
-                <p:cond evt="onPrev" delay="0">
-                  <p:tgtEl>
-                    <p:sldTgt/>
-                  </p:tgtEl>
-                </p:cond>
-              </p:prevCondLst>
-              <p:nextCondLst>
-                <p:cond evt="onNext" delay="0">
-                  <p:tgtEl>
-                    <p:sldTgt/>
-                  </p:tgtEl>
-                </p:cond>
-              </p:nextCondLst>
-            </p:seq>
-          </p:childTnLst>
-        </p:cTn>
-      </p:par>
-    </p:tnLst>
-    <p:bldLst>
-      <p:bldP spid="7" grpId="0" animBg="1"/>
-    </p:bldLst>
-  </p:timing>
-</p:sld>
-</file>
-
-<file path=ppt/slides/slide16.xml><?xml version="1.0" encoding="utf-8"?>
-<p:sld xmlns:a="http://schemas.openxmlformats.org/drawingml/2006/main" xmlns:r="http://schemas.openxmlformats.org/officeDocument/2006/relationships" xmlns:p="http://schemas.openxmlformats.org/presentationml/2006/main">
-  <p:cSld>
-    <p:spTree>
-      <p:nvGrpSpPr>
-        <p:cNvPr id="1" name=""/>
-        <p:cNvGrpSpPr/>
-        <p:nvPr/>
-      </p:nvGrpSpPr>
-      <p:grpSpPr>
-        <a:xfrm>
-          <a:off x="0" y="0"/>
-          <a:ext cx="0" cy="0"/>
-          <a:chOff x="0" y="0"/>
-          <a:chExt cx="0" cy="0"/>
-        </a:xfrm>
-      </p:grpSpPr>
-      <p:sp>
-        <p:nvSpPr>
-          <p:cNvPr id="2" name="Content Placeholder 1"/>
-          <p:cNvSpPr>
-            <a:spLocks noGrp="1"/>
-          </p:cNvSpPr>
-          <p:nvPr>
-            <p:ph sz="quarter" idx="17"/>
-          </p:nvPr>
-        </p:nvSpPr>
-        <p:spPr/>
-        <p:style>
-          <a:lnRef idx="2">
-            <a:schemeClr val="accent5">
-              <a:shade val="50000"/>
-            </a:schemeClr>
-          </a:lnRef>
-          <a:fillRef idx="1">
-            <a:schemeClr val="accent5"/>
-          </a:fillRef>
-          <a:effectRef idx="0">
-            <a:schemeClr val="accent5"/>
-          </a:effectRef>
-          <a:fontRef idx="minor">
-            <a:schemeClr val="lt1"/>
-          </a:fontRef>
-        </p:style>
-        <p:txBody>
-          <a:bodyPr/>
-          <a:lstStyle/>
-          <a:p>
-            <a:r>
-              <a:rPr lang="en-US" dirty="0"/>
-              <a:t>Link Generation</a:t>
-            </a:r>
-          </a:p>
-        </p:txBody>
-      </p:sp>
-      <p:sp>
-        <p:nvSpPr>
-          <p:cNvPr id="3" name="Content Placeholder 2"/>
-          <p:cNvSpPr>
-            <a:spLocks noGrp="1"/>
-          </p:cNvSpPr>
-          <p:nvPr>
-            <p:ph sz="quarter" idx="16"/>
-          </p:nvPr>
-        </p:nvSpPr>
-        <p:spPr/>
-        <p:style>
-          <a:lnRef idx="2">
-            <a:schemeClr val="accent5">
-              <a:shade val="50000"/>
-            </a:schemeClr>
-          </a:lnRef>
-          <a:fillRef idx="1">
-            <a:schemeClr val="accent5"/>
-          </a:fillRef>
-          <a:effectRef idx="0">
-            <a:schemeClr val="accent5"/>
-          </a:effectRef>
-          <a:fontRef idx="minor">
-            <a:schemeClr val="lt1"/>
-          </a:fontRef>
-        </p:style>
-        <p:txBody>
-          <a:bodyPr/>
-          <a:lstStyle/>
-          <a:p>
-            <a:r>
-              <a:rPr lang="en-US" dirty="0"/>
-              <a:t>Nested Routing</a:t>
-            </a:r>
-          </a:p>
-        </p:txBody>
-      </p:sp>
-      <p:sp>
-        <p:nvSpPr>
-          <p:cNvPr id="4" name="Content Placeholder 3"/>
-          <p:cNvSpPr>
-            <a:spLocks noGrp="1"/>
-          </p:cNvSpPr>
-          <p:nvPr>
-            <p:ph sz="quarter" idx="12"/>
-          </p:nvPr>
-        </p:nvSpPr>
-        <p:spPr/>
-        <p:style>
-          <a:lnRef idx="2">
-            <a:schemeClr val="accent5">
-              <a:shade val="50000"/>
-            </a:schemeClr>
-          </a:lnRef>
-          <a:fillRef idx="1">
-            <a:schemeClr val="accent5"/>
-          </a:fillRef>
-          <a:effectRef idx="0">
-            <a:schemeClr val="accent5"/>
-          </a:effectRef>
-          <a:fontRef idx="minor">
-            <a:schemeClr val="lt1"/>
-          </a:fontRef>
-        </p:style>
-        <p:txBody>
-          <a:bodyPr/>
-          <a:lstStyle/>
-          <a:p>
-            <a:r>
-              <a:rPr lang="en-US" dirty="0"/>
-              <a:t>Lifecycle</a:t>
-            </a:r>
-          </a:p>
-          <a:p>
-            <a:r>
-              <a:rPr lang="en-US" dirty="0"/>
-              <a:t>Hooks</a:t>
-            </a:r>
-          </a:p>
-        </p:txBody>
-      </p:sp>
-      <p:sp>
-        <p:nvSpPr>
-          <p:cNvPr id="5" name="Content Placeholder 4"/>
-          <p:cNvSpPr>
-            <a:spLocks noGrp="1"/>
-          </p:cNvSpPr>
-          <p:nvPr>
-            <p:ph sz="quarter" idx="11"/>
-          </p:nvPr>
-        </p:nvSpPr>
-        <p:spPr/>
-        <p:style>
-          <a:lnRef idx="2">
-            <a:schemeClr val="accent5">
-              <a:shade val="50000"/>
-            </a:schemeClr>
-          </a:lnRef>
-          <a:fillRef idx="1">
-            <a:schemeClr val="accent5"/>
-          </a:fillRef>
-          <a:effectRef idx="0">
-            <a:schemeClr val="accent5"/>
-          </a:effectRef>
-          <a:fontRef idx="minor">
-            <a:schemeClr val="lt1"/>
-          </a:fontRef>
-        </p:style>
-        <p:txBody>
-          <a:bodyPr/>
-          <a:lstStyle/>
-          <a:p>
-            <a:r>
-              <a:rPr lang="en-US" dirty="0"/>
-              <a:t>Angular 2 </a:t>
-            </a:r>
-          </a:p>
-          <a:p>
-            <a:r>
-              <a:rPr lang="en-US" dirty="0"/>
-              <a:t>Compatible</a:t>
-            </a:r>
-          </a:p>
-        </p:txBody>
-      </p:sp>
-      <p:sp>
-        <p:nvSpPr>
-          <p:cNvPr id="6" name="Content Placeholder 5"/>
-          <p:cNvSpPr>
-            <a:spLocks noGrp="1"/>
-          </p:cNvSpPr>
-          <p:nvPr>
-            <p:ph sz="quarter" idx="10"/>
-          </p:nvPr>
-        </p:nvSpPr>
-        <p:spPr/>
-        <p:style>
-          <a:lnRef idx="2">
-            <a:schemeClr val="accent5">
-              <a:shade val="50000"/>
-            </a:schemeClr>
-          </a:lnRef>
-          <a:fillRef idx="1">
-            <a:schemeClr val="accent5"/>
-          </a:fillRef>
-          <a:effectRef idx="0">
-            <a:schemeClr val="accent5"/>
-          </a:effectRef>
-          <a:fontRef idx="minor">
-            <a:schemeClr val="lt1"/>
-          </a:fontRef>
-        </p:style>
-        <p:txBody>
-          <a:bodyPr/>
-          <a:lstStyle/>
-          <a:p>
-            <a:r>
-              <a:rPr lang="en-US" dirty="0"/>
-              <a:t>Components are</a:t>
-            </a:r>
-          </a:p>
-          <a:p>
-            <a:r>
-              <a:rPr lang="en-US" dirty="0"/>
-              <a:t>Native</a:t>
-            </a:r>
-          </a:p>
-        </p:txBody>
-      </p:sp>
-      <p:sp>
-        <p:nvSpPr>
-          <p:cNvPr id="7" name="Title 6"/>
-          <p:cNvSpPr>
-            <a:spLocks noGrp="1"/>
-          </p:cNvSpPr>
-          <p:nvPr>
-            <p:ph type="title"/>
-          </p:nvPr>
-        </p:nvSpPr>
-        <p:spPr/>
-        <p:txBody>
-          <a:bodyPr/>
-          <a:lstStyle/>
-          <a:p>
-            <a:r>
-              <a:rPr lang="en-US" dirty="0"/>
-              <a:t>Component Router</a:t>
-            </a:r>
-          </a:p>
-        </p:txBody>
-      </p:sp>
-    </p:spTree>
-    <p:extLst>
-      <p:ext uri="{BB962C8B-B14F-4D97-AF65-F5344CB8AC3E}">
-        <p14:creationId xmlns:p14="http://schemas.microsoft.com/office/powerpoint/2010/main" val="1786033595"/>
-      </p:ext>
-    </p:extLst>
-  </p:cSld>
-  <p:clrMapOvr>
-    <a:masterClrMapping/>
-  </p:clrMapOvr>
-  <p:timing>
-    <p:tnLst>
-      <p:par>
-        <p:cTn id="1" dur="indefinite" restart="never" nodeType="tmRoot">
-          <p:childTnLst>
-            <p:seq concurrent="1" nextAc="seek">
-              <p:cTn id="2" dur="indefinite" nodeType="mainSeq">
-                <p:childTnLst>
-                  <p:par>
-                    <p:cTn id="3" fill="hold">
-                      <p:stCondLst>
-                        <p:cond delay="indefinite"/>
-                      </p:stCondLst>
-                      <p:childTnLst>
-                        <p:par>
-                          <p:cTn id="4" fill="hold">
-                            <p:stCondLst>
-                              <p:cond delay="0"/>
-                            </p:stCondLst>
-                            <p:childTnLst>
-                              <p:par>
-                                <p:cTn id="5" presetID="10" presetClass="entr" presetSubtype="0" fill="hold" grpId="0" nodeType="clickEffect">
-                                  <p:stCondLst>
-                                    <p:cond delay="0"/>
-                                  </p:stCondLst>
-                                  <p:childTnLst>
-                                    <p:set>
-                                      <p:cBhvr>
-                                        <p:cTn id="6" dur="1" fill="hold">
-                                          <p:stCondLst>
-                                            <p:cond delay="0"/>
-                                          </p:stCondLst>
-                                        </p:cTn>
-                                        <p:tgtEl>
-                                          <p:spTgt spid="6">
-                                            <p:bg/>
-                                          </p:spTgt>
-                                        </p:tgtEl>
-                                        <p:attrNameLst>
-                                          <p:attrName>style.visibility</p:attrName>
-                                        </p:attrNameLst>
-                                      </p:cBhvr>
-                                      <p:to>
-                                        <p:strVal val="visible"/>
-                                      </p:to>
-                                    </p:set>
-                                    <p:animEffect transition="in" filter="fade">
-                                      <p:cBhvr>
-                                        <p:cTn id="7" dur="500"/>
-                                        <p:tgtEl>
-                                          <p:spTgt spid="6">
-                                            <p:bg/>
-                                          </p:spTgt>
-                                        </p:tgtEl>
-                                      </p:cBhvr>
-                                    </p:animEffect>
-                                  </p:childTnLst>
-                                </p:cTn>
-                              </p:par>
-                            </p:childTnLst>
-                          </p:cTn>
-                        </p:par>
-                      </p:childTnLst>
-                    </p:cTn>
-                  </p:par>
-                  <p:par>
-                    <p:cTn id="8" fill="hold">
-                      <p:stCondLst>
-                        <p:cond delay="indefinite"/>
-                      </p:stCondLst>
-                      <p:childTnLst>
-                        <p:par>
-                          <p:cTn id="9" fill="hold">
-                            <p:stCondLst>
-                              <p:cond delay="0"/>
-                            </p:stCondLst>
-                            <p:childTnLst>
-                              <p:par>
-                                <p:cTn id="10" presetID="10" presetClass="entr" presetSubtype="0" fill="hold" grpId="0" nodeType="clickEffect">
-                                  <p:stCondLst>
-                                    <p:cond delay="0"/>
-                                  </p:stCondLst>
-                                  <p:childTnLst>
-                                    <p:set>
-                                      <p:cBhvr>
-                                        <p:cTn id="11" dur="1" fill="hold">
-                                          <p:stCondLst>
-                                            <p:cond delay="0"/>
-                                          </p:stCondLst>
-                                        </p:cTn>
-                                        <p:tgtEl>
-                                          <p:spTgt spid="5">
-                                            <p:bg/>
-                                          </p:spTgt>
-                                        </p:tgtEl>
-                                        <p:attrNameLst>
-                                          <p:attrName>style.visibility</p:attrName>
-                                        </p:attrNameLst>
-                                      </p:cBhvr>
-                                      <p:to>
-                                        <p:strVal val="visible"/>
-                                      </p:to>
-                                    </p:set>
-                                    <p:animEffect transition="in" filter="fade">
-                                      <p:cBhvr>
-                                        <p:cTn id="12" dur="500"/>
-                                        <p:tgtEl>
-                                          <p:spTgt spid="5">
-                                            <p:bg/>
-                                          </p:spTgt>
-                                        </p:tgtEl>
-                                      </p:cBhvr>
-                                    </p:animEffect>
-                                  </p:childTnLst>
-                                </p:cTn>
-                              </p:par>
-                            </p:childTnLst>
-                          </p:cTn>
-                        </p:par>
-                      </p:childTnLst>
-                    </p:cTn>
-                  </p:par>
-                  <p:par>
-                    <p:cTn id="13" fill="hold">
-                      <p:stCondLst>
-                        <p:cond delay="indefinite"/>
-                      </p:stCondLst>
-                      <p:childTnLst>
-                        <p:par>
-                          <p:cTn id="14" fill="hold">
-                            <p:stCondLst>
-                              <p:cond delay="0"/>
-                            </p:stCondLst>
-                            <p:childTnLst>
-                              <p:par>
-                                <p:cTn id="15" presetID="10" presetClass="entr" presetSubtype="0" fill="hold" grpId="0" nodeType="clickEffect">
-                                  <p:stCondLst>
-                                    <p:cond delay="0"/>
-                                  </p:stCondLst>
-                                  <p:childTnLst>
-                                    <p:set>
-                                      <p:cBhvr>
-                                        <p:cTn id="16" dur="1" fill="hold">
-                                          <p:stCondLst>
-                                            <p:cond delay="0"/>
-                                          </p:stCondLst>
-                                        </p:cTn>
-                                        <p:tgtEl>
-                                          <p:spTgt spid="4">
-                                            <p:bg/>
-                                          </p:spTgt>
-                                        </p:tgtEl>
-                                        <p:attrNameLst>
-                                          <p:attrName>style.visibility</p:attrName>
-                                        </p:attrNameLst>
-                                      </p:cBhvr>
-                                      <p:to>
-                                        <p:strVal val="visible"/>
-                                      </p:to>
-                                    </p:set>
-                                    <p:animEffect transition="in" filter="fade">
-                                      <p:cBhvr>
-                                        <p:cTn id="17" dur="500"/>
-                                        <p:tgtEl>
-                                          <p:spTgt spid="4">
-                                            <p:bg/>
-                                          </p:spTgt>
-                                        </p:tgtEl>
-                                      </p:cBhvr>
-                                    </p:animEffect>
-                                  </p:childTnLst>
-                                </p:cTn>
-                              </p:par>
-                            </p:childTnLst>
-                          </p:cTn>
-                        </p:par>
-                      </p:childTnLst>
-                    </p:cTn>
-                  </p:par>
-                  <p:par>
-                    <p:cTn id="18" fill="hold">
-                      <p:stCondLst>
-                        <p:cond delay="indefinite"/>
-                      </p:stCondLst>
-                      <p:childTnLst>
-                        <p:par>
-                          <p:cTn id="19" fill="hold">
-                            <p:stCondLst>
-                              <p:cond delay="0"/>
-                            </p:stCondLst>
-                            <p:childTnLst>
-                              <p:par>
-                                <p:cTn id="20" presetID="10" presetClass="entr" presetSubtype="0" fill="hold" grpId="0" nodeType="clickEffect">
-                                  <p:stCondLst>
-                                    <p:cond delay="0"/>
-                                  </p:stCondLst>
-                                  <p:childTnLst>
-                                    <p:set>
-                                      <p:cBhvr>
-                                        <p:cTn id="21" dur="1" fill="hold">
-                                          <p:stCondLst>
-                                            <p:cond delay="0"/>
-                                          </p:stCondLst>
-                                        </p:cTn>
-                                        <p:tgtEl>
-                                          <p:spTgt spid="3">
-                                            <p:bg/>
-                                          </p:spTgt>
-                                        </p:tgtEl>
-                                        <p:attrNameLst>
-                                          <p:attrName>style.visibility</p:attrName>
-                                        </p:attrNameLst>
-                                      </p:cBhvr>
-                                      <p:to>
-                                        <p:strVal val="visible"/>
-                                      </p:to>
-                                    </p:set>
-                                    <p:animEffect transition="in" filter="fade">
-                                      <p:cBhvr>
-                                        <p:cTn id="22" dur="500"/>
-                                        <p:tgtEl>
-                                          <p:spTgt spid="3">
-                                            <p:bg/>
-                                          </p:spTgt>
-                                        </p:tgtEl>
-                                      </p:cBhvr>
-                                    </p:animEffect>
-                                  </p:childTnLst>
-                                </p:cTn>
-                              </p:par>
-                            </p:childTnLst>
-                          </p:cTn>
-                        </p:par>
-                      </p:childTnLst>
-                    </p:cTn>
-                  </p:par>
-                  <p:par>
-                    <p:cTn id="23" fill="hold">
-                      <p:stCondLst>
-                        <p:cond delay="indefinite"/>
-                      </p:stCondLst>
-                      <p:childTnLst>
-                        <p:par>
-                          <p:cTn id="24" fill="hold">
-                            <p:stCondLst>
-                              <p:cond delay="0"/>
-                            </p:stCondLst>
-                            <p:childTnLst>
-                              <p:par>
-                                <p:cTn id="25" presetID="10" presetClass="entr" presetSubtype="0" fill="hold" grpId="0" nodeType="clickEffect">
-                                  <p:stCondLst>
-                                    <p:cond delay="0"/>
-                                  </p:stCondLst>
-                                  <p:childTnLst>
-                                    <p:set>
-                                      <p:cBhvr>
-                                        <p:cTn id="26" dur="1" fill="hold">
-                                          <p:stCondLst>
-                                            <p:cond delay="0"/>
-                                          </p:stCondLst>
-                                        </p:cTn>
-                                        <p:tgtEl>
-                                          <p:spTgt spid="2">
-                                            <p:bg/>
-                                          </p:spTgt>
-                                        </p:tgtEl>
-                                        <p:attrNameLst>
-                                          <p:attrName>style.visibility</p:attrName>
-                                        </p:attrNameLst>
-                                      </p:cBhvr>
-                                      <p:to>
-                                        <p:strVal val="visible"/>
-                                      </p:to>
-                                    </p:set>
-                                    <p:animEffect transition="in" filter="fade">
-                                      <p:cBhvr>
-                                        <p:cTn id="27" dur="500"/>
-                                        <p:tgtEl>
-                                          <p:spTgt spid="2">
-                                            <p:bg/>
-                                          </p:spTgt>
-                                        </p:tgtEl>
-                                      </p:cBhvr>
-                                    </p:animEffect>
-                                  </p:childTnLst>
-                                </p:cTn>
-                              </p:par>
-                            </p:childTnLst>
-                          </p:cTn>
-                        </p:par>
-                      </p:childTnLst>
-                    </p:cTn>
-                  </p:par>
-                </p:childTnLst>
-              </p:cTn>
-              <p:prevCondLst>
-                <p:cond evt="onPrev" delay="0">
-                  <p:tgtEl>
-                    <p:sldTgt/>
-                  </p:tgtEl>
-                </p:cond>
-              </p:prevCondLst>
-              <p:nextCondLst>
-                <p:cond evt="onNext" delay="0">
-                  <p:tgtEl>
-                    <p:sldTgt/>
-                  </p:tgtEl>
-                </p:cond>
-              </p:nextCondLst>
-            </p:seq>
-          </p:childTnLst>
-        </p:cTn>
-      </p:par>
-    </p:tnLst>
-    <p:bldLst>
-      <p:bldP spid="2" grpId="0" uiExpand="1" build="p" animBg="1"/>
-      <p:bldP spid="3" grpId="0" uiExpand="1" build="p" animBg="1"/>
-      <p:bldP spid="4" grpId="0" uiExpand="1" build="p" animBg="1"/>
-      <p:bldP spid="5" grpId="0" uiExpand="1" build="p" animBg="1"/>
-      <p:bldP spid="6" grpId="0" uiExpand="1" build="p" animBg="1"/>
-    </p:bldLst>
-  </p:timing>
-</p:sld>
-</file>
-
-<file path=ppt/slides/slide17.xml><?xml version="1.0" encoding="utf-8"?>
-<p:sld xmlns:a="http://schemas.openxmlformats.org/drawingml/2006/main" xmlns:r="http://schemas.openxmlformats.org/officeDocument/2006/relationships" xmlns:p="http://schemas.openxmlformats.org/presentationml/2006/main">
-  <p:cSld>
-    <p:spTree>
-      <p:nvGrpSpPr>
-        <p:cNvPr id="1" name=""/>
-        <p:cNvGrpSpPr/>
-        <p:nvPr/>
-      </p:nvGrpSpPr>
-      <p:grpSpPr>
-        <a:xfrm>
-          <a:off x="0" y="0"/>
-          <a:ext cx="0" cy="0"/>
-          <a:chOff x="0" y="0"/>
-          <a:chExt cx="0" cy="0"/>
-        </a:xfrm>
-      </p:grpSpPr>
-      <p:sp>
-        <p:nvSpPr>
-          <p:cNvPr id="2" name="Title 1"/>
-          <p:cNvSpPr>
-            <a:spLocks noGrp="1"/>
-          </p:cNvSpPr>
-          <p:nvPr>
-            <p:ph type="title"/>
-          </p:nvPr>
-        </p:nvSpPr>
-        <p:spPr/>
-        <p:txBody>
-          <a:bodyPr/>
-          <a:lstStyle/>
-          <a:p>
-            <a:r>
-              <a:rPr lang="en-US" dirty="0"/>
-              <a:t>Lifecycle Hooks</a:t>
-            </a:r>
-          </a:p>
-        </p:txBody>
-      </p:sp>
-      <p:graphicFrame>
-        <p:nvGraphicFramePr>
-          <p:cNvPr id="7" name="Table 6"/>
-          <p:cNvGraphicFramePr>
-            <a:graphicFrameLocks noGrp="1"/>
-          </p:cNvGraphicFramePr>
-          <p:nvPr>
-            <p:extLst/>
-          </p:nvPr>
-        </p:nvGraphicFramePr>
-        <p:xfrm>
-          <a:off x="2702961" y="2413784"/>
-          <a:ext cx="3738082" cy="1953555"/>
-        </p:xfrm>
-        <a:graphic>
-          <a:graphicData uri="http://schemas.openxmlformats.org/drawingml/2006/table">
-            <a:tbl>
-              <a:tblPr firstRow="1" bandRow="1">
-                <a:tableStyleId>{7DF18680-E054-41AD-8BC1-D1AEF772440D}</a:tableStyleId>
-              </a:tblPr>
-              <a:tblGrid>
-                <a:gridCol w="3738082">
-                  <a:extLst>
-                    <a:ext uri="{9D8B030D-6E8A-4147-A177-3AD203B41FA5}">
-                      <a16:colId xmlns:a16="http://schemas.microsoft.com/office/drawing/2014/main" val="1941084532"/>
-                    </a:ext>
-                  </a:extLst>
-                </a:gridCol>
-              </a:tblGrid>
-              <a:tr h="308285">
-                <a:tc>
-                  <a:txBody>
-                    <a:bodyPr/>
-                    <a:lstStyle/>
-                    <a:p>
-                      <a:endParaRPr lang="en-US" sz="1400" dirty="0"/>
-                    </a:p>
-                  </a:txBody>
-                  <a:tcPr marL="68580" marR="68580" marT="34290" marB="34290"/>
-                </a:tc>
-                <a:extLst>
-                  <a:ext uri="{0D108BD9-81ED-4DB2-BD59-A6C34878D82A}">
-                    <a16:rowId xmlns:a16="http://schemas.microsoft.com/office/drawing/2014/main" val="982992900"/>
-                  </a:ext>
-                </a:extLst>
-              </a:tr>
-              <a:tr h="308285">
-                <a:tc>
-                  <a:txBody>
-                    <a:bodyPr/>
-                    <a:lstStyle/>
-                    <a:p>
-                      <a:r>
-                        <a:rPr lang="en-US" sz="1400" dirty="0"/>
-                        <a:t>$</a:t>
-                      </a:r>
-                      <a:r>
-                        <a:rPr lang="en-US" sz="1400" dirty="0" err="1"/>
-                        <a:t>canActivate</a:t>
-                      </a:r>
-                      <a:endParaRPr lang="en-US" sz="1400" dirty="0"/>
-                    </a:p>
-                  </a:txBody>
-                  <a:tcPr marL="68580" marR="68580" marT="34290" marB="34290"/>
-                </a:tc>
-                <a:extLst>
-                  <a:ext uri="{0D108BD9-81ED-4DB2-BD59-A6C34878D82A}">
-                    <a16:rowId xmlns:a16="http://schemas.microsoft.com/office/drawing/2014/main" val="624975331"/>
-                  </a:ext>
-                </a:extLst>
-              </a:tr>
-              <a:tr h="308285">
-                <a:tc>
-                  <a:txBody>
-                    <a:bodyPr/>
-                    <a:lstStyle/>
-                    <a:p>
-                      <a:r>
-                        <a:rPr lang="en-US" sz="1400" dirty="0"/>
-                        <a:t>$</a:t>
-                      </a:r>
-                      <a:r>
-                        <a:rPr lang="en-US" sz="1400" dirty="0" err="1"/>
-                        <a:t>routerOnActivate</a:t>
-                      </a:r>
-                      <a:endParaRPr lang="en-US" sz="1400" dirty="0"/>
-                    </a:p>
-                  </a:txBody>
-                  <a:tcPr marL="68580" marR="68580" marT="34290" marB="34290"/>
-                </a:tc>
-                <a:extLst>
-                  <a:ext uri="{0D108BD9-81ED-4DB2-BD59-A6C34878D82A}">
-                    <a16:rowId xmlns:a16="http://schemas.microsoft.com/office/drawing/2014/main" val="976766578"/>
-                  </a:ext>
-                </a:extLst>
-              </a:tr>
-              <a:tr h="342900">
-                <a:tc>
-                  <a:txBody>
-                    <a:bodyPr/>
-                    <a:lstStyle/>
-                    <a:p>
-                      <a:r>
-                        <a:rPr lang="en-US" sz="1800" kern="1200" dirty="0">
-                          <a:solidFill>
-                            <a:schemeClr val="dk1"/>
-                          </a:solidFill>
-                          <a:effectLst/>
-                          <a:latin typeface="+mn-lt"/>
-                          <a:ea typeface="+mn-ea"/>
-                          <a:cs typeface="+mn-cs"/>
-                        </a:rPr>
-                        <a:t>$</a:t>
-                      </a:r>
-                      <a:r>
-                        <a:rPr lang="en-US" sz="1800" kern="1200" dirty="0" err="1">
-                          <a:solidFill>
-                            <a:schemeClr val="dk1"/>
-                          </a:solidFill>
-                          <a:effectLst/>
-                          <a:latin typeface="+mn-lt"/>
-                          <a:ea typeface="+mn-ea"/>
-                          <a:cs typeface="+mn-cs"/>
-                        </a:rPr>
-                        <a:t>routerCanDeactivate</a:t>
-                      </a:r>
-                      <a:r>
-                        <a:rPr lang="en-US" sz="1800" b="0" i="0" kern="1200" dirty="0">
-                          <a:solidFill>
-                            <a:schemeClr val="dk1"/>
-                          </a:solidFill>
-                          <a:effectLst/>
-                          <a:latin typeface="+mn-lt"/>
-                          <a:ea typeface="+mn-ea"/>
-                          <a:cs typeface="+mn-cs"/>
-                        </a:rPr>
-                        <a:t> </a:t>
-                      </a:r>
-                      <a:endParaRPr lang="en-US" sz="1400" dirty="0"/>
-                    </a:p>
-                  </a:txBody>
-                  <a:tcPr marL="68580" marR="68580" marT="34290" marB="34290"/>
-                </a:tc>
-                <a:extLst>
-                  <a:ext uri="{0D108BD9-81ED-4DB2-BD59-A6C34878D82A}">
-                    <a16:rowId xmlns:a16="http://schemas.microsoft.com/office/drawing/2014/main" val="1558128564"/>
-                  </a:ext>
-                </a:extLst>
-              </a:tr>
-              <a:tr h="342900">
-                <a:tc>
-                  <a:txBody>
-                    <a:bodyPr/>
-                    <a:lstStyle/>
-                    <a:p>
-                      <a:r>
-                        <a:rPr lang="en-US" sz="1800" kern="1200" dirty="0">
-                          <a:solidFill>
-                            <a:schemeClr val="dk1"/>
-                          </a:solidFill>
-                          <a:effectLst/>
-                          <a:latin typeface="+mn-lt"/>
-                          <a:ea typeface="+mn-ea"/>
-                          <a:cs typeface="+mn-cs"/>
-                        </a:rPr>
-                        <a:t>$</a:t>
-                      </a:r>
-                      <a:r>
-                        <a:rPr lang="en-US" sz="1800" kern="1200" dirty="0" err="1">
-                          <a:solidFill>
-                            <a:schemeClr val="dk1"/>
-                          </a:solidFill>
-                          <a:effectLst/>
-                          <a:latin typeface="+mn-lt"/>
-                          <a:ea typeface="+mn-ea"/>
-                          <a:cs typeface="+mn-cs"/>
-                        </a:rPr>
-                        <a:t>routerOnDeactivate</a:t>
-                      </a:r>
-                      <a:r>
-                        <a:rPr lang="en-US" sz="1800" b="0" i="0" kern="1200" dirty="0">
-                          <a:solidFill>
-                            <a:schemeClr val="dk1"/>
-                          </a:solidFill>
-                          <a:effectLst/>
-                          <a:latin typeface="+mn-lt"/>
-                          <a:ea typeface="+mn-ea"/>
-                          <a:cs typeface="+mn-cs"/>
-                        </a:rPr>
-                        <a:t> </a:t>
-                      </a:r>
-                      <a:endParaRPr lang="en-US" sz="1400" dirty="0"/>
-                    </a:p>
-                  </a:txBody>
-                  <a:tcPr marL="68580" marR="68580" marT="34290" marB="34290"/>
-                </a:tc>
-                <a:extLst>
-                  <a:ext uri="{0D108BD9-81ED-4DB2-BD59-A6C34878D82A}">
-                    <a16:rowId xmlns:a16="http://schemas.microsoft.com/office/drawing/2014/main" val="731265879"/>
-                  </a:ext>
-                </a:extLst>
-              </a:tr>
-              <a:tr h="342900">
-                <a:tc>
-                  <a:txBody>
-                    <a:bodyPr/>
-                    <a:lstStyle/>
-                    <a:p>
-                      <a:r>
-                        <a:rPr lang="en-US" sz="1800" kern="1200" dirty="0">
-                          <a:solidFill>
-                            <a:schemeClr val="dk1"/>
-                          </a:solidFill>
-                          <a:effectLst/>
-                          <a:latin typeface="+mn-lt"/>
-                          <a:ea typeface="+mn-ea"/>
-                          <a:cs typeface="+mn-cs"/>
-                        </a:rPr>
-                        <a:t>$</a:t>
-                      </a:r>
-                      <a:r>
-                        <a:rPr lang="en-US" sz="1800" kern="1200" dirty="0" err="1">
-                          <a:solidFill>
-                            <a:schemeClr val="dk1"/>
-                          </a:solidFill>
-                          <a:effectLst/>
-                          <a:latin typeface="+mn-lt"/>
-                          <a:ea typeface="+mn-ea"/>
-                          <a:cs typeface="+mn-cs"/>
-                        </a:rPr>
-                        <a:t>routerCanReuse</a:t>
-                      </a:r>
-                      <a:r>
-                        <a:rPr lang="en-US" sz="1800" b="0" i="0" kern="1200" dirty="0">
-                          <a:solidFill>
-                            <a:schemeClr val="dk1"/>
-                          </a:solidFill>
-                          <a:effectLst/>
-                          <a:latin typeface="+mn-lt"/>
-                          <a:ea typeface="+mn-ea"/>
-                          <a:cs typeface="+mn-cs"/>
-                        </a:rPr>
-                        <a:t> </a:t>
-                      </a:r>
-                      <a:endParaRPr lang="en-US" sz="1400" dirty="0"/>
-                    </a:p>
-                  </a:txBody>
-                  <a:tcPr marL="68580" marR="68580" marT="34290" marB="34290"/>
-                </a:tc>
-                <a:extLst>
-                  <a:ext uri="{0D108BD9-81ED-4DB2-BD59-A6C34878D82A}">
-                    <a16:rowId xmlns:a16="http://schemas.microsoft.com/office/drawing/2014/main" val="3388884428"/>
-                  </a:ext>
-                </a:extLst>
-              </a:tr>
-            </a:tbl>
-          </a:graphicData>
-        </a:graphic>
-      </p:graphicFrame>
-    </p:spTree>
-    <p:extLst>
-      <p:ext uri="{BB962C8B-B14F-4D97-AF65-F5344CB8AC3E}">
-        <p14:creationId xmlns:p14="http://schemas.microsoft.com/office/powerpoint/2010/main" val="720495593"/>
-      </p:ext>
-    </p:extLst>
-  </p:cSld>
-  <p:clrMapOvr>
-    <a:masterClrMapping/>
-  </p:clrMapOvr>
-  <mc:AlternateContent xmlns:mc="http://schemas.openxmlformats.org/markup-compatibility/2006" xmlns:p14="http://schemas.microsoft.com/office/powerpoint/2010/main">
-    <mc:Choice Requires="p14">
-      <p:transition spd="med" p14:dur="700">
-        <p:fade/>
-      </p:transition>
-    </mc:Choice>
-    <mc:Fallback xmlns="">
-      <p:transition spd="med">
-        <p:fade/>
-      </p:transition>
-    </mc:Fallback>
-  </mc:AlternateContent>
-</p:sld>
-</file>
-
-<file path=ppt/slides/slide18.xml><?xml version="1.0" encoding="utf-8"?>
-<p:sld xmlns:a="http://schemas.openxmlformats.org/drawingml/2006/main" xmlns:r="http://schemas.openxmlformats.org/officeDocument/2006/relationships" xmlns:p="http://schemas.openxmlformats.org/presentationml/2006/main">
-  <p:cSld>
-    <p:spTree>
-      <p:nvGrpSpPr>
-        <p:cNvPr id="1" name=""/>
-        <p:cNvGrpSpPr/>
-        <p:nvPr/>
-      </p:nvGrpSpPr>
-      <p:grpSpPr>
-        <a:xfrm>
-          <a:off x="0" y="0"/>
-          <a:ext cx="0" cy="0"/>
-          <a:chOff x="0" y="0"/>
-          <a:chExt cx="0" cy="0"/>
-        </a:xfrm>
-      </p:grpSpPr>
-      <p:sp>
-        <p:nvSpPr>
-          <p:cNvPr id="2" name="Title 1"/>
-          <p:cNvSpPr>
-            <a:spLocks noGrp="1"/>
-          </p:cNvSpPr>
-          <p:nvPr>
-            <p:ph type="title"/>
-          </p:nvPr>
-        </p:nvSpPr>
-        <p:spPr/>
-        <p:txBody>
-          <a:bodyPr/>
-          <a:lstStyle/>
-          <a:p>
-            <a:r>
-              <a:rPr lang="en-US" dirty="0"/>
               <a:t>Three Compositional Techniques</a:t>
             </a:r>
           </a:p>
@@ -6022,15 +3584,15 @@
         </p:spPr>
         <p:style>
           <a:lnRef idx="2">
-            <a:schemeClr val="accent3">
+            <a:schemeClr val="dk1">
               <a:shade val="50000"/>
             </a:schemeClr>
           </a:lnRef>
           <a:fillRef idx="1">
-            <a:schemeClr val="accent3"/>
+            <a:schemeClr val="dk1"/>
           </a:fillRef>
           <a:effectRef idx="0">
-            <a:schemeClr val="accent3"/>
+            <a:schemeClr val="dk1"/>
           </a:effectRef>
           <a:fontRef idx="minor">
             <a:schemeClr val="lt1"/>
@@ -6244,15 +3806,15 @@
         </p:spPr>
         <p:style>
           <a:lnRef idx="2">
-            <a:schemeClr val="accent6">
+            <a:schemeClr val="accent5">
               <a:shade val="50000"/>
             </a:schemeClr>
           </a:lnRef>
           <a:fillRef idx="1">
-            <a:schemeClr val="accent6"/>
+            <a:schemeClr val="accent5"/>
           </a:fillRef>
           <a:effectRef idx="0">
-            <a:schemeClr val="accent6"/>
+            <a:schemeClr val="accent5"/>
           </a:effectRef>
           <a:fontRef idx="minor">
             <a:schemeClr val="lt1"/>
@@ -6594,15 +4156,15 @@
         </p:spPr>
         <p:style>
           <a:lnRef idx="2">
-            <a:schemeClr val="accent2">
+            <a:schemeClr val="accent1">
               <a:shade val="50000"/>
             </a:schemeClr>
           </a:lnRef>
           <a:fillRef idx="1">
-            <a:schemeClr val="accent2"/>
+            <a:schemeClr val="accent1"/>
           </a:fillRef>
           <a:effectRef idx="0">
-            <a:schemeClr val="accent2"/>
+            <a:schemeClr val="accent1"/>
           </a:effectRef>
           <a:fontRef idx="minor">
             <a:schemeClr val="lt1"/>
@@ -6646,15 +4208,15 @@
         </p:spPr>
         <p:style>
           <a:lnRef idx="2">
-            <a:schemeClr val="accent2">
+            <a:schemeClr val="accent1">
               <a:shade val="50000"/>
             </a:schemeClr>
           </a:lnRef>
           <a:fillRef idx="1">
-            <a:schemeClr val="accent2"/>
+            <a:schemeClr val="accent1"/>
           </a:fillRef>
           <a:effectRef idx="0">
-            <a:schemeClr val="accent2"/>
+            <a:schemeClr val="accent1"/>
           </a:effectRef>
           <a:fontRef idx="minor">
             <a:schemeClr val="lt1"/>
@@ -6698,15 +4260,15 @@
         </p:spPr>
         <p:style>
           <a:lnRef idx="2">
-            <a:schemeClr val="accent2">
+            <a:schemeClr val="accent1">
               <a:shade val="50000"/>
             </a:schemeClr>
           </a:lnRef>
           <a:fillRef idx="1">
-            <a:schemeClr val="accent2"/>
+            <a:schemeClr val="accent1"/>
           </a:fillRef>
           <a:effectRef idx="0">
-            <a:schemeClr val="accent2"/>
+            <a:schemeClr val="accent1"/>
           </a:effectRef>
           <a:fontRef idx="minor">
             <a:schemeClr val="lt1"/>
@@ -7401,7 +4963,7 @@
 </p:sld>
 </file>
 
-<file path=ppt/slides/slide19.xml><?xml version="1.0" encoding="utf-8"?>
+<file path=ppt/slides/slide14.xml><?xml version="1.0" encoding="utf-8"?>
 <p:sld xmlns:a="http://schemas.openxmlformats.org/drawingml/2006/main" xmlns:r="http://schemas.openxmlformats.org/officeDocument/2006/relationships" xmlns:p="http://schemas.openxmlformats.org/presentationml/2006/main">
   <p:cSld>
     <p:spTree>
@@ -7464,26 +5026,48 @@
       </p:sp>
       <p:pic>
         <p:nvPicPr>
-          <p:cNvPr id="4" name="Picture 3"/>
+          <p:cNvPr id="5" name="Picture 4"/>
           <p:cNvPicPr>
             <a:picLocks noChangeAspect="1"/>
           </p:cNvPicPr>
           <p:nvPr/>
         </p:nvPicPr>
         <p:blipFill>
-          <a:blip r:embed="rId2"/>
+          <a:blip r:embed="rId2">
+            <a:extLst>
+              <a:ext uri="{BEBA8EAE-BF5A-486C-A8C5-ECC9F3942E4B}">
+                <a14:imgProps xmlns:a14="http://schemas.microsoft.com/office/drawing/2010/main">
+                  <a14:imgLayer r:embed="rId3">
+                    <a14:imgEffect>
+                      <a14:colorTemperature colorTemp="11200"/>
+                    </a14:imgEffect>
+                  </a14:imgLayer>
+                </a14:imgProps>
+              </a:ext>
+            </a:extLst>
+          </a:blip>
           <a:stretch>
             <a:fillRect/>
           </a:stretch>
         </p:blipFill>
         <p:spPr>
           <a:xfrm>
-            <a:off x="990600" y="2590800"/>
-            <a:ext cx="7458075" cy="3038475"/>
+            <a:off x="1143000" y="2362200"/>
+            <a:ext cx="6522184" cy="3457988"/>
           </a:xfrm>
           <a:prstGeom prst="rect">
             <a:avLst/>
           </a:prstGeom>
+          <a:ln>
+            <a:noFill/>
+          </a:ln>
+          <a:effectLst>
+            <a:outerShdw blurRad="292100" dist="139700" dir="2700000" algn="tl" rotWithShape="0">
+              <a:srgbClr val="333333">
+                <a:alpha val="65000"/>
+              </a:srgbClr>
+            </a:outerShdw>
+          </a:effectLst>
         </p:spPr>
       </p:pic>
     </p:spTree>
@@ -7555,16 +5139,14 @@
           <a:ln/>
         </p:spPr>
         <p:style>
-          <a:lnRef idx="2">
-            <a:schemeClr val="accent6">
-              <a:shade val="50000"/>
-            </a:schemeClr>
+          <a:lnRef idx="3">
+            <a:schemeClr val="lt1"/>
           </a:lnRef>
           <a:fillRef idx="1">
-            <a:schemeClr val="accent6"/>
+            <a:schemeClr val="dk1"/>
           </a:fillRef>
-          <a:effectRef idx="0">
-            <a:schemeClr val="accent6"/>
+          <a:effectRef idx="1">
+            <a:schemeClr val="dk1"/>
           </a:effectRef>
           <a:fontRef idx="minor">
             <a:schemeClr val="lt1"/>
@@ -7612,16 +5194,14 @@
           <a:ln/>
         </p:spPr>
         <p:style>
-          <a:lnRef idx="2">
-            <a:schemeClr val="accent6">
-              <a:shade val="50000"/>
-            </a:schemeClr>
+          <a:lnRef idx="3">
+            <a:schemeClr val="lt1"/>
           </a:lnRef>
           <a:fillRef idx="1">
-            <a:schemeClr val="accent6"/>
+            <a:schemeClr val="dk1"/>
           </a:fillRef>
-          <a:effectRef idx="0">
-            <a:schemeClr val="accent6"/>
+          <a:effectRef idx="1">
+            <a:schemeClr val="dk1"/>
           </a:effectRef>
           <a:fontRef idx="minor">
             <a:schemeClr val="lt1"/>
@@ -7669,16 +5249,14 @@
           <a:ln/>
         </p:spPr>
         <p:style>
-          <a:lnRef idx="2">
-            <a:schemeClr val="accent6">
-              <a:shade val="50000"/>
-            </a:schemeClr>
+          <a:lnRef idx="3">
+            <a:schemeClr val="lt1"/>
           </a:lnRef>
           <a:fillRef idx="1">
-            <a:schemeClr val="accent6"/>
+            <a:schemeClr val="dk1"/>
           </a:fillRef>
-          <a:effectRef idx="0">
-            <a:schemeClr val="accent6"/>
+          <a:effectRef idx="1">
+            <a:schemeClr val="dk1"/>
           </a:effectRef>
           <a:fontRef idx="minor">
             <a:schemeClr val="lt1"/>
@@ -7727,23 +5305,19 @@
             </a:avLst>
           </a:prstGeom>
           <a:ln>
-            <a:solidFill>
-              <a:schemeClr val="accent1"/>
-            </a:solidFill>
             <a:headEnd type="none"/>
             <a:tailEnd type="none"/>
           </a:ln>
-          <a:effectLst/>
         </p:spPr>
         <p:style>
-          <a:lnRef idx="2">
-            <a:schemeClr val="accent1"/>
+          <a:lnRef idx="3">
+            <a:schemeClr val="dk1"/>
           </a:lnRef>
           <a:fillRef idx="0">
-            <a:schemeClr val="accent1"/>
+            <a:schemeClr val="dk1"/>
           </a:fillRef>
-          <a:effectRef idx="1">
-            <a:schemeClr val="accent1"/>
+          <a:effectRef idx="2">
+            <a:schemeClr val="dk1"/>
           </a:effectRef>
           <a:fontRef idx="minor">
             <a:schemeClr val="tx1"/>
@@ -8033,64 +5607,10 @@
           <a:bodyPr/>
           <a:lstStyle/>
           <a:p>
-            <a:endParaRPr lang="en-US"/>
-          </a:p>
-        </p:txBody>
-      </p:sp>
-      <p:sp>
-        <p:nvSpPr>
-          <p:cNvPr id="3" name="Rectangle 2"/>
-          <p:cNvSpPr/>
-          <p:nvPr/>
-        </p:nvSpPr>
-        <p:spPr>
-          <a:xfrm>
-            <a:off x="1142953" y="1802824"/>
-            <a:ext cx="2826328" cy="1922318"/>
-          </a:xfrm>
-          <a:prstGeom prst="rect">
-            <a:avLst/>
-          </a:prstGeom>
-          <a:ln/>
-        </p:spPr>
-        <p:style>
-          <a:lnRef idx="2">
-            <a:schemeClr val="accent6">
-              <a:shade val="50000"/>
-            </a:schemeClr>
-          </a:lnRef>
-          <a:fillRef idx="1">
-            <a:schemeClr val="accent6"/>
-          </a:fillRef>
-          <a:effectRef idx="0">
-            <a:schemeClr val="accent6"/>
-          </a:effectRef>
-          <a:fontRef idx="minor">
-            <a:schemeClr val="lt1"/>
-          </a:fontRef>
-        </p:style>
-        <p:txBody>
-          <a:bodyPr lIns="137160" tIns="137160" rIns="137160" bIns="137160" rtlCol="0" anchor="ctr"/>
-          <a:lstStyle/>
-          <a:p>
-            <a:pPr>
-              <a:spcBef>
-                <a:spcPts val="450"/>
-              </a:spcBef>
-            </a:pPr>
-            <a:r>
-              <a:rPr lang="en-US" sz="1500" dirty="0" err="1">
-                <a:solidFill>
-                  <a:schemeClr val="bg1"/>
-                </a:solidFill>
-              </a:rPr>
-              <a:t>module.controller</a:t>
-            </a:r>
-            <a:endParaRPr lang="en-US" sz="1500" dirty="0">
-              <a:solidFill>
-                <a:schemeClr val="bg1"/>
-              </a:solidFill>
-            </a:endParaRPr>
+            <a:r>
+              <a:rPr lang="en-US" dirty="0"/>
+              <a:t>Why Components?</a:t>
+            </a:r>
           </a:p>
         </p:txBody>
       </p:sp>
@@ -8100,54 +5620,49 @@
           <p:cNvSpPr/>
           <p:nvPr/>
         </p:nvSpPr>
-        <p:spPr>
+        <p:spPr bwMode="auto">
           <a:xfrm>
-            <a:off x="1142953" y="3922570"/>
-            <a:ext cx="2826328" cy="1922318"/>
+            <a:off x="1219200" y="1371600"/>
+            <a:ext cx="3048000" cy="1981200"/>
           </a:xfrm>
           <a:prstGeom prst="rect">
             <a:avLst/>
           </a:prstGeom>
-          <a:ln/>
+          <a:ln>
+            <a:headEnd/>
+            <a:tailEnd/>
+          </a:ln>
         </p:spPr>
         <p:style>
           <a:lnRef idx="2">
-            <a:schemeClr val="accent6">
+            <a:schemeClr val="accent1">
               <a:shade val="50000"/>
             </a:schemeClr>
           </a:lnRef>
           <a:fillRef idx="1">
-            <a:schemeClr val="accent6"/>
+            <a:schemeClr val="accent1"/>
           </a:fillRef>
           <a:effectRef idx="0">
-            <a:schemeClr val="accent6"/>
+            <a:schemeClr val="accent1"/>
           </a:effectRef>
           <a:fontRef idx="minor">
             <a:schemeClr val="lt1"/>
           </a:fontRef>
         </p:style>
         <p:txBody>
-          <a:bodyPr lIns="137160" tIns="137160" rIns="137160" bIns="137160" rtlCol="0" anchor="ctr"/>
+          <a:bodyPr wrap="none" rtlCol="0" anchor="ctr"/>
           <a:lstStyle/>
           <a:p>
-            <a:pPr>
-              <a:spcBef>
-                <a:spcPts val="450"/>
-              </a:spcBef>
-            </a:pPr>
-            <a:r>
-              <a:rPr lang="en-US" sz="1500" dirty="0" err="1">
+            <a:pPr algn="ctr"/>
+            <a:r>
+              <a:rPr lang="en-US" sz="2000" dirty="0">
                 <a:solidFill>
-                  <a:schemeClr val="bg1"/>
+                  <a:schemeClr val="tx1"/>
                 </a:solidFill>
+                <a:latin typeface="Tekton Pro" pitchFamily="34" charset="0"/>
               </a:rPr>
-              <a:t>module.directive</a:t>
-            </a:r>
-            <a:endParaRPr lang="en-US" sz="1500" dirty="0">
-              <a:solidFill>
-                <a:schemeClr val="bg1"/>
-              </a:solidFill>
-            </a:endParaRPr>
+              <a:t>Clean and simple API</a:t>
+            </a:r>
           </a:p>
         </p:txBody>
       </p:sp>
@@ -8157,116 +5672,193 @@
           <p:cNvSpPr/>
           <p:nvPr/>
         </p:nvSpPr>
-        <p:spPr>
+        <p:spPr bwMode="auto">
           <a:xfrm>
-            <a:off x="5278584" y="2405497"/>
-            <a:ext cx="2826328" cy="2836718"/>
+            <a:off x="4648200" y="1371600"/>
+            <a:ext cx="3048000" cy="1981200"/>
           </a:xfrm>
           <a:prstGeom prst="rect">
             <a:avLst/>
           </a:prstGeom>
-          <a:ln/>
+          <a:ln>
+            <a:headEnd/>
+            <a:tailEnd/>
+          </a:ln>
         </p:spPr>
         <p:style>
           <a:lnRef idx="2">
-            <a:schemeClr val="accent6">
+            <a:schemeClr val="accent1">
               <a:shade val="50000"/>
             </a:schemeClr>
           </a:lnRef>
           <a:fillRef idx="1">
-            <a:schemeClr val="accent6"/>
+            <a:schemeClr val="accent1"/>
           </a:fillRef>
           <a:effectRef idx="0">
-            <a:schemeClr val="accent6"/>
+            <a:schemeClr val="accent1"/>
           </a:effectRef>
           <a:fontRef idx="minor">
             <a:schemeClr val="lt1"/>
           </a:fontRef>
         </p:style>
         <p:txBody>
-          <a:bodyPr lIns="137160" tIns="137160" rIns="137160" bIns="137160" rtlCol="0" anchor="ctr"/>
+          <a:bodyPr wrap="none" rtlCol="0" anchor="ctr"/>
           <a:lstStyle/>
           <a:p>
-            <a:pPr>
-              <a:spcBef>
-                <a:spcPts val="450"/>
-              </a:spcBef>
-            </a:pPr>
-            <a:r>
-              <a:rPr lang="en-US" sz="1500" dirty="0" err="1">
+            <a:pPr algn="ctr"/>
+            <a:r>
+              <a:rPr lang="en-US" sz="2000" dirty="0">
                 <a:solidFill>
-                  <a:schemeClr val="bg1"/>
+                  <a:schemeClr val="tx1"/>
                 </a:solidFill>
+                <a:latin typeface="Tekton Pro" pitchFamily="34" charset="0"/>
               </a:rPr>
-              <a:t>module.component</a:t>
-            </a:r>
-            <a:endParaRPr lang="en-US" sz="1500" dirty="0">
-              <a:solidFill>
-                <a:schemeClr val="bg1"/>
-              </a:solidFill>
-            </a:endParaRPr>
+              <a:t>Aligned with </a:t>
+            </a:r>
+          </a:p>
+          <a:p>
+            <a:pPr algn="ctr"/>
+            <a:r>
+              <a:rPr lang="en-US" sz="2000" dirty="0">
+                <a:solidFill>
+                  <a:schemeClr val="tx1"/>
+                </a:solidFill>
+                <a:latin typeface="Tekton Pro" pitchFamily="34" charset="0"/>
+              </a:rPr>
+              <a:t>Angular 2</a:t>
+            </a:r>
           </a:p>
         </p:txBody>
       </p:sp>
       <p:sp>
         <p:nvSpPr>
-          <p:cNvPr id="9" name="Right Brace 8"/>
+          <p:cNvPr id="6" name="Rectangle 5"/>
           <p:cNvSpPr/>
           <p:nvPr/>
         </p:nvSpPr>
-        <p:spPr>
+        <p:spPr bwMode="auto">
           <a:xfrm>
-            <a:off x="3969281" y="2763982"/>
-            <a:ext cx="1309302" cy="2197677"/>
+            <a:off x="1219200" y="3733800"/>
+            <a:ext cx="3048000" cy="1981200"/>
           </a:xfrm>
-          <a:prstGeom prst="rightBrace">
-            <a:avLst>
-              <a:gd name="adj1" fmla="val 8333"/>
-              <a:gd name="adj2" fmla="val 49054"/>
-            </a:avLst>
+          <a:prstGeom prst="rect">
+            <a:avLst/>
           </a:prstGeom>
           <a:ln>
-            <a:solidFill>
-              <a:schemeClr val="accent1"/>
-            </a:solidFill>
-            <a:headEnd type="none"/>
-            <a:tailEnd type="none"/>
+            <a:headEnd/>
+            <a:tailEnd/>
           </a:ln>
-          <a:effectLst/>
         </p:spPr>
         <p:style>
           <a:lnRef idx="2">
-            <a:schemeClr val="accent1"/>
+            <a:schemeClr val="accent1">
+              <a:shade val="50000"/>
+            </a:schemeClr>
           </a:lnRef>
-          <a:fillRef idx="0">
+          <a:fillRef idx="1">
             <a:schemeClr val="accent1"/>
           </a:fillRef>
-          <a:effectRef idx="1">
+          <a:effectRef idx="0">
             <a:schemeClr val="accent1"/>
           </a:effectRef>
           <a:fontRef idx="minor">
-            <a:schemeClr val="tx1"/>
+            <a:schemeClr val="lt1"/>
           </a:fontRef>
         </p:style>
         <p:txBody>
-          <a:bodyPr rtlCol="0" anchor="ctr"/>
+          <a:bodyPr wrap="none" rtlCol="0" anchor="ctr"/>
           <a:lstStyle/>
           <a:p>
             <a:pPr algn="ctr"/>
-            <a:endParaRPr lang="en-US" sz="1200"/>
+            <a:r>
+              <a:rPr lang="en-US" sz="2000" dirty="0">
+                <a:solidFill>
+                  <a:schemeClr val="tx1"/>
+                </a:solidFill>
+                <a:latin typeface="Tekton Pro" pitchFamily="34" charset="0"/>
+              </a:rPr>
+              <a:t>Practical defaults</a:t>
+            </a:r>
+          </a:p>
+        </p:txBody>
+      </p:sp>
+      <p:sp>
+        <p:nvSpPr>
+          <p:cNvPr id="7" name="Rectangle 6"/>
+          <p:cNvSpPr/>
+          <p:nvPr/>
+        </p:nvSpPr>
+        <p:spPr bwMode="auto">
+          <a:xfrm>
+            <a:off x="4648200" y="3733800"/>
+            <a:ext cx="3048000" cy="1981200"/>
+          </a:xfrm>
+          <a:prstGeom prst="rect">
+            <a:avLst/>
+          </a:prstGeom>
+          <a:ln>
+            <a:headEnd/>
+            <a:tailEnd/>
+          </a:ln>
+        </p:spPr>
+        <p:style>
+          <a:lnRef idx="2">
+            <a:schemeClr val="accent1">
+              <a:shade val="50000"/>
+            </a:schemeClr>
+          </a:lnRef>
+          <a:fillRef idx="1">
+            <a:schemeClr val="accent1"/>
+          </a:fillRef>
+          <a:effectRef idx="0">
+            <a:schemeClr val="accent1"/>
+          </a:effectRef>
+          <a:fontRef idx="minor">
+            <a:schemeClr val="lt1"/>
+          </a:fontRef>
+        </p:style>
+        <p:txBody>
+          <a:bodyPr wrap="none" rtlCol="0" anchor="ctr"/>
+          <a:lstStyle/>
+          <a:p>
+            <a:pPr algn="ctr"/>
+            <a:r>
+              <a:rPr lang="en-US" sz="2000" dirty="0">
+                <a:solidFill>
+                  <a:schemeClr val="tx1"/>
+                </a:solidFill>
+                <a:latin typeface="Tekton Pro" pitchFamily="34" charset="0"/>
+              </a:rPr>
+              <a:t>Component </a:t>
+            </a:r>
+          </a:p>
+          <a:p>
+            <a:pPr algn="ctr"/>
+            <a:r>
+              <a:rPr lang="en-US" sz="2000" dirty="0">
+                <a:solidFill>
+                  <a:schemeClr val="tx1"/>
+                </a:solidFill>
+                <a:latin typeface="Tekton Pro" pitchFamily="34" charset="0"/>
+              </a:rPr>
+              <a:t>Routing</a:t>
+            </a:r>
           </a:p>
         </p:txBody>
       </p:sp>
     </p:spTree>
     <p:extLst>
       <p:ext uri="{BB962C8B-B14F-4D97-AF65-F5344CB8AC3E}">
-        <p14:creationId xmlns:p14="http://schemas.microsoft.com/office/powerpoint/2010/main" val="880260388"/>
+        <p14:creationId xmlns:p14="http://schemas.microsoft.com/office/powerpoint/2010/main" val="58873007"/>
       </p:ext>
     </p:extLst>
   </p:cSld>
   <p:clrMapOvr>
     <a:masterClrMapping/>
   </p:clrMapOvr>
+  <p:transition>
+    <p:fade/>
+  </p:transition>
   <p:timing>
     <p:tnLst>
       <p:par>
@@ -8301,7 +5893,7 @@
                                           </p:stCondLst>
                                         </p:cTn>
                                         <p:tgtEl>
-                                          <p:spTgt spid="3"/>
+                                          <p:spTgt spid="4"/>
                                         </p:tgtEl>
                                         <p:attrNameLst>
                                           <p:attrName>style.visibility</p:attrName>
@@ -8315,7 +5907,7 @@
                                       <p:cBhvr>
                                         <p:cTn id="7" dur="500"/>
                                         <p:tgtEl>
-                                          <p:spTgt spid="3"/>
+                                          <p:spTgt spid="4"/>
                                         </p:tgtEl>
                                       </p:cBhvr>
                                     </p:animEffect>
@@ -8354,7 +5946,7 @@
                                           </p:stCondLst>
                                         </p:cTn>
                                         <p:tgtEl>
-                                          <p:spTgt spid="4"/>
+                                          <p:spTgt spid="5"/>
                                         </p:tgtEl>
                                         <p:attrNameLst>
                                           <p:attrName>style.visibility</p:attrName>
@@ -8368,7 +5960,7 @@
                                       <p:cBhvr>
                                         <p:cTn id="12" dur="500"/>
                                         <p:tgtEl>
-                                          <p:spTgt spid="4"/>
+                                          <p:spTgt spid="5"/>
                                         </p:tgtEl>
                                       </p:cBhvr>
                                     </p:animEffect>
@@ -8407,7 +5999,7 @@
                                           </p:stCondLst>
                                         </p:cTn>
                                         <p:tgtEl>
-                                          <p:spTgt spid="5"/>
+                                          <p:spTgt spid="6"/>
                                         </p:tgtEl>
                                         <p:attrNameLst>
                                           <p:attrName>style.visibility</p:attrName>
@@ -8421,28 +6013,46 @@
                                       <p:cBhvr>
                                         <p:cTn id="17" dur="500"/>
                                         <p:tgtEl>
-                                          <p:spTgt spid="5"/>
+                                          <p:spTgt spid="6"/>
                                         </p:tgtEl>
                                       </p:cBhvr>
                                     </p:animEffect>
                                   </p:childTnLst>
                                 </p:cTn>
                               </p:par>
+                            </p:childTnLst>
+                          </p:cTn>
+                        </p:par>
+                      </p:childTnLst>
+                    </p:cTn>
+                  </p:par>
+                  <p:par>
+                    <p:cTn id="18" fill="hold">
+                      <p:stCondLst>
+                        <p:cond delay="indefinite"/>
+                      </p:stCondLst>
+                      <p:childTnLst>
+                        <p:par>
+                          <p:cTn id="19" fill="hold">
+                            <p:stCondLst>
+                              <p:cond delay="0"/>
+                            </p:stCondLst>
+                            <p:childTnLst>
                               <p:par>
-                                <p:cTn id="18" presetID="10" presetClass="entr" presetSubtype="0" fill="hold" grpId="0" nodeType="withEffect">
+                                <p:cTn id="20" presetID="10" presetClass="entr" presetSubtype="0" fill="hold" grpId="0" nodeType="clickEffect">
                                   <p:stCondLst>
                                     <p:cond delay="0"/>
                                   </p:stCondLst>
                                   <p:childTnLst>
                                     <p:set>
                                       <p:cBhvr>
-                                        <p:cTn id="19" dur="1" fill="hold">
+                                        <p:cTn id="21" dur="1" fill="hold">
                                           <p:stCondLst>
                                             <p:cond delay="0"/>
                                           </p:stCondLst>
                                         </p:cTn>
                                         <p:tgtEl>
-                                          <p:spTgt spid="9"/>
+                                          <p:spTgt spid="7"/>
                                         </p:tgtEl>
                                         <p:attrNameLst>
                                           <p:attrName>style.visibility</p:attrName>
@@ -8454,9 +6064,9 @@
                                     </p:set>
                                     <p:animEffect transition="in" filter="fade">
                                       <p:cBhvr>
-                                        <p:cTn id="20" dur="500"/>
+                                        <p:cTn id="22" dur="500"/>
                                         <p:tgtEl>
-                                          <p:spTgt spid="9"/>
+                                          <p:spTgt spid="7"/>
                                         </p:tgtEl>
                                       </p:cBhvr>
                                     </p:animEffect>
@@ -8491,10 +6101,10 @@
       </p:par>
     </p:tnLst>
     <p:bldLst>
-      <p:bldP spid="3" grpId="0" animBg="1"/>
       <p:bldP spid="4" grpId="0" animBg="1"/>
       <p:bldP spid="5" grpId="0" animBg="1"/>
-      <p:bldP spid="9" grpId="0" animBg="1"/>
+      <p:bldP spid="6" grpId="0" animBg="1"/>
+      <p:bldP spid="7" grpId="0" animBg="1"/>
     </p:bldLst>
   </p:timing>
 </p:sld>
@@ -8534,7 +6144,7 @@
           <a:p>
             <a:r>
               <a:rPr lang="en-US" dirty="0"/>
-              <a:t>Component Controllers</a:t>
+              <a:t>The Essence of Components</a:t>
             </a:r>
           </a:p>
         </p:txBody>
@@ -8567,7 +6177,7 @@
         </p:blipFill>
         <p:spPr>
           <a:xfrm>
-            <a:off x="529889" y="2352261"/>
+            <a:off x="2514600" y="3200400"/>
             <a:ext cx="4510070" cy="2391188"/>
           </a:xfrm>
           <a:prstGeom prst="rect">
@@ -8585,6 +6195,237 @@
           </a:effectLst>
         </p:spPr>
       </p:pic>
+      <p:sp>
+        <p:nvSpPr>
+          <p:cNvPr id="5" name="Text Placeholder 2"/>
+          <p:cNvSpPr txBox="1">
+            <a:spLocks/>
+          </p:cNvSpPr>
+          <p:nvPr/>
+        </p:nvSpPr>
+        <p:spPr>
+          <a:xfrm>
+            <a:off x="457200" y="1447800"/>
+            <a:ext cx="8229600" cy="4495800"/>
+          </a:xfrm>
+          <a:prstGeom prst="rect">
+            <a:avLst/>
+          </a:prstGeom>
+        </p:spPr>
+        <p:txBody>
+          <a:bodyPr/>
+          <a:lstStyle>
+            <a:lvl1pPr marL="342900" indent="-342900" algn="l" defTabSz="-13873163" rtl="0" eaLnBrk="1" fontAlgn="base" hangingPunct="1">
+              <a:spcBef>
+                <a:spcPct val="20000"/>
+              </a:spcBef>
+              <a:spcAft>
+                <a:spcPct val="0"/>
+              </a:spcAft>
+              <a:buFont typeface="Wingdings" pitchFamily="2" charset="2"/>
+              <a:buChar char="§"/>
+              <a:defRPr sz="2000" b="1">
+                <a:solidFill>
+                  <a:schemeClr val="tx1"/>
+                </a:solidFill>
+                <a:latin typeface="Myriad Pro Light" pitchFamily="34" charset="0"/>
+                <a:ea typeface="+mn-ea"/>
+                <a:cs typeface="Segoe UI" pitchFamily="34" charset="0"/>
+              </a:defRPr>
+            </a:lvl1pPr>
+            <a:lvl2pPr marL="742950" indent="-285750" algn="l" defTabSz="-13873163" rtl="0" eaLnBrk="1" fontAlgn="base" hangingPunct="1">
+              <a:spcBef>
+                <a:spcPct val="20000"/>
+              </a:spcBef>
+              <a:spcAft>
+                <a:spcPct val="0"/>
+              </a:spcAft>
+              <a:buSzPct val="50000"/>
+              <a:buFont typeface="Wingdings" pitchFamily="2" charset="2"/>
+              <a:buChar char="o"/>
+              <a:defRPr>
+                <a:solidFill>
+                  <a:schemeClr val="tx1"/>
+                </a:solidFill>
+                <a:latin typeface="Myriad Pro" pitchFamily="34" charset="0"/>
+                <a:cs typeface="Segoe UI" pitchFamily="34" charset="0"/>
+              </a:defRPr>
+            </a:lvl2pPr>
+            <a:lvl3pPr marL="1143000" indent="-228600" algn="l" defTabSz="-13873163" rtl="0" eaLnBrk="1" fontAlgn="base" hangingPunct="1">
+              <a:spcBef>
+                <a:spcPct val="20000"/>
+              </a:spcBef>
+              <a:spcAft>
+                <a:spcPct val="0"/>
+              </a:spcAft>
+              <a:buSzPct val="50000"/>
+              <a:buFont typeface="Wingdings" pitchFamily="2" charset="2"/>
+              <a:buChar char="o"/>
+              <a:defRPr sz="1600">
+                <a:solidFill>
+                  <a:schemeClr val="tx1"/>
+                </a:solidFill>
+                <a:latin typeface="Myriad Pro" pitchFamily="34" charset="0"/>
+                <a:cs typeface="Segoe UI" pitchFamily="34" charset="0"/>
+              </a:defRPr>
+            </a:lvl3pPr>
+            <a:lvl4pPr marL="1600200" indent="-228600" algn="l" defTabSz="-13873163" rtl="0" eaLnBrk="1" fontAlgn="base" hangingPunct="1">
+              <a:spcBef>
+                <a:spcPct val="20000"/>
+              </a:spcBef>
+              <a:spcAft>
+                <a:spcPct val="0"/>
+              </a:spcAft>
+              <a:buSzPct val="50000"/>
+              <a:buFont typeface="Wingdings" pitchFamily="2" charset="2"/>
+              <a:buChar char="o"/>
+              <a:defRPr sz="1400">
+                <a:solidFill>
+                  <a:schemeClr val="tx1"/>
+                </a:solidFill>
+                <a:latin typeface="Myriad Pro" pitchFamily="34" charset="0"/>
+                <a:cs typeface="Segoe UI" pitchFamily="34" charset="0"/>
+              </a:defRPr>
+            </a:lvl4pPr>
+            <a:lvl5pPr marL="2057400" indent="-228600" algn="l" defTabSz="-13873163" rtl="0" eaLnBrk="1" fontAlgn="base" hangingPunct="1">
+              <a:spcBef>
+                <a:spcPct val="20000"/>
+              </a:spcBef>
+              <a:spcAft>
+                <a:spcPct val="0"/>
+              </a:spcAft>
+              <a:buSzPct val="50000"/>
+              <a:buFont typeface="Wingdings" pitchFamily="2" charset="2"/>
+              <a:buChar char="o"/>
+              <a:defRPr sz="1200">
+                <a:solidFill>
+                  <a:schemeClr val="tx1"/>
+                </a:solidFill>
+                <a:latin typeface="Myriad Pro" pitchFamily="34" charset="0"/>
+                <a:cs typeface="Segoe UI" pitchFamily="34" charset="0"/>
+              </a:defRPr>
+            </a:lvl5pPr>
+            <a:lvl6pPr marL="2514600" indent="-228600" algn="l" eaLnBrk="1" fontAlgn="base" hangingPunct="1">
+              <a:spcBef>
+                <a:spcPct val="20000"/>
+              </a:spcBef>
+              <a:spcAft>
+                <a:spcPct val="0"/>
+              </a:spcAft>
+              <a:buClr>
+                <a:schemeClr val="accent1">
+                  <a:alpha val="100000"/>
+                </a:schemeClr>
+              </a:buClr>
+              <a:buFont typeface="Wingdings"/>
+              <a:buChar char=""/>
+              <a:defRPr sz="1400" b="1">
+                <a:solidFill>
+                  <a:schemeClr val="tx1">
+                    <a:alpha val="100000"/>
+                  </a:schemeClr>
+                </a:solidFill>
+                <a:latin typeface="+mn-lt"/>
+              </a:defRPr>
+            </a:lvl6pPr>
+            <a:lvl7pPr marL="2971800" indent="-228600" algn="l" eaLnBrk="1" fontAlgn="base" hangingPunct="1">
+              <a:spcBef>
+                <a:spcPct val="20000"/>
+              </a:spcBef>
+              <a:spcAft>
+                <a:spcPct val="0"/>
+              </a:spcAft>
+              <a:buClr>
+                <a:schemeClr val="accent1">
+                  <a:alpha val="100000"/>
+                </a:schemeClr>
+              </a:buClr>
+              <a:buFont typeface="Wingdings"/>
+              <a:buChar char=""/>
+              <a:defRPr sz="1400" b="1">
+                <a:solidFill>
+                  <a:schemeClr val="tx1">
+                    <a:alpha val="100000"/>
+                  </a:schemeClr>
+                </a:solidFill>
+                <a:latin typeface="+mn-lt"/>
+              </a:defRPr>
+            </a:lvl7pPr>
+            <a:lvl8pPr marL="3429000" indent="-228600" algn="l" eaLnBrk="1" fontAlgn="base" hangingPunct="1">
+              <a:spcBef>
+                <a:spcPct val="20000"/>
+              </a:spcBef>
+              <a:spcAft>
+                <a:spcPct val="0"/>
+              </a:spcAft>
+              <a:buClr>
+                <a:schemeClr val="accent1">
+                  <a:alpha val="100000"/>
+                </a:schemeClr>
+              </a:buClr>
+              <a:buFont typeface="Wingdings"/>
+              <a:buChar char=""/>
+              <a:defRPr sz="1400" b="1">
+                <a:solidFill>
+                  <a:schemeClr val="tx1">
+                    <a:alpha val="100000"/>
+                  </a:schemeClr>
+                </a:solidFill>
+                <a:latin typeface="+mn-lt"/>
+              </a:defRPr>
+            </a:lvl8pPr>
+            <a:lvl9pPr marL="3886200" indent="-228600" algn="l" eaLnBrk="1" fontAlgn="base" hangingPunct="1">
+              <a:spcBef>
+                <a:spcPct val="20000"/>
+              </a:spcBef>
+              <a:spcAft>
+                <a:spcPct val="0"/>
+              </a:spcAft>
+              <a:buClr>
+                <a:schemeClr val="accent1">
+                  <a:alpha val="100000"/>
+                </a:schemeClr>
+              </a:buClr>
+              <a:buFont typeface="Wingdings"/>
+              <a:buChar char=""/>
+              <a:defRPr sz="1400" b="1">
+                <a:solidFill>
+                  <a:schemeClr val="tx1">
+                    <a:alpha val="100000"/>
+                  </a:schemeClr>
+                </a:solidFill>
+                <a:latin typeface="+mn-lt"/>
+              </a:defRPr>
+            </a:lvl9pPr>
+          </a:lstStyle>
+          <a:p>
+            <a:r>
+              <a:rPr lang="en-US" kern="0" dirty="0"/>
+              <a:t>Creates a custom element</a:t>
+            </a:r>
+          </a:p>
+          <a:p>
+            <a:r>
+              <a:rPr lang="en-US" sz="1800" kern="0" dirty="0"/>
+              <a:t>Consists of template and controller</a:t>
+            </a:r>
+          </a:p>
+          <a:p>
+            <a:r>
+              <a:rPr lang="en-US" sz="1800" kern="0" dirty="0"/>
+              <a:t>Uses </a:t>
+            </a:r>
+            <a:r>
+              <a:rPr lang="en-US" sz="1800" kern="0" dirty="0" err="1"/>
+              <a:t>controllerAs</a:t>
+            </a:r>
+            <a:r>
+              <a:rPr lang="en-US" sz="1800" kern="0" dirty="0"/>
+              <a:t> and isolated scope</a:t>
+            </a:r>
+          </a:p>
+        </p:txBody>
+      </p:sp>
     </p:spTree>
     <p:extLst>
       <p:ext uri="{BB962C8B-B14F-4D97-AF65-F5344CB8AC3E}">
@@ -8632,335 +6473,829 @@
           <a:p>
             <a:r>
               <a:rPr lang="en-US" dirty="0"/>
-              <a:t>Components and Directives</a:t>
+              <a:t>Routing</a:t>
             </a:r>
           </a:p>
         </p:txBody>
       </p:sp>
       <p:sp>
         <p:nvSpPr>
-          <p:cNvPr id="11" name="Rectangle 10"/>
-          <p:cNvSpPr/>
+          <p:cNvPr id="5" name="Text Placeholder 2"/>
+          <p:cNvSpPr txBox="1">
+            <a:spLocks/>
+          </p:cNvSpPr>
           <p:nvPr/>
         </p:nvSpPr>
         <p:spPr>
           <a:xfrm>
-            <a:off x="529889" y="2082474"/>
-            <a:ext cx="4797485" cy="1922318"/>
+            <a:off x="457200" y="1447800"/>
+            <a:ext cx="8229600" cy="4495800"/>
           </a:xfrm>
           <a:prstGeom prst="rect">
             <a:avLst/>
           </a:prstGeom>
-          <a:ln/>
         </p:spPr>
+        <p:txBody>
+          <a:bodyPr/>
+          <a:lstStyle>
+            <a:lvl1pPr marL="342900" indent="-342900" algn="l" defTabSz="-13873163" rtl="0" eaLnBrk="1" fontAlgn="base" hangingPunct="1">
+              <a:spcBef>
+                <a:spcPct val="20000"/>
+              </a:spcBef>
+              <a:spcAft>
+                <a:spcPct val="0"/>
+              </a:spcAft>
+              <a:buFont typeface="Wingdings" pitchFamily="2" charset="2"/>
+              <a:buChar char="§"/>
+              <a:defRPr sz="2000" b="1">
+                <a:solidFill>
+                  <a:schemeClr val="tx1"/>
+                </a:solidFill>
+                <a:latin typeface="Myriad Pro Light" pitchFamily="34" charset="0"/>
+                <a:ea typeface="+mn-ea"/>
+                <a:cs typeface="Segoe UI" pitchFamily="34" charset="0"/>
+              </a:defRPr>
+            </a:lvl1pPr>
+            <a:lvl2pPr marL="742950" indent="-285750" algn="l" defTabSz="-13873163" rtl="0" eaLnBrk="1" fontAlgn="base" hangingPunct="1">
+              <a:spcBef>
+                <a:spcPct val="20000"/>
+              </a:spcBef>
+              <a:spcAft>
+                <a:spcPct val="0"/>
+              </a:spcAft>
+              <a:buSzPct val="50000"/>
+              <a:buFont typeface="Wingdings" pitchFamily="2" charset="2"/>
+              <a:buChar char="o"/>
+              <a:defRPr>
+                <a:solidFill>
+                  <a:schemeClr val="tx1"/>
+                </a:solidFill>
+                <a:latin typeface="Myriad Pro" pitchFamily="34" charset="0"/>
+                <a:cs typeface="Segoe UI" pitchFamily="34" charset="0"/>
+              </a:defRPr>
+            </a:lvl2pPr>
+            <a:lvl3pPr marL="1143000" indent="-228600" algn="l" defTabSz="-13873163" rtl="0" eaLnBrk="1" fontAlgn="base" hangingPunct="1">
+              <a:spcBef>
+                <a:spcPct val="20000"/>
+              </a:spcBef>
+              <a:spcAft>
+                <a:spcPct val="0"/>
+              </a:spcAft>
+              <a:buSzPct val="50000"/>
+              <a:buFont typeface="Wingdings" pitchFamily="2" charset="2"/>
+              <a:buChar char="o"/>
+              <a:defRPr sz="1600">
+                <a:solidFill>
+                  <a:schemeClr val="tx1"/>
+                </a:solidFill>
+                <a:latin typeface="Myriad Pro" pitchFamily="34" charset="0"/>
+                <a:cs typeface="Segoe UI" pitchFamily="34" charset="0"/>
+              </a:defRPr>
+            </a:lvl3pPr>
+            <a:lvl4pPr marL="1600200" indent="-228600" algn="l" defTabSz="-13873163" rtl="0" eaLnBrk="1" fontAlgn="base" hangingPunct="1">
+              <a:spcBef>
+                <a:spcPct val="20000"/>
+              </a:spcBef>
+              <a:spcAft>
+                <a:spcPct val="0"/>
+              </a:spcAft>
+              <a:buSzPct val="50000"/>
+              <a:buFont typeface="Wingdings" pitchFamily="2" charset="2"/>
+              <a:buChar char="o"/>
+              <a:defRPr sz="1400">
+                <a:solidFill>
+                  <a:schemeClr val="tx1"/>
+                </a:solidFill>
+                <a:latin typeface="Myriad Pro" pitchFamily="34" charset="0"/>
+                <a:cs typeface="Segoe UI" pitchFamily="34" charset="0"/>
+              </a:defRPr>
+            </a:lvl4pPr>
+            <a:lvl5pPr marL="2057400" indent="-228600" algn="l" defTabSz="-13873163" rtl="0" eaLnBrk="1" fontAlgn="base" hangingPunct="1">
+              <a:spcBef>
+                <a:spcPct val="20000"/>
+              </a:spcBef>
+              <a:spcAft>
+                <a:spcPct val="0"/>
+              </a:spcAft>
+              <a:buSzPct val="50000"/>
+              <a:buFont typeface="Wingdings" pitchFamily="2" charset="2"/>
+              <a:buChar char="o"/>
+              <a:defRPr sz="1200">
+                <a:solidFill>
+                  <a:schemeClr val="tx1"/>
+                </a:solidFill>
+                <a:latin typeface="Myriad Pro" pitchFamily="34" charset="0"/>
+                <a:cs typeface="Segoe UI" pitchFamily="34" charset="0"/>
+              </a:defRPr>
+            </a:lvl5pPr>
+            <a:lvl6pPr marL="2514600" indent="-228600" algn="l" eaLnBrk="1" fontAlgn="base" hangingPunct="1">
+              <a:spcBef>
+                <a:spcPct val="20000"/>
+              </a:spcBef>
+              <a:spcAft>
+                <a:spcPct val="0"/>
+              </a:spcAft>
+              <a:buClr>
+                <a:schemeClr val="accent1">
+                  <a:alpha val="100000"/>
+                </a:schemeClr>
+              </a:buClr>
+              <a:buFont typeface="Wingdings"/>
+              <a:buChar char=""/>
+              <a:defRPr sz="1400" b="1">
+                <a:solidFill>
+                  <a:schemeClr val="tx1">
+                    <a:alpha val="100000"/>
+                  </a:schemeClr>
+                </a:solidFill>
+                <a:latin typeface="+mn-lt"/>
+              </a:defRPr>
+            </a:lvl6pPr>
+            <a:lvl7pPr marL="2971800" indent="-228600" algn="l" eaLnBrk="1" fontAlgn="base" hangingPunct="1">
+              <a:spcBef>
+                <a:spcPct val="20000"/>
+              </a:spcBef>
+              <a:spcAft>
+                <a:spcPct val="0"/>
+              </a:spcAft>
+              <a:buClr>
+                <a:schemeClr val="accent1">
+                  <a:alpha val="100000"/>
+                </a:schemeClr>
+              </a:buClr>
+              <a:buFont typeface="Wingdings"/>
+              <a:buChar char=""/>
+              <a:defRPr sz="1400" b="1">
+                <a:solidFill>
+                  <a:schemeClr val="tx1">
+                    <a:alpha val="100000"/>
+                  </a:schemeClr>
+                </a:solidFill>
+                <a:latin typeface="+mn-lt"/>
+              </a:defRPr>
+            </a:lvl7pPr>
+            <a:lvl8pPr marL="3429000" indent="-228600" algn="l" eaLnBrk="1" fontAlgn="base" hangingPunct="1">
+              <a:spcBef>
+                <a:spcPct val="20000"/>
+              </a:spcBef>
+              <a:spcAft>
+                <a:spcPct val="0"/>
+              </a:spcAft>
+              <a:buClr>
+                <a:schemeClr val="accent1">
+                  <a:alpha val="100000"/>
+                </a:schemeClr>
+              </a:buClr>
+              <a:buFont typeface="Wingdings"/>
+              <a:buChar char=""/>
+              <a:defRPr sz="1400" b="1">
+                <a:solidFill>
+                  <a:schemeClr val="tx1">
+                    <a:alpha val="100000"/>
+                  </a:schemeClr>
+                </a:solidFill>
+                <a:latin typeface="+mn-lt"/>
+              </a:defRPr>
+            </a:lvl8pPr>
+            <a:lvl9pPr marL="3886200" indent="-228600" algn="l" eaLnBrk="1" fontAlgn="base" hangingPunct="1">
+              <a:spcBef>
+                <a:spcPct val="20000"/>
+              </a:spcBef>
+              <a:spcAft>
+                <a:spcPct val="0"/>
+              </a:spcAft>
+              <a:buClr>
+                <a:schemeClr val="accent1">
+                  <a:alpha val="100000"/>
+                </a:schemeClr>
+              </a:buClr>
+              <a:buFont typeface="Wingdings"/>
+              <a:buChar char=""/>
+              <a:defRPr sz="1400" b="1">
+                <a:solidFill>
+                  <a:schemeClr val="tx1">
+                    <a:alpha val="100000"/>
+                  </a:schemeClr>
+                </a:solidFill>
+                <a:latin typeface="+mn-lt"/>
+              </a:defRPr>
+            </a:lvl9pPr>
+          </a:lstStyle>
+          <a:p>
+            <a:r>
+              <a:rPr lang="en-US" kern="0" dirty="0"/>
+              <a:t>Swap templates in and out of the DOM</a:t>
+            </a:r>
+          </a:p>
+          <a:p>
+            <a:r>
+              <a:rPr lang="en-US" sz="1800" kern="0" dirty="0"/>
+              <a:t>Features map to URLs</a:t>
+            </a:r>
+          </a:p>
+        </p:txBody>
+      </p:sp>
+      <p:pic>
+        <p:nvPicPr>
+          <p:cNvPr id="4" name="Picture 3"/>
+          <p:cNvPicPr>
+            <a:picLocks noChangeAspect="1"/>
+          </p:cNvPicPr>
+          <p:nvPr/>
+        </p:nvPicPr>
+        <p:blipFill>
+          <a:blip r:embed="rId2">
+            <a:extLst>
+              <a:ext uri="{BEBA8EAE-BF5A-486C-A8C5-ECC9F3942E4B}">
+                <a14:imgProps xmlns:a14="http://schemas.microsoft.com/office/drawing/2010/main">
+                  <a14:imgLayer r:embed="rId3">
+                    <a14:imgEffect>
+                      <a14:colorTemperature colorTemp="11200"/>
+                    </a14:imgEffect>
+                  </a14:imgLayer>
+                </a14:imgProps>
+              </a:ext>
+            </a:extLst>
+          </a:blip>
+          <a:stretch>
+            <a:fillRect/>
+          </a:stretch>
+        </p:blipFill>
+        <p:spPr>
+          <a:xfrm>
+            <a:off x="449664" y="2971800"/>
+            <a:ext cx="8386730" cy="2558980"/>
+          </a:xfrm>
+          <a:prstGeom prst="rect">
+            <a:avLst/>
+          </a:prstGeom>
+          <a:ln>
+            <a:noFill/>
+          </a:ln>
+          <a:effectLst>
+            <a:outerShdw blurRad="292100" dist="139700" dir="2700000" algn="tl" rotWithShape="0">
+              <a:srgbClr val="333333">
+                <a:alpha val="65000"/>
+              </a:srgbClr>
+            </a:outerShdw>
+          </a:effectLst>
+        </p:spPr>
+      </p:pic>
+    </p:spTree>
+    <p:extLst>
+      <p:ext uri="{BB962C8B-B14F-4D97-AF65-F5344CB8AC3E}">
+        <p14:creationId xmlns:p14="http://schemas.microsoft.com/office/powerpoint/2010/main" val="1439327898"/>
+      </p:ext>
+    </p:extLst>
+  </p:cSld>
+  <p:clrMapOvr>
+    <a:masterClrMapping/>
+  </p:clrMapOvr>
+</p:sld>
+</file>
+
+<file path=ppt/slides/slide6.xml><?xml version="1.0" encoding="utf-8"?>
+<p:sld xmlns:a="http://schemas.openxmlformats.org/drawingml/2006/main" xmlns:r="http://schemas.openxmlformats.org/officeDocument/2006/relationships" xmlns:p="http://schemas.openxmlformats.org/presentationml/2006/main">
+  <p:cSld>
+    <p:spTree>
+      <p:nvGrpSpPr>
+        <p:cNvPr id="1" name=""/>
+        <p:cNvGrpSpPr/>
+        <p:nvPr/>
+      </p:nvGrpSpPr>
+      <p:grpSpPr>
+        <a:xfrm>
+          <a:off x="0" y="0"/>
+          <a:ext cx="0" cy="0"/>
+          <a:chOff x="0" y="0"/>
+          <a:chExt cx="0" cy="0"/>
+        </a:xfrm>
+      </p:grpSpPr>
+      <p:sp>
+        <p:nvSpPr>
+          <p:cNvPr id="2" name="Title 1"/>
+          <p:cNvSpPr>
+            <a:spLocks noGrp="1"/>
+          </p:cNvSpPr>
+          <p:nvPr>
+            <p:ph type="title"/>
+          </p:nvPr>
+        </p:nvSpPr>
+        <p:spPr/>
+        <p:txBody>
+          <a:bodyPr/>
+          <a:lstStyle/>
+          <a:p>
+            <a:r>
+              <a:rPr lang="en-US" dirty="0"/>
+              <a:t>Component Lifecycle</a:t>
+            </a:r>
+          </a:p>
+        </p:txBody>
+      </p:sp>
+      <p:graphicFrame>
+        <p:nvGraphicFramePr>
+          <p:cNvPr id="3" name="Table 2"/>
+          <p:cNvGraphicFramePr>
+            <a:graphicFrameLocks noGrp="1"/>
+          </p:cNvGraphicFramePr>
+          <p:nvPr>
+            <p:extLst>
+              <p:ext uri="{D42A27DB-BD31-4B8C-83A1-F6EECF244321}">
+                <p14:modId xmlns:p14="http://schemas.microsoft.com/office/powerpoint/2010/main" val="676125382"/>
+              </p:ext>
+            </p:extLst>
+          </p:nvPr>
+        </p:nvGraphicFramePr>
+        <p:xfrm>
+          <a:off x="1295400" y="1447800"/>
+          <a:ext cx="6858000" cy="3956598"/>
+        </p:xfrm>
+        <a:graphic>
+          <a:graphicData uri="http://schemas.openxmlformats.org/drawingml/2006/table">
+            <a:tbl>
+              <a:tblPr firstRow="1" bandRow="1">
+                <a:tableStyleId>{5C22544A-7EE6-4342-B048-85BDC9FD1C3A}</a:tableStyleId>
+              </a:tblPr>
+              <a:tblGrid>
+                <a:gridCol w="2228850">
+                  <a:extLst>
+                    <a:ext uri="{9D8B030D-6E8A-4147-A177-3AD203B41FA5}">
+                      <a16:colId xmlns:a16="http://schemas.microsoft.com/office/drawing/2014/main" val="840778844"/>
+                    </a:ext>
+                  </a:extLst>
+                </a:gridCol>
+                <a:gridCol w="4629150">
+                  <a:extLst>
+                    <a:ext uri="{9D8B030D-6E8A-4147-A177-3AD203B41FA5}">
+                      <a16:colId xmlns:a16="http://schemas.microsoft.com/office/drawing/2014/main" val="1312473441"/>
+                    </a:ext>
+                  </a:extLst>
+                </a:gridCol>
+              </a:tblGrid>
+              <a:tr h="574763">
+                <a:tc>
+                  <a:txBody>
+                    <a:bodyPr/>
+                    <a:lstStyle/>
+                    <a:p>
+                      <a:r>
+                        <a:rPr lang="en-US" sz="2400" dirty="0"/>
+                        <a:t>Event</a:t>
+                      </a:r>
+                    </a:p>
+                  </a:txBody>
+                  <a:tcPr/>
+                </a:tc>
+                <a:tc>
+                  <a:txBody>
+                    <a:bodyPr/>
+                    <a:lstStyle/>
+                    <a:p>
+                      <a:r>
+                        <a:rPr lang="en-US" sz="2400" dirty="0"/>
+                        <a:t>Description</a:t>
+                      </a:r>
+                    </a:p>
+                  </a:txBody>
+                  <a:tcPr/>
+                </a:tc>
+                <a:extLst>
+                  <a:ext uri="{0D108BD9-81ED-4DB2-BD59-A6C34878D82A}">
+                    <a16:rowId xmlns:a16="http://schemas.microsoft.com/office/drawing/2014/main" val="445457489"/>
+                  </a:ext>
+                </a:extLst>
+              </a:tr>
+              <a:tr h="992056">
+                <a:tc>
+                  <a:txBody>
+                    <a:bodyPr/>
+                    <a:lstStyle/>
+                    <a:p>
+                      <a:r>
+                        <a:rPr lang="en-US" sz="2400" dirty="0"/>
+                        <a:t>$</a:t>
+                      </a:r>
+                      <a:r>
+                        <a:rPr lang="en-US" sz="2400" dirty="0" err="1"/>
+                        <a:t>onInit</a:t>
+                      </a:r>
+                      <a:endParaRPr lang="en-US" sz="2400" dirty="0"/>
+                    </a:p>
+                  </a:txBody>
+                  <a:tcPr/>
+                </a:tc>
+                <a:tc>
+                  <a:txBody>
+                    <a:bodyPr/>
+                    <a:lstStyle/>
+                    <a:p>
+                      <a:r>
+                        <a:rPr lang="en-US" sz="2400" dirty="0"/>
+                        <a:t>After construction and bindings initialized</a:t>
+                      </a:r>
+                    </a:p>
+                  </a:txBody>
+                  <a:tcPr/>
+                </a:tc>
+                <a:extLst>
+                  <a:ext uri="{0D108BD9-81ED-4DB2-BD59-A6C34878D82A}">
+                    <a16:rowId xmlns:a16="http://schemas.microsoft.com/office/drawing/2014/main" val="1860846376"/>
+                  </a:ext>
+                </a:extLst>
+              </a:tr>
+              <a:tr h="574763">
+                <a:tc>
+                  <a:txBody>
+                    <a:bodyPr/>
+                    <a:lstStyle/>
+                    <a:p>
+                      <a:r>
+                        <a:rPr lang="en-US" sz="2400" dirty="0"/>
+                        <a:t>$</a:t>
+                      </a:r>
+                      <a:r>
+                        <a:rPr lang="en-US" sz="2400" dirty="0" err="1"/>
+                        <a:t>onChanges</a:t>
+                      </a:r>
+                      <a:endParaRPr lang="en-US" sz="2400" dirty="0"/>
+                    </a:p>
+                  </a:txBody>
+                  <a:tcPr/>
+                </a:tc>
+                <a:tc>
+                  <a:txBody>
+                    <a:bodyPr/>
+                    <a:lstStyle/>
+                    <a:p>
+                      <a:r>
+                        <a:rPr lang="en-US" sz="2400" dirty="0"/>
+                        <a:t>Called when bindings are updated</a:t>
+                      </a:r>
+                    </a:p>
+                  </a:txBody>
+                  <a:tcPr/>
+                </a:tc>
+                <a:extLst>
+                  <a:ext uri="{0D108BD9-81ED-4DB2-BD59-A6C34878D82A}">
+                    <a16:rowId xmlns:a16="http://schemas.microsoft.com/office/drawing/2014/main" val="1754046975"/>
+                  </a:ext>
+                </a:extLst>
+              </a:tr>
+              <a:tr h="992056">
+                <a:tc>
+                  <a:txBody>
+                    <a:bodyPr/>
+                    <a:lstStyle/>
+                    <a:p>
+                      <a:r>
+                        <a:rPr lang="en-US" sz="2400" dirty="0"/>
+                        <a:t>$</a:t>
+                      </a:r>
+                      <a:r>
+                        <a:rPr lang="en-US" sz="2400" dirty="0" err="1"/>
+                        <a:t>onDestroy</a:t>
+                      </a:r>
+                      <a:endParaRPr lang="en-US" sz="2400" dirty="0"/>
+                    </a:p>
+                  </a:txBody>
+                  <a:tcPr/>
+                </a:tc>
+                <a:tc>
+                  <a:txBody>
+                    <a:bodyPr/>
+                    <a:lstStyle/>
+                    <a:p>
+                      <a:r>
+                        <a:rPr lang="en-US" sz="2400" dirty="0"/>
+                        <a:t>Called</a:t>
+                      </a:r>
+                      <a:r>
+                        <a:rPr lang="en-US" sz="2400" baseline="0" dirty="0"/>
+                        <a:t> when associated $scope destroyed</a:t>
+                      </a:r>
+                      <a:endParaRPr lang="en-US" sz="2400" dirty="0"/>
+                    </a:p>
+                  </a:txBody>
+                  <a:tcPr/>
+                </a:tc>
+                <a:extLst>
+                  <a:ext uri="{0D108BD9-81ED-4DB2-BD59-A6C34878D82A}">
+                    <a16:rowId xmlns:a16="http://schemas.microsoft.com/office/drawing/2014/main" val="2010874406"/>
+                  </a:ext>
+                </a:extLst>
+              </a:tr>
+              <a:tr h="574763">
+                <a:tc>
+                  <a:txBody>
+                    <a:bodyPr/>
+                    <a:lstStyle/>
+                    <a:p>
+                      <a:r>
+                        <a:rPr lang="en-US" sz="2400" dirty="0"/>
+                        <a:t>$</a:t>
+                      </a:r>
+                      <a:r>
+                        <a:rPr lang="en-US" sz="2400" dirty="0" err="1"/>
+                        <a:t>postLink</a:t>
+                      </a:r>
+                      <a:endParaRPr lang="en-US" sz="2400" dirty="0"/>
+                    </a:p>
+                  </a:txBody>
+                  <a:tcPr/>
+                </a:tc>
+                <a:tc>
+                  <a:txBody>
+                    <a:bodyPr/>
+                    <a:lstStyle/>
+                    <a:p>
+                      <a:r>
+                        <a:rPr lang="en-US" sz="2400" dirty="0"/>
+                        <a:t>Similar to directive</a:t>
+                      </a:r>
+                      <a:r>
+                        <a:rPr lang="en-US" sz="2400" baseline="0" dirty="0"/>
+                        <a:t> link function</a:t>
+                      </a:r>
+                      <a:endParaRPr lang="en-US" sz="2400" dirty="0"/>
+                    </a:p>
+                  </a:txBody>
+                  <a:tcPr/>
+                </a:tc>
+                <a:extLst>
+                  <a:ext uri="{0D108BD9-81ED-4DB2-BD59-A6C34878D82A}">
+                    <a16:rowId xmlns:a16="http://schemas.microsoft.com/office/drawing/2014/main" val="2845257905"/>
+                  </a:ext>
+                </a:extLst>
+              </a:tr>
+            </a:tbl>
+          </a:graphicData>
+        </a:graphic>
+      </p:graphicFrame>
+    </p:spTree>
+    <p:extLst>
+      <p:ext uri="{BB962C8B-B14F-4D97-AF65-F5344CB8AC3E}">
+        <p14:creationId xmlns:p14="http://schemas.microsoft.com/office/powerpoint/2010/main" val="1823786684"/>
+      </p:ext>
+    </p:extLst>
+  </p:cSld>
+  <p:clrMapOvr>
+    <a:masterClrMapping/>
+  </p:clrMapOvr>
+</p:sld>
+</file>
+
+<file path=ppt/slides/slide7.xml><?xml version="1.0" encoding="utf-8"?>
+<p:sld xmlns:a="http://schemas.openxmlformats.org/drawingml/2006/main" xmlns:r="http://schemas.openxmlformats.org/officeDocument/2006/relationships" xmlns:p="http://schemas.openxmlformats.org/presentationml/2006/main">
+  <p:cSld>
+    <p:spTree>
+      <p:nvGrpSpPr>
+        <p:cNvPr id="1" name=""/>
+        <p:cNvGrpSpPr/>
+        <p:nvPr/>
+      </p:nvGrpSpPr>
+      <p:grpSpPr>
+        <a:xfrm>
+          <a:off x="0" y="0"/>
+          <a:ext cx="0" cy="0"/>
+          <a:chOff x="0" y="0"/>
+          <a:chExt cx="0" cy="0"/>
+        </a:xfrm>
+      </p:grpSpPr>
+      <p:sp>
+        <p:nvSpPr>
+          <p:cNvPr id="2" name="Content Placeholder 1"/>
+          <p:cNvSpPr>
+            <a:spLocks noGrp="1"/>
+          </p:cNvSpPr>
+          <p:nvPr>
+            <p:ph sz="quarter" idx="17"/>
+          </p:nvPr>
+        </p:nvSpPr>
+        <p:spPr/>
         <p:style>
           <a:lnRef idx="2">
-            <a:schemeClr val="accent6">
+            <a:schemeClr val="accent5">
               <a:shade val="50000"/>
             </a:schemeClr>
           </a:lnRef>
           <a:fillRef idx="1">
-            <a:schemeClr val="accent6"/>
+            <a:schemeClr val="accent5"/>
           </a:fillRef>
           <a:effectRef idx="0">
-            <a:schemeClr val="accent6"/>
+            <a:schemeClr val="accent5"/>
           </a:effectRef>
           <a:fontRef idx="minor">
             <a:schemeClr val="lt1"/>
           </a:fontRef>
         </p:style>
         <p:txBody>
-          <a:bodyPr lIns="137160" tIns="137160" rIns="137160" bIns="137160" rtlCol="0" anchor="ctr"/>
+          <a:bodyPr/>
           <a:lstStyle/>
           <a:p>
-            <a:pPr>
-              <a:spcBef>
-                <a:spcPts val="450"/>
-              </a:spcBef>
-            </a:pPr>
-            <a:r>
-              <a:rPr lang="en-US" sz="1500" dirty="0" err="1">
-                <a:solidFill>
-                  <a:schemeClr val="bg1"/>
-                </a:solidFill>
-              </a:rPr>
-              <a:t>module.controller</a:t>
-            </a:r>
-            <a:endParaRPr lang="en-US" sz="1500" dirty="0">
-              <a:solidFill>
-                <a:schemeClr val="bg1"/>
-              </a:solidFill>
-            </a:endParaRPr>
-          </a:p>
-          <a:p>
-            <a:pPr>
-              <a:spcBef>
-                <a:spcPts val="450"/>
-              </a:spcBef>
-            </a:pPr>
-            <a:endParaRPr lang="en-US" sz="1500" dirty="0">
-              <a:solidFill>
-                <a:schemeClr val="bg1"/>
-              </a:solidFill>
-            </a:endParaRPr>
-          </a:p>
-          <a:p>
-            <a:pPr>
-              <a:spcBef>
-                <a:spcPts val="450"/>
-              </a:spcBef>
-            </a:pPr>
-            <a:r>
-              <a:rPr lang="en-US" sz="1500" dirty="0">
-                <a:solidFill>
-                  <a:schemeClr val="bg1"/>
-                </a:solidFill>
-              </a:rPr>
-              <a:t>&lt;div ng-controller=“</a:t>
-            </a:r>
-            <a:r>
-              <a:rPr lang="en-US" sz="1500" dirty="0" err="1">
-                <a:solidFill>
-                  <a:schemeClr val="bg1"/>
-                </a:solidFill>
-              </a:rPr>
-              <a:t>MovieListController</a:t>
-            </a:r>
-            <a:r>
-              <a:rPr lang="en-US" sz="1500" dirty="0">
-                <a:solidFill>
-                  <a:schemeClr val="bg1"/>
-                </a:solidFill>
-              </a:rPr>
-              <a:t>"&gt;</a:t>
-            </a:r>
-          </a:p>
-          <a:p>
-            <a:pPr>
-              <a:spcBef>
-                <a:spcPts val="450"/>
-              </a:spcBef>
-            </a:pPr>
-            <a:r>
-              <a:rPr lang="en-US" sz="1500" dirty="0">
-                <a:solidFill>
-                  <a:schemeClr val="bg1"/>
-                </a:solidFill>
-              </a:rPr>
-              <a:t>&lt;/div&gt;</a:t>
+            <a:r>
+              <a:rPr lang="en-US" dirty="0"/>
+              <a:t>Link Generation</a:t>
             </a:r>
           </a:p>
         </p:txBody>
       </p:sp>
       <p:sp>
         <p:nvSpPr>
-          <p:cNvPr id="12" name="Rectangle 11"/>
-          <p:cNvSpPr/>
-          <p:nvPr/>
+          <p:cNvPr id="3" name="Content Placeholder 2"/>
+          <p:cNvSpPr>
+            <a:spLocks noGrp="1"/>
+          </p:cNvSpPr>
+          <p:nvPr>
+            <p:ph sz="quarter" idx="16"/>
+          </p:nvPr>
         </p:nvSpPr>
-        <p:spPr>
-          <a:xfrm>
-            <a:off x="5787789" y="2082473"/>
-            <a:ext cx="2826328" cy="1922318"/>
-          </a:xfrm>
-          <a:prstGeom prst="rect">
-            <a:avLst/>
-          </a:prstGeom>
-          <a:ln/>
-        </p:spPr>
+        <p:spPr/>
         <p:style>
           <a:lnRef idx="2">
-            <a:schemeClr val="accent6">
+            <a:schemeClr val="accent5">
               <a:shade val="50000"/>
             </a:schemeClr>
           </a:lnRef>
           <a:fillRef idx="1">
-            <a:schemeClr val="accent6"/>
+            <a:schemeClr val="accent5"/>
           </a:fillRef>
           <a:effectRef idx="0">
-            <a:schemeClr val="accent6"/>
+            <a:schemeClr val="accent5"/>
           </a:effectRef>
           <a:fontRef idx="minor">
             <a:schemeClr val="lt1"/>
           </a:fontRef>
         </p:style>
         <p:txBody>
-          <a:bodyPr lIns="137160" tIns="137160" rIns="137160" bIns="137160" rtlCol="0" anchor="ctr"/>
+          <a:bodyPr/>
           <a:lstStyle/>
           <a:p>
-            <a:pPr>
-              <a:spcBef>
-                <a:spcPts val="450"/>
-              </a:spcBef>
-            </a:pPr>
-            <a:r>
-              <a:rPr lang="en-US" sz="1500" dirty="0" err="1">
-                <a:solidFill>
-                  <a:schemeClr val="bg1"/>
-                </a:solidFill>
-              </a:rPr>
-              <a:t>module.directive</a:t>
-            </a:r>
-            <a:endParaRPr lang="en-US" sz="1500" dirty="0">
-              <a:solidFill>
-                <a:schemeClr val="bg1"/>
-              </a:solidFill>
-            </a:endParaRPr>
-          </a:p>
-          <a:p>
-            <a:pPr>
-              <a:spcBef>
-                <a:spcPts val="450"/>
-              </a:spcBef>
-            </a:pPr>
-            <a:endParaRPr lang="en-US" sz="1500" dirty="0">
-              <a:solidFill>
-                <a:schemeClr val="bg1"/>
-              </a:solidFill>
-            </a:endParaRPr>
-          </a:p>
-          <a:p>
-            <a:pPr>
-              <a:spcBef>
-                <a:spcPts val="450"/>
-              </a:spcBef>
-            </a:pPr>
-            <a:r>
-              <a:rPr lang="en-US" sz="1500" dirty="0">
-                <a:solidFill>
-                  <a:schemeClr val="bg1"/>
-                </a:solidFill>
-              </a:rPr>
-              <a:t>&lt;movie-list&gt;</a:t>
-            </a:r>
-          </a:p>
-          <a:p>
-            <a:pPr>
-              <a:spcBef>
-                <a:spcPts val="450"/>
-              </a:spcBef>
-            </a:pPr>
-            <a:r>
-              <a:rPr lang="en-US" sz="1500" dirty="0">
-                <a:solidFill>
-                  <a:schemeClr val="bg1"/>
-                </a:solidFill>
-              </a:rPr>
-              <a:t>&lt;/movie-list&gt;</a:t>
+            <a:r>
+              <a:rPr lang="en-US" dirty="0"/>
+              <a:t>Nested Routing</a:t>
             </a:r>
           </a:p>
         </p:txBody>
       </p:sp>
       <p:sp>
         <p:nvSpPr>
-          <p:cNvPr id="13" name="Rectangle 12"/>
-          <p:cNvSpPr/>
-          <p:nvPr/>
+          <p:cNvPr id="4" name="Content Placeholder 3"/>
+          <p:cNvSpPr>
+            <a:spLocks noGrp="1"/>
+          </p:cNvSpPr>
+          <p:nvPr>
+            <p:ph sz="quarter" idx="12"/>
+          </p:nvPr>
         </p:nvSpPr>
-        <p:spPr>
-          <a:xfrm>
-            <a:off x="2186610" y="4381359"/>
-            <a:ext cx="5153492" cy="1539878"/>
-          </a:xfrm>
-          <a:prstGeom prst="rect">
-            <a:avLst/>
-          </a:prstGeom>
-          <a:ln/>
-        </p:spPr>
+        <p:spPr/>
         <p:style>
           <a:lnRef idx="2">
-            <a:schemeClr val="accent6">
+            <a:schemeClr val="accent5">
               <a:shade val="50000"/>
             </a:schemeClr>
           </a:lnRef>
           <a:fillRef idx="1">
-            <a:schemeClr val="accent6"/>
+            <a:schemeClr val="accent5"/>
           </a:fillRef>
           <a:effectRef idx="0">
-            <a:schemeClr val="accent6"/>
+            <a:schemeClr val="accent5"/>
           </a:effectRef>
           <a:fontRef idx="minor">
             <a:schemeClr val="lt1"/>
           </a:fontRef>
         </p:style>
         <p:txBody>
-          <a:bodyPr lIns="137160" tIns="137160" rIns="137160" bIns="137160" rtlCol="0" anchor="ctr"/>
+          <a:bodyPr/>
           <a:lstStyle/>
           <a:p>
-            <a:pPr>
-              <a:spcBef>
-                <a:spcPts val="450"/>
-              </a:spcBef>
-            </a:pPr>
-            <a:r>
-              <a:rPr lang="en-US" sz="1500" dirty="0" err="1">
-                <a:solidFill>
-                  <a:schemeClr val="bg1"/>
-                </a:solidFill>
-              </a:rPr>
-              <a:t>module.component</a:t>
-            </a:r>
-            <a:endParaRPr lang="en-US" sz="1500" dirty="0">
-              <a:solidFill>
-                <a:schemeClr val="bg1"/>
-              </a:solidFill>
-            </a:endParaRPr>
+            <a:r>
+              <a:rPr lang="en-US" dirty="0"/>
+              <a:t>Lifecycle</a:t>
+            </a:r>
+          </a:p>
+          <a:p>
+            <a:r>
+              <a:rPr lang="en-US" dirty="0"/>
+              <a:t>Hooks</a:t>
+            </a:r>
           </a:p>
         </p:txBody>
       </p:sp>
       <p:sp>
         <p:nvSpPr>
-          <p:cNvPr id="14" name="Right Brace 13"/>
-          <p:cNvSpPr/>
-          <p:nvPr/>
+          <p:cNvPr id="5" name="Content Placeholder 4"/>
+          <p:cNvSpPr>
+            <a:spLocks noGrp="1"/>
+          </p:cNvSpPr>
+          <p:nvPr>
+            <p:ph sz="quarter" idx="11"/>
+          </p:nvPr>
         </p:nvSpPr>
-        <p:spPr>
-          <a:xfrm rot="5400000">
-            <a:off x="4227699" y="3211243"/>
-            <a:ext cx="1309302" cy="2197677"/>
-          </a:xfrm>
-          <a:prstGeom prst="rightBrace">
-            <a:avLst>
-              <a:gd name="adj1" fmla="val 8333"/>
-              <a:gd name="adj2" fmla="val 49054"/>
-            </a:avLst>
-          </a:prstGeom>
-          <a:ln>
-            <a:solidFill>
-              <a:schemeClr val="accent1"/>
-            </a:solidFill>
-            <a:headEnd type="none"/>
-            <a:tailEnd type="none"/>
-          </a:ln>
-          <a:effectLst/>
-        </p:spPr>
+        <p:spPr/>
         <p:style>
           <a:lnRef idx="2">
-            <a:schemeClr val="accent1"/>
+            <a:schemeClr val="accent5">
+              <a:shade val="50000"/>
+            </a:schemeClr>
           </a:lnRef>
-          <a:fillRef idx="0">
-            <a:schemeClr val="accent1"/>
+          <a:fillRef idx="1">
+            <a:schemeClr val="accent5"/>
           </a:fillRef>
-          <a:effectRef idx="1">
-            <a:schemeClr val="accent1"/>
+          <a:effectRef idx="0">
+            <a:schemeClr val="accent5"/>
           </a:effectRef>
           <a:fontRef idx="minor">
-            <a:schemeClr val="tx1"/>
+            <a:schemeClr val="lt1"/>
           </a:fontRef>
         </p:style>
         <p:txBody>
-          <a:bodyPr rtlCol="0" anchor="ctr"/>
+          <a:bodyPr/>
           <a:lstStyle/>
           <a:p>
-            <a:pPr algn="ctr"/>
-            <a:endParaRPr lang="en-US" sz="1200"/>
+            <a:r>
+              <a:rPr lang="en-US" dirty="0"/>
+              <a:t>Angular 2 </a:t>
+            </a:r>
+          </a:p>
+          <a:p>
+            <a:r>
+              <a:rPr lang="en-US" dirty="0"/>
+              <a:t>Compatible</a:t>
+            </a:r>
+          </a:p>
+        </p:txBody>
+      </p:sp>
+      <p:sp>
+        <p:nvSpPr>
+          <p:cNvPr id="6" name="Content Placeholder 5"/>
+          <p:cNvSpPr>
+            <a:spLocks noGrp="1"/>
+          </p:cNvSpPr>
+          <p:nvPr>
+            <p:ph sz="quarter" idx="10"/>
+          </p:nvPr>
+        </p:nvSpPr>
+        <p:spPr/>
+        <p:style>
+          <a:lnRef idx="2">
+            <a:schemeClr val="accent5">
+              <a:shade val="50000"/>
+            </a:schemeClr>
+          </a:lnRef>
+          <a:fillRef idx="1">
+            <a:schemeClr val="accent5"/>
+          </a:fillRef>
+          <a:effectRef idx="0">
+            <a:schemeClr val="accent5"/>
+          </a:effectRef>
+          <a:fontRef idx="minor">
+            <a:schemeClr val="lt1"/>
+          </a:fontRef>
+        </p:style>
+        <p:txBody>
+          <a:bodyPr/>
+          <a:lstStyle/>
+          <a:p>
+            <a:r>
+              <a:rPr lang="en-US" dirty="0"/>
+              <a:t>Components are</a:t>
+            </a:r>
+          </a:p>
+          <a:p>
+            <a:r>
+              <a:rPr lang="en-US" dirty="0"/>
+              <a:t>Native</a:t>
+            </a:r>
+          </a:p>
+        </p:txBody>
+      </p:sp>
+      <p:sp>
+        <p:nvSpPr>
+          <p:cNvPr id="7" name="Title 6"/>
+          <p:cNvSpPr>
+            <a:spLocks noGrp="1"/>
+          </p:cNvSpPr>
+          <p:nvPr>
+            <p:ph type="title"/>
+          </p:nvPr>
+        </p:nvSpPr>
+        <p:spPr/>
+        <p:txBody>
+          <a:bodyPr/>
+          <a:lstStyle/>
+          <a:p>
+            <a:r>
+              <a:rPr lang="en-US" dirty="0"/>
+              <a:t>Component Router</a:t>
+            </a:r>
           </a:p>
         </p:txBody>
       </p:sp>
     </p:spTree>
     <p:extLst>
       <p:ext uri="{BB962C8B-B14F-4D97-AF65-F5344CB8AC3E}">
-        <p14:creationId xmlns:p14="http://schemas.microsoft.com/office/powerpoint/2010/main" val="1111592567"/>
+        <p14:creationId xmlns:p14="http://schemas.microsoft.com/office/powerpoint/2010/main" val="1786033595"/>
       </p:ext>
     </p:extLst>
   </p:cSld>
@@ -9001,7 +7336,9 @@
                                           </p:stCondLst>
                                         </p:cTn>
                                         <p:tgtEl>
-                                          <p:spTgt spid="11"/>
+                                          <p:spTgt spid="6">
+                                            <p:bg/>
+                                          </p:spTgt>
                                         </p:tgtEl>
                                         <p:attrNameLst>
                                           <p:attrName>style.visibility</p:attrName>
@@ -9015,7 +7352,9 @@
                                       <p:cBhvr>
                                         <p:cTn id="7" dur="500"/>
                                         <p:tgtEl>
-                                          <p:spTgt spid="11"/>
+                                          <p:spTgt spid="6">
+                                            <p:bg/>
+                                          </p:spTgt>
                                         </p:tgtEl>
                                       </p:cBhvr>
                                     </p:animEffect>
@@ -9054,7 +7393,9 @@
                                           </p:stCondLst>
                                         </p:cTn>
                                         <p:tgtEl>
-                                          <p:spTgt spid="12"/>
+                                          <p:spTgt spid="5">
+                                            <p:bg/>
+                                          </p:spTgt>
                                         </p:tgtEl>
                                         <p:attrNameLst>
                                           <p:attrName>style.visibility</p:attrName>
@@ -9068,7 +7409,9 @@
                                       <p:cBhvr>
                                         <p:cTn id="12" dur="500"/>
                                         <p:tgtEl>
-                                          <p:spTgt spid="12"/>
+                                          <p:spTgt spid="5">
+                                            <p:bg/>
+                                          </p:spTgt>
                                         </p:tgtEl>
                                       </p:cBhvr>
                                     </p:animEffect>
@@ -9107,7 +7450,9 @@
                                           </p:stCondLst>
                                         </p:cTn>
                                         <p:tgtEl>
-                                          <p:spTgt spid="13"/>
+                                          <p:spTgt spid="4">
+                                            <p:bg/>
+                                          </p:spTgt>
                                         </p:tgtEl>
                                         <p:attrNameLst>
                                           <p:attrName>style.visibility</p:attrName>
@@ -9121,28 +7466,50 @@
                                       <p:cBhvr>
                                         <p:cTn id="17" dur="500"/>
                                         <p:tgtEl>
-                                          <p:spTgt spid="13"/>
+                                          <p:spTgt spid="4">
+                                            <p:bg/>
+                                          </p:spTgt>
                                         </p:tgtEl>
                                       </p:cBhvr>
                                     </p:animEffect>
                                   </p:childTnLst>
                                 </p:cTn>
                               </p:par>
+                            </p:childTnLst>
+                          </p:cTn>
+                        </p:par>
+                      </p:childTnLst>
+                    </p:cTn>
+                  </p:par>
+                  <p:par>
+                    <p:cTn id="18" fill="hold">
+                      <p:stCondLst>
+                        <p:cond delay="indefinite"/>
+                      </p:stCondLst>
+                      <p:childTnLst>
+                        <p:par>
+                          <p:cTn id="19" fill="hold">
+                            <p:stCondLst>
+                              <p:cond delay="0"/>
+                            </p:stCondLst>
+                            <p:childTnLst>
                               <p:par>
-                                <p:cTn id="18" presetID="10" presetClass="entr" presetSubtype="0" fill="hold" grpId="0" nodeType="withEffect">
+                                <p:cTn id="20" presetID="10" presetClass="entr" presetSubtype="0" fill="hold" grpId="0" nodeType="clickEffect">
                                   <p:stCondLst>
                                     <p:cond delay="0"/>
                                   </p:stCondLst>
                                   <p:childTnLst>
                                     <p:set>
                                       <p:cBhvr>
-                                        <p:cTn id="19" dur="1" fill="hold">
+                                        <p:cTn id="21" dur="1" fill="hold">
                                           <p:stCondLst>
                                             <p:cond delay="0"/>
                                           </p:stCondLst>
                                         </p:cTn>
                                         <p:tgtEl>
-                                          <p:spTgt spid="14"/>
+                                          <p:spTgt spid="3">
+                                            <p:bg/>
+                                          </p:spTgt>
                                         </p:tgtEl>
                                         <p:attrNameLst>
                                           <p:attrName>style.visibility</p:attrName>
@@ -9154,9 +7521,68 @@
                                     </p:set>
                                     <p:animEffect transition="in" filter="fade">
                                       <p:cBhvr>
-                                        <p:cTn id="20" dur="500"/>
+                                        <p:cTn id="22" dur="500"/>
                                         <p:tgtEl>
-                                          <p:spTgt spid="14"/>
+                                          <p:spTgt spid="3">
+                                            <p:bg/>
+                                          </p:spTgt>
+                                        </p:tgtEl>
+                                      </p:cBhvr>
+                                    </p:animEffect>
+                                  </p:childTnLst>
+                                </p:cTn>
+                              </p:par>
+                            </p:childTnLst>
+                          </p:cTn>
+                        </p:par>
+                      </p:childTnLst>
+                    </p:cTn>
+                  </p:par>
+                  <p:par>
+                    <p:cTn id="23" fill="hold">
+                      <p:stCondLst>
+                        <p:cond delay="indefinite"/>
+                      </p:stCondLst>
+                      <p:childTnLst>
+                        <p:par>
+                          <p:cTn id="24" fill="hold">
+                            <p:stCondLst>
+                              <p:cond delay="0"/>
+                            </p:stCondLst>
+                            <p:childTnLst>
+                              <p:par>
+                                <p:cTn id="25" presetID="10" presetClass="entr" presetSubtype="0" fill="hold" grpId="0" nodeType="clickEffect">
+                                  <p:stCondLst>
+                                    <p:cond delay="0"/>
+                                  </p:stCondLst>
+                                  <p:childTnLst>
+                                    <p:set>
+                                      <p:cBhvr>
+                                        <p:cTn id="26" dur="1" fill="hold">
+                                          <p:stCondLst>
+                                            <p:cond delay="0"/>
+                                          </p:stCondLst>
+                                        </p:cTn>
+                                        <p:tgtEl>
+                                          <p:spTgt spid="2">
+                                            <p:bg/>
+                                          </p:spTgt>
+                                        </p:tgtEl>
+                                        <p:attrNameLst>
+                                          <p:attrName>style.visibility</p:attrName>
+                                        </p:attrNameLst>
+                                      </p:cBhvr>
+                                      <p:to>
+                                        <p:strVal val="visible"/>
+                                      </p:to>
+                                    </p:set>
+                                    <p:animEffect transition="in" filter="fade">
+                                      <p:cBhvr>
+                                        <p:cTn id="27" dur="500"/>
+                                        <p:tgtEl>
+                                          <p:spTgt spid="2">
+                                            <p:bg/>
+                                          </p:spTgt>
                                         </p:tgtEl>
                                       </p:cBhvr>
                                     </p:animEffect>
@@ -9191,175 +7617,13 @@
       </p:par>
     </p:tnLst>
     <p:bldLst>
-      <p:bldP spid="11" grpId="0" animBg="1"/>
-      <p:bldP spid="12" grpId="0" animBg="1"/>
-      <p:bldP spid="13" grpId="0" animBg="1"/>
-      <p:bldP spid="14" grpId="0" animBg="1"/>
+      <p:bldP spid="2" grpId="0" uiExpand="1" build="p" animBg="1"/>
+      <p:bldP spid="3" grpId="0" uiExpand="1" build="p" animBg="1"/>
+      <p:bldP spid="4" grpId="0" uiExpand="1" build="p" animBg="1"/>
+      <p:bldP spid="5" grpId="0" uiExpand="1" build="p" animBg="1"/>
+      <p:bldP spid="6" grpId="0" uiExpand="1" build="p" animBg="1"/>
     </p:bldLst>
   </p:timing>
-</p:sld>
-</file>
-
-<file path=ppt/slides/slide6.xml><?xml version="1.0" encoding="utf-8"?>
-<p:sld xmlns:a="http://schemas.openxmlformats.org/drawingml/2006/main" xmlns:r="http://schemas.openxmlformats.org/officeDocument/2006/relationships" xmlns:p="http://schemas.openxmlformats.org/presentationml/2006/main">
-  <p:cSld>
-    <p:spTree>
-      <p:nvGrpSpPr>
-        <p:cNvPr id="1" name=""/>
-        <p:cNvGrpSpPr/>
-        <p:nvPr/>
-      </p:nvGrpSpPr>
-      <p:grpSpPr>
-        <a:xfrm>
-          <a:off x="0" y="0"/>
-          <a:ext cx="0" cy="0"/>
-          <a:chOff x="0" y="0"/>
-          <a:chExt cx="0" cy="0"/>
-        </a:xfrm>
-      </p:grpSpPr>
-      <p:sp>
-        <p:nvSpPr>
-          <p:cNvPr id="2" name="Title 1"/>
-          <p:cNvSpPr>
-            <a:spLocks noGrp="1"/>
-          </p:cNvSpPr>
-          <p:nvPr>
-            <p:ph type="title"/>
-          </p:nvPr>
-        </p:nvSpPr>
-        <p:spPr/>
-        <p:txBody>
-          <a:bodyPr/>
-          <a:lstStyle/>
-          <a:p>
-            <a:endParaRPr lang="en-US"/>
-          </a:p>
-        </p:txBody>
-      </p:sp>
-      <p:pic>
-        <p:nvPicPr>
-          <p:cNvPr id="4" name="Picture 3"/>
-          <p:cNvPicPr>
-            <a:picLocks noChangeAspect="1"/>
-          </p:cNvPicPr>
-          <p:nvPr/>
-        </p:nvPicPr>
-        <p:blipFill>
-          <a:blip r:embed="rId2"/>
-          <a:stretch>
-            <a:fillRect/>
-          </a:stretch>
-        </p:blipFill>
-        <p:spPr>
-          <a:xfrm>
-            <a:off x="-28573" y="857250"/>
-            <a:ext cx="9201150" cy="5200650"/>
-          </a:xfrm>
-          <a:prstGeom prst="rect">
-            <a:avLst/>
-          </a:prstGeom>
-        </p:spPr>
-      </p:pic>
-    </p:spTree>
-    <p:extLst>
-      <p:ext uri="{BB962C8B-B14F-4D97-AF65-F5344CB8AC3E}">
-        <p14:creationId xmlns:p14="http://schemas.microsoft.com/office/powerpoint/2010/main" val="1757514157"/>
-      </p:ext>
-    </p:extLst>
-  </p:cSld>
-  <p:clrMapOvr>
-    <a:masterClrMapping/>
-  </p:clrMapOvr>
-</p:sld>
-</file>
-
-<file path=ppt/slides/slide7.xml><?xml version="1.0" encoding="utf-8"?>
-<p:sld xmlns:a="http://schemas.openxmlformats.org/drawingml/2006/main" xmlns:r="http://schemas.openxmlformats.org/officeDocument/2006/relationships" xmlns:p="http://schemas.openxmlformats.org/presentationml/2006/main">
-  <p:cSld>
-    <p:spTree>
-      <p:nvGrpSpPr>
-        <p:cNvPr id="1" name=""/>
-        <p:cNvGrpSpPr/>
-        <p:nvPr/>
-      </p:nvGrpSpPr>
-      <p:grpSpPr>
-        <a:xfrm>
-          <a:off x="0" y="0"/>
-          <a:ext cx="0" cy="0"/>
-          <a:chOff x="0" y="0"/>
-          <a:chExt cx="0" cy="0"/>
-        </a:xfrm>
-      </p:grpSpPr>
-      <p:sp>
-        <p:nvSpPr>
-          <p:cNvPr id="2" name="Title 1"/>
-          <p:cNvSpPr>
-            <a:spLocks noGrp="1"/>
-          </p:cNvSpPr>
-          <p:nvPr>
-            <p:ph type="title"/>
-          </p:nvPr>
-        </p:nvSpPr>
-        <p:spPr/>
-        <p:txBody>
-          <a:bodyPr/>
-          <a:lstStyle/>
-          <a:p>
-            <a:r>
-              <a:rPr lang="en-US" dirty="0"/>
-              <a:t>Why Components</a:t>
-            </a:r>
-          </a:p>
-        </p:txBody>
-      </p:sp>
-      <p:sp>
-        <p:nvSpPr>
-          <p:cNvPr id="3" name="Text Placeholder 2"/>
-          <p:cNvSpPr>
-            <a:spLocks noGrp="1"/>
-          </p:cNvSpPr>
-          <p:nvPr>
-            <p:ph type="body" idx="1"/>
-          </p:nvPr>
-        </p:nvSpPr>
-        <p:spPr/>
-        <p:txBody>
-          <a:bodyPr/>
-          <a:lstStyle/>
-          <a:p>
-            <a:r>
-              <a:rPr lang="en-US" dirty="0"/>
-              <a:t>Aligned with Angular 2</a:t>
-            </a:r>
-          </a:p>
-          <a:p>
-            <a:r>
-              <a:rPr lang="en-US" dirty="0"/>
-              <a:t>Can use new component based router</a:t>
-            </a:r>
-          </a:p>
-          <a:p>
-            <a:pPr lvl="1"/>
-            <a:r>
-              <a:rPr lang="en-US" dirty="0"/>
-              <a:t>More features, like nested routes</a:t>
-            </a:r>
-          </a:p>
-        </p:txBody>
-      </p:sp>
-    </p:spTree>
-    <p:extLst>
-      <p:ext uri="{BB962C8B-B14F-4D97-AF65-F5344CB8AC3E}">
-        <p14:creationId xmlns:p14="http://schemas.microsoft.com/office/powerpoint/2010/main" val="673481876"/>
-      </p:ext>
-    </p:extLst>
-  </p:cSld>
-  <p:clrMapOvr>
-    <a:masterClrMapping/>
-  </p:clrMapOvr>
-  <p:transition>
-    <p:fade/>
-  </p:transition>
 </p:sld>
 </file>
 
@@ -9563,22 +7827,34 @@
       </p:sp>
       <p:pic>
         <p:nvPicPr>
-          <p:cNvPr id="4" name="Picture 3"/>
+          <p:cNvPr id="5" name="Picture 4"/>
           <p:cNvPicPr>
             <a:picLocks noChangeAspect="1"/>
           </p:cNvPicPr>
           <p:nvPr/>
         </p:nvPicPr>
         <p:blipFill>
-          <a:blip r:embed="rId2"/>
+          <a:blip r:embed="rId2">
+            <a:extLst>
+              <a:ext uri="{BEBA8EAE-BF5A-486C-A8C5-ECC9F3942E4B}">
+                <a14:imgProps xmlns:a14="http://schemas.microsoft.com/office/drawing/2010/main">
+                  <a14:imgLayer r:embed="rId3">
+                    <a14:imgEffect>
+                      <a14:colorTemperature colorTemp="11200"/>
+                    </a14:imgEffect>
+                  </a14:imgLayer>
+                </a14:imgProps>
+              </a:ext>
+            </a:extLst>
+          </a:blip>
           <a:stretch>
             <a:fillRect/>
           </a:stretch>
         </p:blipFill>
         <p:spPr>
           <a:xfrm>
-            <a:off x="990600" y="2286000"/>
-            <a:ext cx="7458075" cy="3038475"/>
+            <a:off x="685800" y="2438400"/>
+            <a:ext cx="7696200" cy="2816363"/>
           </a:xfrm>
           <a:prstGeom prst="rect">
             <a:avLst/>

--- a/angularjs/slides/a2_components.pptx
+++ b/angularjs/slides/a2_components.pptx
@@ -16,13 +16,13 @@
     <p:sldId id="346" r:id="rId4"/>
     <p:sldId id="335" r:id="rId5"/>
     <p:sldId id="350" r:id="rId6"/>
-    <p:sldId id="347" r:id="rId7"/>
-    <p:sldId id="343" r:id="rId8"/>
-    <p:sldId id="329" r:id="rId9"/>
-    <p:sldId id="330" r:id="rId10"/>
-    <p:sldId id="349" r:id="rId11"/>
-    <p:sldId id="331" r:id="rId12"/>
-    <p:sldId id="344" r:id="rId13"/>
+    <p:sldId id="343" r:id="rId7"/>
+    <p:sldId id="329" r:id="rId8"/>
+    <p:sldId id="330" r:id="rId9"/>
+    <p:sldId id="349" r:id="rId10"/>
+    <p:sldId id="351" r:id="rId11"/>
+    <p:sldId id="344" r:id="rId12"/>
+    <p:sldId id="331" r:id="rId13"/>
     <p:sldId id="345" r:id="rId14"/>
     <p:sldId id="332" r:id="rId15"/>
   </p:sldIdLst>
@@ -277,7 +277,7 @@
               <a:pPr>
                 <a:defRPr/>
               </a:pPr>
-              <a:t>5/4/2016</a:t>
+              <a:t>6/7/2016</a:t>
             </a:fld>
             <a:endParaRPr lang="en-US"/>
           </a:p>
@@ -983,7 +983,7 @@
           <a:p>
             <a:fld id="{1112285D-B62D-0345-9A0E-5D91D31CA9B6}" type="slidenum">
               <a:rPr lang="en-US" smtClean="0"/>
-              <a:t>7</a:t>
+              <a:t>6</a:t>
             </a:fld>
             <a:endParaRPr lang="en-US"/>
           </a:p>
@@ -1093,43 +1093,43 @@
       </p:sp>
       <p:pic>
         <p:nvPicPr>
-          <p:cNvPr id="9" name="Picture 6" descr="http://www.odetocode.com/">
-            <a:hlinkClick r:id="rId2"/>
-          </p:cNvPr>
+          <p:cNvPr id="5" name="Picture 2" descr="http://odetocode.com/Images/odetocode3.png"/>
           <p:cNvPicPr>
             <a:picLocks noChangeAspect="1" noChangeArrowheads="1"/>
           </p:cNvPicPr>
           <p:nvPr userDrawn="1"/>
         </p:nvPicPr>
         <p:blipFill>
-          <a:blip r:embed="rId3"/>
-          <a:srcRect r="26934"/>
+          <a:blip r:embed="rId2">
+            <a:extLst>
+              <a:ext uri="{28A0092B-C50C-407E-A947-70E740481C1C}">
+                <a14:useLocalDpi xmlns:a14="http://schemas.microsoft.com/office/drawing/2010/main" val="0"/>
+              </a:ext>
+            </a:extLst>
+          </a:blip>
+          <a:srcRect/>
           <a:stretch>
             <a:fillRect/>
           </a:stretch>
         </p:blipFill>
         <p:spPr bwMode="auto">
           <a:xfrm>
-            <a:off x="7620000" y="6248400"/>
-            <a:ext cx="1295400" cy="439103"/>
+            <a:off x="7620000" y="6495564"/>
+            <a:ext cx="1438275" cy="390286"/>
           </a:xfrm>
           <a:prstGeom prst="rect">
             <a:avLst/>
           </a:prstGeom>
-          <a:ln w="38100" cap="sq">
-            <a:solidFill>
-              <a:srgbClr val="000000"/>
-            </a:solidFill>
-            <a:prstDash val="solid"/>
-            <a:miter lim="800000"/>
-          </a:ln>
-          <a:effectLst>
-            <a:outerShdw blurRad="50800" dist="38100" dir="2700000" algn="tl" rotWithShape="0">
-              <a:srgbClr val="000000">
-                <a:alpha val="43000"/>
-              </a:srgbClr>
-            </a:outerShdw>
-          </a:effectLst>
+          <a:noFill/>
+          <a:extLst>
+            <a:ext uri="{909E8E84-426E-40DD-AFC4-6F175D3DCCD1}">
+              <a14:hiddenFill xmlns:a14="http://schemas.microsoft.com/office/drawing/2010/main">
+                <a:solidFill>
+                  <a:srgbClr val="FFFFFF"/>
+                </a:solidFill>
+              </a14:hiddenFill>
+            </a:ext>
+          </a:extLst>
         </p:spPr>
       </p:pic>
     </p:spTree>
@@ -2315,43 +2315,43 @@
       </p:cxnSp>
       <p:pic>
         <p:nvPicPr>
-          <p:cNvPr id="8" name="Picture 6" descr="http://www.odetocode.com/">
-            <a:hlinkClick r:id="rId11"/>
-          </p:cNvPr>
+          <p:cNvPr id="6" name="Picture 2" descr="http://odetocode.com/Images/odetocode3.png"/>
           <p:cNvPicPr>
             <a:picLocks noChangeAspect="1" noChangeArrowheads="1"/>
           </p:cNvPicPr>
           <p:nvPr userDrawn="1"/>
         </p:nvPicPr>
         <p:blipFill>
-          <a:blip r:embed="rId12"/>
-          <a:srcRect r="26934"/>
+          <a:blip r:embed="rId11">
+            <a:extLst>
+              <a:ext uri="{28A0092B-C50C-407E-A947-70E740481C1C}">
+                <a14:useLocalDpi xmlns:a14="http://schemas.microsoft.com/office/drawing/2010/main" val="0"/>
+              </a:ext>
+            </a:extLst>
+          </a:blip>
+          <a:srcRect/>
           <a:stretch>
             <a:fillRect/>
           </a:stretch>
         </p:blipFill>
         <p:spPr bwMode="auto">
           <a:xfrm>
-            <a:off x="7620000" y="6266497"/>
-            <a:ext cx="1295400" cy="439103"/>
+            <a:off x="7620000" y="6317251"/>
+            <a:ext cx="1438275" cy="390286"/>
           </a:xfrm>
           <a:prstGeom prst="rect">
             <a:avLst/>
           </a:prstGeom>
-          <a:ln w="38100" cap="sq">
-            <a:solidFill>
-              <a:srgbClr val="000000"/>
-            </a:solidFill>
-            <a:prstDash val="solid"/>
-            <a:miter lim="800000"/>
-          </a:ln>
-          <a:effectLst>
-            <a:outerShdw blurRad="50800" dist="38100" dir="2700000" algn="tl" rotWithShape="0">
-              <a:srgbClr val="000000">
-                <a:alpha val="43000"/>
-              </a:srgbClr>
-            </a:outerShdw>
-          </a:effectLst>
+          <a:noFill/>
+          <a:extLst>
+            <a:ext uri="{909E8E84-426E-40DD-AFC4-6F175D3DCCD1}">
+              <a14:hiddenFill xmlns:a14="http://schemas.microsoft.com/office/drawing/2010/main">
+                <a:solidFill>
+                  <a:srgbClr val="FFFFFF"/>
+                </a:solidFill>
+              </a14:hiddenFill>
+            </a:ext>
+          </a:extLst>
         </p:spPr>
       </p:pic>
     </p:spTree>
@@ -3002,201 +3002,260 @@
           <a:p>
             <a:r>
               <a:rPr lang="en-US" dirty="0"/>
-              <a:t>ng-link</a:t>
+              <a:t>Component Lifecycle</a:t>
             </a:r>
           </a:p>
         </p:txBody>
       </p:sp>
-      <p:sp>
-        <p:nvSpPr>
-          <p:cNvPr id="3" name="Text Placeholder 2"/>
-          <p:cNvSpPr>
-            <a:spLocks noGrp="1"/>
-          </p:cNvSpPr>
+      <p:graphicFrame>
+        <p:nvGraphicFramePr>
+          <p:cNvPr id="3" name="Table 2"/>
+          <p:cNvGraphicFramePr>
+            <a:graphicFrameLocks noGrp="1"/>
+          </p:cNvGraphicFramePr>
           <p:nvPr>
-            <p:ph type="body" idx="1"/>
+            <p:extLst/>
           </p:nvPr>
-        </p:nvSpPr>
-        <p:spPr/>
-        <p:txBody>
-          <a:bodyPr/>
-          <a:lstStyle/>
-          <a:p>
-            <a:r>
-              <a:rPr lang="en-US" dirty="0"/>
-              <a:t>Generate links using route names and </a:t>
-            </a:r>
-            <a:r>
-              <a:rPr lang="en-US" dirty="0" err="1"/>
-              <a:t>paramters</a:t>
-            </a:r>
-            <a:endParaRPr lang="en-US" dirty="0"/>
-          </a:p>
-        </p:txBody>
-      </p:sp>
-      <p:pic>
-        <p:nvPicPr>
-          <p:cNvPr id="4" name="Picture 3"/>
-          <p:cNvPicPr>
-            <a:picLocks noChangeAspect="1"/>
-          </p:cNvPicPr>
-          <p:nvPr/>
-        </p:nvPicPr>
-        <p:blipFill>
-          <a:blip r:embed="rId2">
-            <a:extLst>
-              <a:ext uri="{BEBA8EAE-BF5A-486C-A8C5-ECC9F3942E4B}">
-                <a14:imgProps xmlns:a14="http://schemas.microsoft.com/office/drawing/2010/main">
-                  <a14:imgLayer r:embed="rId3">
-                    <a14:imgEffect>
-                      <a14:colorTemperature colorTemp="11200"/>
-                    </a14:imgEffect>
-                  </a14:imgLayer>
-                </a14:imgProps>
-              </a:ext>
-            </a:extLst>
-          </a:blip>
-          <a:stretch>
-            <a:fillRect/>
-          </a:stretch>
-        </p:blipFill>
-        <p:spPr>
-          <a:xfrm>
-            <a:off x="685800" y="2438400"/>
-            <a:ext cx="7105650" cy="2611244"/>
-          </a:xfrm>
-          <a:prstGeom prst="rect">
-            <a:avLst/>
-          </a:prstGeom>
-        </p:spPr>
-      </p:pic>
+        </p:nvGraphicFramePr>
+        <p:xfrm>
+          <a:off x="1295400" y="1447800"/>
+          <a:ext cx="6858000" cy="3956598"/>
+        </p:xfrm>
+        <a:graphic>
+          <a:graphicData uri="http://schemas.openxmlformats.org/drawingml/2006/table">
+            <a:tbl>
+              <a:tblPr firstRow="1" bandRow="1">
+                <a:tableStyleId>{5C22544A-7EE6-4342-B048-85BDC9FD1C3A}</a:tableStyleId>
+              </a:tblPr>
+              <a:tblGrid>
+                <a:gridCol w="2228850">
+                  <a:extLst>
+                    <a:ext uri="{9D8B030D-6E8A-4147-A177-3AD203B41FA5}">
+                      <a16:colId xmlns:a16="http://schemas.microsoft.com/office/drawing/2014/main" val="840778844"/>
+                    </a:ext>
+                  </a:extLst>
+                </a:gridCol>
+                <a:gridCol w="4629150">
+                  <a:extLst>
+                    <a:ext uri="{9D8B030D-6E8A-4147-A177-3AD203B41FA5}">
+                      <a16:colId xmlns:a16="http://schemas.microsoft.com/office/drawing/2014/main" val="1312473441"/>
+                    </a:ext>
+                  </a:extLst>
+                </a:gridCol>
+              </a:tblGrid>
+              <a:tr h="574763">
+                <a:tc>
+                  <a:txBody>
+                    <a:bodyPr/>
+                    <a:lstStyle/>
+                    <a:p>
+                      <a:r>
+                        <a:rPr lang="en-US" sz="2400" dirty="0"/>
+                        <a:t>Event</a:t>
+                      </a:r>
+                    </a:p>
+                  </a:txBody>
+                  <a:tcPr/>
+                </a:tc>
+                <a:tc>
+                  <a:txBody>
+                    <a:bodyPr/>
+                    <a:lstStyle/>
+                    <a:p>
+                      <a:r>
+                        <a:rPr lang="en-US" sz="2400" dirty="0"/>
+                        <a:t>Description</a:t>
+                      </a:r>
+                    </a:p>
+                  </a:txBody>
+                  <a:tcPr/>
+                </a:tc>
+                <a:extLst>
+                  <a:ext uri="{0D108BD9-81ED-4DB2-BD59-A6C34878D82A}">
+                    <a16:rowId xmlns:a16="http://schemas.microsoft.com/office/drawing/2014/main" val="445457489"/>
+                  </a:ext>
+                </a:extLst>
+              </a:tr>
+              <a:tr h="992056">
+                <a:tc>
+                  <a:txBody>
+                    <a:bodyPr/>
+                    <a:lstStyle/>
+                    <a:p>
+                      <a:r>
+                        <a:rPr lang="en-US" sz="2400" dirty="0"/>
+                        <a:t>$</a:t>
+                      </a:r>
+                      <a:r>
+                        <a:rPr lang="en-US" sz="2400" dirty="0" err="1"/>
+                        <a:t>onInit</a:t>
+                      </a:r>
+                      <a:endParaRPr lang="en-US" sz="2400" dirty="0"/>
+                    </a:p>
+                  </a:txBody>
+                  <a:tcPr/>
+                </a:tc>
+                <a:tc>
+                  <a:txBody>
+                    <a:bodyPr/>
+                    <a:lstStyle/>
+                    <a:p>
+                      <a:r>
+                        <a:rPr lang="en-US" sz="2400" dirty="0"/>
+                        <a:t>After construction and bindings initialized</a:t>
+                      </a:r>
+                    </a:p>
+                  </a:txBody>
+                  <a:tcPr/>
+                </a:tc>
+                <a:extLst>
+                  <a:ext uri="{0D108BD9-81ED-4DB2-BD59-A6C34878D82A}">
+                    <a16:rowId xmlns:a16="http://schemas.microsoft.com/office/drawing/2014/main" val="1860846376"/>
+                  </a:ext>
+                </a:extLst>
+              </a:tr>
+              <a:tr h="574763">
+                <a:tc>
+                  <a:txBody>
+                    <a:bodyPr/>
+                    <a:lstStyle/>
+                    <a:p>
+                      <a:r>
+                        <a:rPr lang="en-US" sz="2400" dirty="0"/>
+                        <a:t>$</a:t>
+                      </a:r>
+                      <a:r>
+                        <a:rPr lang="en-US" sz="2400" dirty="0" err="1"/>
+                        <a:t>onChanges</a:t>
+                      </a:r>
+                      <a:endParaRPr lang="en-US" sz="2400" dirty="0"/>
+                    </a:p>
+                  </a:txBody>
+                  <a:tcPr/>
+                </a:tc>
+                <a:tc>
+                  <a:txBody>
+                    <a:bodyPr/>
+                    <a:lstStyle/>
+                    <a:p>
+                      <a:r>
+                        <a:rPr lang="en-US" sz="2400" dirty="0"/>
+                        <a:t>Called when bindings are updated</a:t>
+                      </a:r>
+                    </a:p>
+                  </a:txBody>
+                  <a:tcPr/>
+                </a:tc>
+                <a:extLst>
+                  <a:ext uri="{0D108BD9-81ED-4DB2-BD59-A6C34878D82A}">
+                    <a16:rowId xmlns:a16="http://schemas.microsoft.com/office/drawing/2014/main" val="1754046975"/>
+                  </a:ext>
+                </a:extLst>
+              </a:tr>
+              <a:tr h="992056">
+                <a:tc>
+                  <a:txBody>
+                    <a:bodyPr/>
+                    <a:lstStyle/>
+                    <a:p>
+                      <a:r>
+                        <a:rPr lang="en-US" sz="2400" dirty="0"/>
+                        <a:t>$</a:t>
+                      </a:r>
+                      <a:r>
+                        <a:rPr lang="en-US" sz="2400" dirty="0" err="1"/>
+                        <a:t>onDestroy</a:t>
+                      </a:r>
+                      <a:endParaRPr lang="en-US" sz="2400" dirty="0"/>
+                    </a:p>
+                  </a:txBody>
+                  <a:tcPr/>
+                </a:tc>
+                <a:tc>
+                  <a:txBody>
+                    <a:bodyPr/>
+                    <a:lstStyle/>
+                    <a:p>
+                      <a:r>
+                        <a:rPr lang="en-US" sz="2400" dirty="0"/>
+                        <a:t>Called</a:t>
+                      </a:r>
+                      <a:r>
+                        <a:rPr lang="en-US" sz="2400" baseline="0" dirty="0"/>
+                        <a:t> when associated $scope destroyed</a:t>
+                      </a:r>
+                      <a:endParaRPr lang="en-US" sz="2400" dirty="0"/>
+                    </a:p>
+                  </a:txBody>
+                  <a:tcPr/>
+                </a:tc>
+                <a:extLst>
+                  <a:ext uri="{0D108BD9-81ED-4DB2-BD59-A6C34878D82A}">
+                    <a16:rowId xmlns:a16="http://schemas.microsoft.com/office/drawing/2014/main" val="2010874406"/>
+                  </a:ext>
+                </a:extLst>
+              </a:tr>
+              <a:tr h="574763">
+                <a:tc>
+                  <a:txBody>
+                    <a:bodyPr/>
+                    <a:lstStyle/>
+                    <a:p>
+                      <a:r>
+                        <a:rPr lang="en-US" sz="2400" dirty="0"/>
+                        <a:t>$</a:t>
+                      </a:r>
+                      <a:r>
+                        <a:rPr lang="en-US" sz="2400" dirty="0" err="1"/>
+                        <a:t>postLink</a:t>
+                      </a:r>
+                      <a:endParaRPr lang="en-US" sz="2400" dirty="0"/>
+                    </a:p>
+                  </a:txBody>
+                  <a:tcPr/>
+                </a:tc>
+                <a:tc>
+                  <a:txBody>
+                    <a:bodyPr/>
+                    <a:lstStyle/>
+                    <a:p>
+                      <a:r>
+                        <a:rPr lang="en-US" sz="2400" dirty="0"/>
+                        <a:t>Similar to directive</a:t>
+                      </a:r>
+                      <a:r>
+                        <a:rPr lang="en-US" sz="2400" baseline="0" dirty="0"/>
+                        <a:t> link function</a:t>
+                      </a:r>
+                      <a:endParaRPr lang="en-US" sz="2400" dirty="0"/>
+                    </a:p>
+                  </a:txBody>
+                  <a:tcPr/>
+                </a:tc>
+                <a:extLst>
+                  <a:ext uri="{0D108BD9-81ED-4DB2-BD59-A6C34878D82A}">
+                    <a16:rowId xmlns:a16="http://schemas.microsoft.com/office/drawing/2014/main" val="2845257905"/>
+                  </a:ext>
+                </a:extLst>
+              </a:tr>
+            </a:tbl>
+          </a:graphicData>
+        </a:graphic>
+      </p:graphicFrame>
     </p:spTree>
     <p:extLst>
       <p:ext uri="{BB962C8B-B14F-4D97-AF65-F5344CB8AC3E}">
-        <p14:creationId xmlns:p14="http://schemas.microsoft.com/office/powerpoint/2010/main" val="2151549399"/>
+        <p14:creationId xmlns:p14="http://schemas.microsoft.com/office/powerpoint/2010/main" val="1717292365"/>
       </p:ext>
     </p:extLst>
   </p:cSld>
   <p:clrMapOvr>
     <a:masterClrMapping/>
   </p:clrMapOvr>
-  <p:transition>
-    <p:fade/>
-  </p:transition>
 </p:sld>
 </file>
 
 <file path=ppt/slides/slide11.xml><?xml version="1.0" encoding="utf-8"?>
-<p:sld xmlns:a="http://schemas.openxmlformats.org/drawingml/2006/main" xmlns:r="http://schemas.openxmlformats.org/officeDocument/2006/relationships" xmlns:p="http://schemas.openxmlformats.org/presentationml/2006/main">
-  <p:cSld>
-    <p:spTree>
-      <p:nvGrpSpPr>
-        <p:cNvPr id="1" name=""/>
-        <p:cNvGrpSpPr/>
-        <p:nvPr/>
-      </p:nvGrpSpPr>
-      <p:grpSpPr>
-        <a:xfrm>
-          <a:off x="0" y="0"/>
-          <a:ext cx="0" cy="0"/>
-          <a:chOff x="0" y="0"/>
-          <a:chExt cx="0" cy="0"/>
-        </a:xfrm>
-      </p:grpSpPr>
-      <p:sp>
-        <p:nvSpPr>
-          <p:cNvPr id="2" name="Title 1"/>
-          <p:cNvSpPr>
-            <a:spLocks noGrp="1"/>
-          </p:cNvSpPr>
-          <p:nvPr>
-            <p:ph type="title"/>
-          </p:nvPr>
-        </p:nvSpPr>
-        <p:spPr/>
-        <p:txBody>
-          <a:bodyPr/>
-          <a:lstStyle/>
-          <a:p>
-            <a:r>
-              <a:rPr lang="en-US" dirty="0"/>
-              <a:t>Child Components</a:t>
-            </a:r>
-          </a:p>
-        </p:txBody>
-      </p:sp>
-      <p:sp>
-        <p:nvSpPr>
-          <p:cNvPr id="3" name="Text Placeholder 2"/>
-          <p:cNvSpPr>
-            <a:spLocks noGrp="1"/>
-          </p:cNvSpPr>
-          <p:nvPr>
-            <p:ph type="body" idx="1"/>
-          </p:nvPr>
-        </p:nvSpPr>
-        <p:spPr/>
-        <p:txBody>
-          <a:bodyPr/>
-          <a:lstStyle/>
-          <a:p>
-            <a:endParaRPr lang="en-US" dirty="0"/>
-          </a:p>
-        </p:txBody>
-      </p:sp>
-      <p:pic>
-        <p:nvPicPr>
-          <p:cNvPr id="4" name="Picture 3"/>
-          <p:cNvPicPr>
-            <a:picLocks noChangeAspect="1"/>
-          </p:cNvPicPr>
-          <p:nvPr/>
-        </p:nvPicPr>
-        <p:blipFill>
-          <a:blip r:embed="rId2">
-            <a:extLst>
-              <a:ext uri="{BEBA8EAE-BF5A-486C-A8C5-ECC9F3942E4B}">
-                <a14:imgProps xmlns:a14="http://schemas.microsoft.com/office/drawing/2010/main">
-                  <a14:imgLayer r:embed="rId3">
-                    <a14:imgEffect>
-                      <a14:colorTemperature colorTemp="11200"/>
-                    </a14:imgEffect>
-                  </a14:imgLayer>
-                </a14:imgProps>
-              </a:ext>
-            </a:extLst>
-          </a:blip>
-          <a:stretch>
-            <a:fillRect/>
-          </a:stretch>
-        </p:blipFill>
-        <p:spPr>
-          <a:xfrm>
-            <a:off x="457200" y="2438400"/>
-            <a:ext cx="8220075" cy="2079115"/>
-          </a:xfrm>
-          <a:prstGeom prst="rect">
-            <a:avLst/>
-          </a:prstGeom>
-        </p:spPr>
-      </p:pic>
-    </p:spTree>
-    <p:extLst>
-      <p:ext uri="{BB962C8B-B14F-4D97-AF65-F5344CB8AC3E}">
-        <p14:creationId xmlns:p14="http://schemas.microsoft.com/office/powerpoint/2010/main" val="3956531924"/>
-      </p:ext>
-    </p:extLst>
-  </p:cSld>
-  <p:clrMapOvr>
-    <a:masterClrMapping/>
-  </p:clrMapOvr>
-  <p:transition>
-    <p:fade/>
-  </p:transition>
-</p:sld>
-</file>
-
-<file path=ppt/slides/slide12.xml><?xml version="1.0" encoding="utf-8"?>
 <p:sld xmlns:a="http://schemas.openxmlformats.org/drawingml/2006/main" xmlns:r="http://schemas.openxmlformats.org/officeDocument/2006/relationships" xmlns:p="http://schemas.openxmlformats.org/presentationml/2006/main">
   <p:cSld>
     <p:spTree>
@@ -3524,6 +3583,116 @@
       </p:transition>
     </mc:Fallback>
   </mc:AlternateContent>
+</p:sld>
+</file>
+
+<file path=ppt/slides/slide12.xml><?xml version="1.0" encoding="utf-8"?>
+<p:sld xmlns:a="http://schemas.openxmlformats.org/drawingml/2006/main" xmlns:r="http://schemas.openxmlformats.org/officeDocument/2006/relationships" xmlns:p="http://schemas.openxmlformats.org/presentationml/2006/main">
+  <p:cSld>
+    <p:spTree>
+      <p:nvGrpSpPr>
+        <p:cNvPr id="1" name=""/>
+        <p:cNvGrpSpPr/>
+        <p:nvPr/>
+      </p:nvGrpSpPr>
+      <p:grpSpPr>
+        <a:xfrm>
+          <a:off x="0" y="0"/>
+          <a:ext cx="0" cy="0"/>
+          <a:chOff x="0" y="0"/>
+          <a:chExt cx="0" cy="0"/>
+        </a:xfrm>
+      </p:grpSpPr>
+      <p:sp>
+        <p:nvSpPr>
+          <p:cNvPr id="2" name="Title 1"/>
+          <p:cNvSpPr>
+            <a:spLocks noGrp="1"/>
+          </p:cNvSpPr>
+          <p:nvPr>
+            <p:ph type="title"/>
+          </p:nvPr>
+        </p:nvSpPr>
+        <p:spPr/>
+        <p:txBody>
+          <a:bodyPr/>
+          <a:lstStyle/>
+          <a:p>
+            <a:r>
+              <a:rPr lang="en-US" dirty="0"/>
+              <a:t>Child Components</a:t>
+            </a:r>
+          </a:p>
+        </p:txBody>
+      </p:sp>
+      <p:sp>
+        <p:nvSpPr>
+          <p:cNvPr id="3" name="Text Placeholder 2"/>
+          <p:cNvSpPr>
+            <a:spLocks noGrp="1"/>
+          </p:cNvSpPr>
+          <p:nvPr>
+            <p:ph type="body" idx="1"/>
+          </p:nvPr>
+        </p:nvSpPr>
+        <p:spPr/>
+        <p:txBody>
+          <a:bodyPr/>
+          <a:lstStyle/>
+          <a:p>
+            <a:endParaRPr lang="en-US" dirty="0"/>
+          </a:p>
+        </p:txBody>
+      </p:sp>
+      <p:pic>
+        <p:nvPicPr>
+          <p:cNvPr id="4" name="Picture 3"/>
+          <p:cNvPicPr>
+            <a:picLocks noChangeAspect="1"/>
+          </p:cNvPicPr>
+          <p:nvPr/>
+        </p:nvPicPr>
+        <p:blipFill>
+          <a:blip r:embed="rId2">
+            <a:extLst>
+              <a:ext uri="{BEBA8EAE-BF5A-486C-A8C5-ECC9F3942E4B}">
+                <a14:imgProps xmlns:a14="http://schemas.microsoft.com/office/drawing/2010/main">
+                  <a14:imgLayer r:embed="rId3">
+                    <a14:imgEffect>
+                      <a14:colorTemperature colorTemp="11200"/>
+                    </a14:imgEffect>
+                  </a14:imgLayer>
+                </a14:imgProps>
+              </a:ext>
+            </a:extLst>
+          </a:blip>
+          <a:stretch>
+            <a:fillRect/>
+          </a:stretch>
+        </p:blipFill>
+        <p:spPr>
+          <a:xfrm>
+            <a:off x="457200" y="2438400"/>
+            <a:ext cx="8220075" cy="2079115"/>
+          </a:xfrm>
+          <a:prstGeom prst="rect">
+            <a:avLst/>
+          </a:prstGeom>
+        </p:spPr>
+      </p:pic>
+    </p:spTree>
+    <p:extLst>
+      <p:ext uri="{BB962C8B-B14F-4D97-AF65-F5344CB8AC3E}">
+        <p14:creationId xmlns:p14="http://schemas.microsoft.com/office/powerpoint/2010/main" val="3956531924"/>
+      </p:ext>
+    </p:extLst>
+  </p:cSld>
+  <p:clrMapOvr>
+    <a:masterClrMapping/>
+  </p:clrMapOvr>
+  <p:transition>
+    <p:fade/>
+  </p:transition>
 </p:sld>
 </file>
 
@@ -6773,297 +6942,6 @@
       </p:grpSpPr>
       <p:sp>
         <p:nvSpPr>
-          <p:cNvPr id="2" name="Title 1"/>
-          <p:cNvSpPr>
-            <a:spLocks noGrp="1"/>
-          </p:cNvSpPr>
-          <p:nvPr>
-            <p:ph type="title"/>
-          </p:nvPr>
-        </p:nvSpPr>
-        <p:spPr/>
-        <p:txBody>
-          <a:bodyPr/>
-          <a:lstStyle/>
-          <a:p>
-            <a:r>
-              <a:rPr lang="en-US" dirty="0"/>
-              <a:t>Component Lifecycle</a:t>
-            </a:r>
-          </a:p>
-        </p:txBody>
-      </p:sp>
-      <p:graphicFrame>
-        <p:nvGraphicFramePr>
-          <p:cNvPr id="3" name="Table 2"/>
-          <p:cNvGraphicFramePr>
-            <a:graphicFrameLocks noGrp="1"/>
-          </p:cNvGraphicFramePr>
-          <p:nvPr>
-            <p:extLst>
-              <p:ext uri="{D42A27DB-BD31-4B8C-83A1-F6EECF244321}">
-                <p14:modId xmlns:p14="http://schemas.microsoft.com/office/powerpoint/2010/main" val="676125382"/>
-              </p:ext>
-            </p:extLst>
-          </p:nvPr>
-        </p:nvGraphicFramePr>
-        <p:xfrm>
-          <a:off x="1295400" y="1447800"/>
-          <a:ext cx="6858000" cy="3956598"/>
-        </p:xfrm>
-        <a:graphic>
-          <a:graphicData uri="http://schemas.openxmlformats.org/drawingml/2006/table">
-            <a:tbl>
-              <a:tblPr firstRow="1" bandRow="1">
-                <a:tableStyleId>{5C22544A-7EE6-4342-B048-85BDC9FD1C3A}</a:tableStyleId>
-              </a:tblPr>
-              <a:tblGrid>
-                <a:gridCol w="2228850">
-                  <a:extLst>
-                    <a:ext uri="{9D8B030D-6E8A-4147-A177-3AD203B41FA5}">
-                      <a16:colId xmlns:a16="http://schemas.microsoft.com/office/drawing/2014/main" val="840778844"/>
-                    </a:ext>
-                  </a:extLst>
-                </a:gridCol>
-                <a:gridCol w="4629150">
-                  <a:extLst>
-                    <a:ext uri="{9D8B030D-6E8A-4147-A177-3AD203B41FA5}">
-                      <a16:colId xmlns:a16="http://schemas.microsoft.com/office/drawing/2014/main" val="1312473441"/>
-                    </a:ext>
-                  </a:extLst>
-                </a:gridCol>
-              </a:tblGrid>
-              <a:tr h="574763">
-                <a:tc>
-                  <a:txBody>
-                    <a:bodyPr/>
-                    <a:lstStyle/>
-                    <a:p>
-                      <a:r>
-                        <a:rPr lang="en-US" sz="2400" dirty="0"/>
-                        <a:t>Event</a:t>
-                      </a:r>
-                    </a:p>
-                  </a:txBody>
-                  <a:tcPr/>
-                </a:tc>
-                <a:tc>
-                  <a:txBody>
-                    <a:bodyPr/>
-                    <a:lstStyle/>
-                    <a:p>
-                      <a:r>
-                        <a:rPr lang="en-US" sz="2400" dirty="0"/>
-                        <a:t>Description</a:t>
-                      </a:r>
-                    </a:p>
-                  </a:txBody>
-                  <a:tcPr/>
-                </a:tc>
-                <a:extLst>
-                  <a:ext uri="{0D108BD9-81ED-4DB2-BD59-A6C34878D82A}">
-                    <a16:rowId xmlns:a16="http://schemas.microsoft.com/office/drawing/2014/main" val="445457489"/>
-                  </a:ext>
-                </a:extLst>
-              </a:tr>
-              <a:tr h="992056">
-                <a:tc>
-                  <a:txBody>
-                    <a:bodyPr/>
-                    <a:lstStyle/>
-                    <a:p>
-                      <a:r>
-                        <a:rPr lang="en-US" sz="2400" dirty="0"/>
-                        <a:t>$</a:t>
-                      </a:r>
-                      <a:r>
-                        <a:rPr lang="en-US" sz="2400" dirty="0" err="1"/>
-                        <a:t>onInit</a:t>
-                      </a:r>
-                      <a:endParaRPr lang="en-US" sz="2400" dirty="0"/>
-                    </a:p>
-                  </a:txBody>
-                  <a:tcPr/>
-                </a:tc>
-                <a:tc>
-                  <a:txBody>
-                    <a:bodyPr/>
-                    <a:lstStyle/>
-                    <a:p>
-                      <a:r>
-                        <a:rPr lang="en-US" sz="2400" dirty="0"/>
-                        <a:t>After construction and bindings initialized</a:t>
-                      </a:r>
-                    </a:p>
-                  </a:txBody>
-                  <a:tcPr/>
-                </a:tc>
-                <a:extLst>
-                  <a:ext uri="{0D108BD9-81ED-4DB2-BD59-A6C34878D82A}">
-                    <a16:rowId xmlns:a16="http://schemas.microsoft.com/office/drawing/2014/main" val="1860846376"/>
-                  </a:ext>
-                </a:extLst>
-              </a:tr>
-              <a:tr h="574763">
-                <a:tc>
-                  <a:txBody>
-                    <a:bodyPr/>
-                    <a:lstStyle/>
-                    <a:p>
-                      <a:r>
-                        <a:rPr lang="en-US" sz="2400" dirty="0"/>
-                        <a:t>$</a:t>
-                      </a:r>
-                      <a:r>
-                        <a:rPr lang="en-US" sz="2400" dirty="0" err="1"/>
-                        <a:t>onChanges</a:t>
-                      </a:r>
-                      <a:endParaRPr lang="en-US" sz="2400" dirty="0"/>
-                    </a:p>
-                  </a:txBody>
-                  <a:tcPr/>
-                </a:tc>
-                <a:tc>
-                  <a:txBody>
-                    <a:bodyPr/>
-                    <a:lstStyle/>
-                    <a:p>
-                      <a:r>
-                        <a:rPr lang="en-US" sz="2400" dirty="0"/>
-                        <a:t>Called when bindings are updated</a:t>
-                      </a:r>
-                    </a:p>
-                  </a:txBody>
-                  <a:tcPr/>
-                </a:tc>
-                <a:extLst>
-                  <a:ext uri="{0D108BD9-81ED-4DB2-BD59-A6C34878D82A}">
-                    <a16:rowId xmlns:a16="http://schemas.microsoft.com/office/drawing/2014/main" val="1754046975"/>
-                  </a:ext>
-                </a:extLst>
-              </a:tr>
-              <a:tr h="992056">
-                <a:tc>
-                  <a:txBody>
-                    <a:bodyPr/>
-                    <a:lstStyle/>
-                    <a:p>
-                      <a:r>
-                        <a:rPr lang="en-US" sz="2400" dirty="0"/>
-                        <a:t>$</a:t>
-                      </a:r>
-                      <a:r>
-                        <a:rPr lang="en-US" sz="2400" dirty="0" err="1"/>
-                        <a:t>onDestroy</a:t>
-                      </a:r>
-                      <a:endParaRPr lang="en-US" sz="2400" dirty="0"/>
-                    </a:p>
-                  </a:txBody>
-                  <a:tcPr/>
-                </a:tc>
-                <a:tc>
-                  <a:txBody>
-                    <a:bodyPr/>
-                    <a:lstStyle/>
-                    <a:p>
-                      <a:r>
-                        <a:rPr lang="en-US" sz="2400" dirty="0"/>
-                        <a:t>Called</a:t>
-                      </a:r>
-                      <a:r>
-                        <a:rPr lang="en-US" sz="2400" baseline="0" dirty="0"/>
-                        <a:t> when associated $scope destroyed</a:t>
-                      </a:r>
-                      <a:endParaRPr lang="en-US" sz="2400" dirty="0"/>
-                    </a:p>
-                  </a:txBody>
-                  <a:tcPr/>
-                </a:tc>
-                <a:extLst>
-                  <a:ext uri="{0D108BD9-81ED-4DB2-BD59-A6C34878D82A}">
-                    <a16:rowId xmlns:a16="http://schemas.microsoft.com/office/drawing/2014/main" val="2010874406"/>
-                  </a:ext>
-                </a:extLst>
-              </a:tr>
-              <a:tr h="574763">
-                <a:tc>
-                  <a:txBody>
-                    <a:bodyPr/>
-                    <a:lstStyle/>
-                    <a:p>
-                      <a:r>
-                        <a:rPr lang="en-US" sz="2400" dirty="0"/>
-                        <a:t>$</a:t>
-                      </a:r>
-                      <a:r>
-                        <a:rPr lang="en-US" sz="2400" dirty="0" err="1"/>
-                        <a:t>postLink</a:t>
-                      </a:r>
-                      <a:endParaRPr lang="en-US" sz="2400" dirty="0"/>
-                    </a:p>
-                  </a:txBody>
-                  <a:tcPr/>
-                </a:tc>
-                <a:tc>
-                  <a:txBody>
-                    <a:bodyPr/>
-                    <a:lstStyle/>
-                    <a:p>
-                      <a:r>
-                        <a:rPr lang="en-US" sz="2400" dirty="0"/>
-                        <a:t>Similar to directive</a:t>
-                      </a:r>
-                      <a:r>
-                        <a:rPr lang="en-US" sz="2400" baseline="0" dirty="0"/>
-                        <a:t> link function</a:t>
-                      </a:r>
-                      <a:endParaRPr lang="en-US" sz="2400" dirty="0"/>
-                    </a:p>
-                  </a:txBody>
-                  <a:tcPr/>
-                </a:tc>
-                <a:extLst>
-                  <a:ext uri="{0D108BD9-81ED-4DB2-BD59-A6C34878D82A}">
-                    <a16:rowId xmlns:a16="http://schemas.microsoft.com/office/drawing/2014/main" val="2845257905"/>
-                  </a:ext>
-                </a:extLst>
-              </a:tr>
-            </a:tbl>
-          </a:graphicData>
-        </a:graphic>
-      </p:graphicFrame>
-    </p:spTree>
-    <p:extLst>
-      <p:ext uri="{BB962C8B-B14F-4D97-AF65-F5344CB8AC3E}">
-        <p14:creationId xmlns:p14="http://schemas.microsoft.com/office/powerpoint/2010/main" val="1823786684"/>
-      </p:ext>
-    </p:extLst>
-  </p:cSld>
-  <p:clrMapOvr>
-    <a:masterClrMapping/>
-  </p:clrMapOvr>
-</p:sld>
-</file>
-
-<file path=ppt/slides/slide7.xml><?xml version="1.0" encoding="utf-8"?>
-<p:sld xmlns:a="http://schemas.openxmlformats.org/drawingml/2006/main" xmlns:r="http://schemas.openxmlformats.org/officeDocument/2006/relationships" xmlns:p="http://schemas.openxmlformats.org/presentationml/2006/main">
-  <p:cSld>
-    <p:spTree>
-      <p:nvGrpSpPr>
-        <p:cNvPr id="1" name=""/>
-        <p:cNvGrpSpPr/>
-        <p:nvPr/>
-      </p:nvGrpSpPr>
-      <p:grpSpPr>
-        <a:xfrm>
-          <a:off x="0" y="0"/>
-          <a:ext cx="0" cy="0"/>
-          <a:chOff x="0" y="0"/>
-          <a:chExt cx="0" cy="0"/>
-        </a:xfrm>
-      </p:grpSpPr>
-      <p:sp>
-        <p:nvSpPr>
           <p:cNvPr id="2" name="Content Placeholder 1"/>
           <p:cNvSpPr>
             <a:spLocks noGrp="1"/>
@@ -7627,7 +7505,7 @@
 </p:sld>
 </file>
 
-<file path=ppt/slides/slide8.xml><?xml version="1.0" encoding="utf-8"?>
+<file path=ppt/slides/slide7.xml><?xml version="1.0" encoding="utf-8"?>
 <p:sld xmlns:a="http://schemas.openxmlformats.org/drawingml/2006/main" xmlns:r="http://schemas.openxmlformats.org/officeDocument/2006/relationships" xmlns:p="http://schemas.openxmlformats.org/presentationml/2006/main">
   <p:cSld>
     <p:spTree>
@@ -7767,7 +7645,7 @@
 </p:sld>
 </file>
 
-<file path=ppt/slides/slide9.xml><?xml version="1.0" encoding="utf-8"?>
+<file path=ppt/slides/slide8.xml><?xml version="1.0" encoding="utf-8"?>
 <p:sld xmlns:a="http://schemas.openxmlformats.org/drawingml/2006/main" xmlns:r="http://schemas.openxmlformats.org/officeDocument/2006/relationships" xmlns:p="http://schemas.openxmlformats.org/presentationml/2006/main">
   <p:cSld>
     <p:spTree>
@@ -7865,6 +7743,124 @@
     <p:extLst>
       <p:ext uri="{BB962C8B-B14F-4D97-AF65-F5344CB8AC3E}">
         <p14:creationId xmlns:p14="http://schemas.microsoft.com/office/powerpoint/2010/main" val="3136393491"/>
+      </p:ext>
+    </p:extLst>
+  </p:cSld>
+  <p:clrMapOvr>
+    <a:masterClrMapping/>
+  </p:clrMapOvr>
+  <p:transition>
+    <p:fade/>
+  </p:transition>
+</p:sld>
+</file>
+
+<file path=ppt/slides/slide9.xml><?xml version="1.0" encoding="utf-8"?>
+<p:sld xmlns:a="http://schemas.openxmlformats.org/drawingml/2006/main" xmlns:r="http://schemas.openxmlformats.org/officeDocument/2006/relationships" xmlns:p="http://schemas.openxmlformats.org/presentationml/2006/main">
+  <p:cSld>
+    <p:spTree>
+      <p:nvGrpSpPr>
+        <p:cNvPr id="1" name=""/>
+        <p:cNvGrpSpPr/>
+        <p:nvPr/>
+      </p:nvGrpSpPr>
+      <p:grpSpPr>
+        <a:xfrm>
+          <a:off x="0" y="0"/>
+          <a:ext cx="0" cy="0"/>
+          <a:chOff x="0" y="0"/>
+          <a:chExt cx="0" cy="0"/>
+        </a:xfrm>
+      </p:grpSpPr>
+      <p:sp>
+        <p:nvSpPr>
+          <p:cNvPr id="2" name="Title 1"/>
+          <p:cNvSpPr>
+            <a:spLocks noGrp="1"/>
+          </p:cNvSpPr>
+          <p:nvPr>
+            <p:ph type="title"/>
+          </p:nvPr>
+        </p:nvSpPr>
+        <p:spPr/>
+        <p:txBody>
+          <a:bodyPr/>
+          <a:lstStyle/>
+          <a:p>
+            <a:r>
+              <a:rPr lang="en-US" dirty="0"/>
+              <a:t>ng-link</a:t>
+            </a:r>
+          </a:p>
+        </p:txBody>
+      </p:sp>
+      <p:sp>
+        <p:nvSpPr>
+          <p:cNvPr id="3" name="Text Placeholder 2"/>
+          <p:cNvSpPr>
+            <a:spLocks noGrp="1"/>
+          </p:cNvSpPr>
+          <p:nvPr>
+            <p:ph type="body" idx="1"/>
+          </p:nvPr>
+        </p:nvSpPr>
+        <p:spPr/>
+        <p:txBody>
+          <a:bodyPr/>
+          <a:lstStyle/>
+          <a:p>
+            <a:r>
+              <a:rPr lang="en-US" dirty="0"/>
+              <a:t>Generate links using route names and </a:t>
+            </a:r>
+            <a:r>
+              <a:rPr lang="en-US" dirty="0" err="1"/>
+              <a:t>paramters</a:t>
+            </a:r>
+            <a:endParaRPr lang="en-US" dirty="0"/>
+          </a:p>
+        </p:txBody>
+      </p:sp>
+      <p:pic>
+        <p:nvPicPr>
+          <p:cNvPr id="4" name="Picture 3"/>
+          <p:cNvPicPr>
+            <a:picLocks noChangeAspect="1"/>
+          </p:cNvPicPr>
+          <p:nvPr/>
+        </p:nvPicPr>
+        <p:blipFill>
+          <a:blip r:embed="rId2">
+            <a:extLst>
+              <a:ext uri="{BEBA8EAE-BF5A-486C-A8C5-ECC9F3942E4B}">
+                <a14:imgProps xmlns:a14="http://schemas.microsoft.com/office/drawing/2010/main">
+                  <a14:imgLayer r:embed="rId3">
+                    <a14:imgEffect>
+                      <a14:colorTemperature colorTemp="11200"/>
+                    </a14:imgEffect>
+                  </a14:imgLayer>
+                </a14:imgProps>
+              </a:ext>
+            </a:extLst>
+          </a:blip>
+          <a:stretch>
+            <a:fillRect/>
+          </a:stretch>
+        </p:blipFill>
+        <p:spPr>
+          <a:xfrm>
+            <a:off x="685800" y="2438400"/>
+            <a:ext cx="7105650" cy="2611244"/>
+          </a:xfrm>
+          <a:prstGeom prst="rect">
+            <a:avLst/>
+          </a:prstGeom>
+        </p:spPr>
+      </p:pic>
+    </p:spTree>
+    <p:extLst>
+      <p:ext uri="{BB962C8B-B14F-4D97-AF65-F5344CB8AC3E}">
+        <p14:creationId xmlns:p14="http://schemas.microsoft.com/office/powerpoint/2010/main" val="2151549399"/>
       </p:ext>
     </p:extLst>
   </p:cSld>
